--- a/01 Classes/Aula 10 - Algoritmos e Complexidade - Algoritmos Gulosos.pptx
+++ b/01 Classes/Aula 10 - Algoritmos e Complexidade - Algoritmos Gulosos.pptx
@@ -3935,7 +3935,7 @@
               </a:rPr>
             </a:br>
             <a:r>
-              <a:rPr lang="pt-BR" b="1">
+              <a:rPr lang="pt-BR" b="1" dirty="0">
                 <a:solidFill>
                   <a:schemeClr val="bg1"/>
                 </a:solidFill>
@@ -3963,7 +3963,7 @@
                   <a:schemeClr val="bg1"/>
                 </a:solidFill>
               </a:rPr>
-              <a:t>Contextualização</a:t>
+              <a:t>Algoritmos Gulosos</a:t>
             </a:r>
           </a:p>
         </p:txBody>
@@ -4360,7 +4360,23 @@
                   <a:srgbClr val="0070C0"/>
                 </a:solidFill>
               </a:rPr>
-              <a:t>Contextualização</a:t>
+              <a:t>Algortimos</a:t>
+            </a:r>
+            <a:r>
+              <a:rPr lang="en-US" b="1" dirty="0">
+                <a:solidFill>
+                  <a:srgbClr val="0070C0"/>
+                </a:solidFill>
+              </a:rPr>
+              <a:t> </a:t>
+            </a:r>
+            <a:r>
+              <a:rPr lang="en-US" b="1" dirty="0" err="1">
+                <a:solidFill>
+                  <a:srgbClr val="0070C0"/>
+                </a:solidFill>
+              </a:rPr>
+              <a:t>Gulosos</a:t>
             </a:r>
             <a:endParaRPr lang="en-US" b="1" dirty="0">
               <a:solidFill>

--- a/01 Classes/Aula 10 - Algoritmos e Complexidade - Algoritmos Gulosos.pptx
+++ b/01 Classes/Aula 10 - Algoritmos e Complexidade - Algoritmos Gulosos.pptx
@@ -5,17 +5,24 @@
     <p:sldMasterId id="2147483648" r:id="rId1"/>
   </p:sldMasterIdLst>
   <p:notesMasterIdLst>
-    <p:notesMasterId r:id="rId10"/>
+    <p:notesMasterId r:id="rId17"/>
   </p:notesMasterIdLst>
   <p:sldIdLst>
     <p:sldId id="256" r:id="rId2"/>
     <p:sldId id="291" r:id="rId3"/>
     <p:sldId id="331" r:id="rId4"/>
-    <p:sldId id="333" r:id="rId5"/>
-    <p:sldId id="323" r:id="rId6"/>
-    <p:sldId id="334" r:id="rId7"/>
-    <p:sldId id="337" r:id="rId8"/>
-    <p:sldId id="309" r:id="rId9"/>
+    <p:sldId id="338" r:id="rId5"/>
+    <p:sldId id="339" r:id="rId6"/>
+    <p:sldId id="340" r:id="rId7"/>
+    <p:sldId id="341" r:id="rId8"/>
+    <p:sldId id="342" r:id="rId9"/>
+    <p:sldId id="344" r:id="rId10"/>
+    <p:sldId id="333" r:id="rId11"/>
+    <p:sldId id="323" r:id="rId12"/>
+    <p:sldId id="334" r:id="rId13"/>
+    <p:sldId id="343" r:id="rId14"/>
+    <p:sldId id="337" r:id="rId15"/>
+    <p:sldId id="309" r:id="rId16"/>
   </p:sldIdLst>
   <p:sldSz cx="9144000" cy="5143500" type="screen16x9"/>
   <p:notesSz cx="6858000" cy="9144000"/>
@@ -562,6 +569,288 @@
 </p:notes>
 </file>
 
+<file path=ppt/notesSlides/notesSlide10.xml><?xml version="1.0" encoding="utf-8"?>
+<p:notes xmlns:a="http://schemas.openxmlformats.org/drawingml/2006/main" xmlns:r="http://schemas.openxmlformats.org/officeDocument/2006/relationships" xmlns:p="http://schemas.openxmlformats.org/presentationml/2006/main">
+  <p:cSld>
+    <p:spTree>
+      <p:nvGrpSpPr>
+        <p:cNvPr id="1" name=""/>
+        <p:cNvGrpSpPr/>
+        <p:nvPr/>
+      </p:nvGrpSpPr>
+      <p:grpSpPr>
+        <a:xfrm>
+          <a:off x="0" y="0"/>
+          <a:ext cx="0" cy="0"/>
+          <a:chOff x="0" y="0"/>
+          <a:chExt cx="0" cy="0"/>
+        </a:xfrm>
+      </p:grpSpPr>
+      <p:sp>
+        <p:nvSpPr>
+          <p:cNvPr id="2" name="Espaço Reservado para Imagem de Slide 1"/>
+          <p:cNvSpPr>
+            <a:spLocks noGrp="1" noRot="1" noChangeAspect="1"/>
+          </p:cNvSpPr>
+          <p:nvPr>
+            <p:ph type="sldImg"/>
+          </p:nvPr>
+        </p:nvSpPr>
+        <p:spPr>
+          <a:xfrm>
+            <a:off x="381000" y="685800"/>
+            <a:ext cx="6096000" cy="3429000"/>
+          </a:xfrm>
+        </p:spPr>
+      </p:sp>
+      <p:sp>
+        <p:nvSpPr>
+          <p:cNvPr id="3" name="Espaço Reservado para Anotações 2"/>
+          <p:cNvSpPr>
+            <a:spLocks noGrp="1"/>
+          </p:cNvSpPr>
+          <p:nvPr>
+            <p:ph type="body" idx="1"/>
+          </p:nvPr>
+        </p:nvSpPr>
+        <p:spPr/>
+        <p:txBody>
+          <a:bodyPr/>
+          <a:lstStyle/>
+          <a:p>
+            <a:endParaRPr lang="pt-BR" dirty="0"/>
+          </a:p>
+        </p:txBody>
+      </p:sp>
+    </p:spTree>
+    <p:extLst>
+      <p:ext uri="{BB962C8B-B14F-4D97-AF65-F5344CB8AC3E}">
+        <p14:creationId xmlns:p14="http://schemas.microsoft.com/office/powerpoint/2010/main" val="2709569597"/>
+      </p:ext>
+    </p:extLst>
+  </p:cSld>
+  <p:clrMapOvr>
+    <a:masterClrMapping/>
+  </p:clrMapOvr>
+</p:notes>
+</file>
+
+<file path=ppt/notesSlides/notesSlide11.xml><?xml version="1.0" encoding="utf-8"?>
+<p:notes xmlns:a="http://schemas.openxmlformats.org/drawingml/2006/main" xmlns:r="http://schemas.openxmlformats.org/officeDocument/2006/relationships" xmlns:p="http://schemas.openxmlformats.org/presentationml/2006/main">
+  <p:cSld>
+    <p:spTree>
+      <p:nvGrpSpPr>
+        <p:cNvPr id="1" name=""/>
+        <p:cNvGrpSpPr/>
+        <p:nvPr/>
+      </p:nvGrpSpPr>
+      <p:grpSpPr>
+        <a:xfrm>
+          <a:off x="0" y="0"/>
+          <a:ext cx="0" cy="0"/>
+          <a:chOff x="0" y="0"/>
+          <a:chExt cx="0" cy="0"/>
+        </a:xfrm>
+      </p:grpSpPr>
+      <p:sp>
+        <p:nvSpPr>
+          <p:cNvPr id="2" name="Espaço Reservado para Imagem de Slide 1"/>
+          <p:cNvSpPr>
+            <a:spLocks noGrp="1" noRot="1" noChangeAspect="1"/>
+          </p:cNvSpPr>
+          <p:nvPr>
+            <p:ph type="sldImg"/>
+          </p:nvPr>
+        </p:nvSpPr>
+        <p:spPr>
+          <a:xfrm>
+            <a:off x="381000" y="685800"/>
+            <a:ext cx="6096000" cy="3429000"/>
+          </a:xfrm>
+        </p:spPr>
+      </p:sp>
+      <p:sp>
+        <p:nvSpPr>
+          <p:cNvPr id="3" name="Espaço Reservado para Anotações 2"/>
+          <p:cNvSpPr>
+            <a:spLocks noGrp="1"/>
+          </p:cNvSpPr>
+          <p:nvPr>
+            <p:ph type="body" idx="1"/>
+          </p:nvPr>
+        </p:nvSpPr>
+        <p:spPr/>
+        <p:txBody>
+          <a:bodyPr/>
+          <a:lstStyle/>
+          <a:p>
+            <a:endParaRPr lang="pt-BR" dirty="0"/>
+          </a:p>
+        </p:txBody>
+      </p:sp>
+    </p:spTree>
+    <p:extLst>
+      <p:ext uri="{BB962C8B-B14F-4D97-AF65-F5344CB8AC3E}">
+        <p14:creationId xmlns:p14="http://schemas.microsoft.com/office/powerpoint/2010/main" val="2296249050"/>
+      </p:ext>
+    </p:extLst>
+  </p:cSld>
+  <p:clrMapOvr>
+    <a:masterClrMapping/>
+  </p:clrMapOvr>
+</p:notes>
+</file>
+
+<file path=ppt/notesSlides/notesSlide12.xml><?xml version="1.0" encoding="utf-8"?>
+<p:notes xmlns:a="http://schemas.openxmlformats.org/drawingml/2006/main" xmlns:r="http://schemas.openxmlformats.org/officeDocument/2006/relationships" xmlns:p="http://schemas.openxmlformats.org/presentationml/2006/main">
+  <p:cSld>
+    <p:spTree>
+      <p:nvGrpSpPr>
+        <p:cNvPr id="1" name="">
+          <a:extLst>
+            <a:ext uri="{FF2B5EF4-FFF2-40B4-BE49-F238E27FC236}">
+              <a16:creationId xmlns:a16="http://schemas.microsoft.com/office/drawing/2014/main" id="{4441FDD0-1821-606F-5382-13ABBACBD100}"/>
+            </a:ext>
+          </a:extLst>
+        </p:cNvPr>
+        <p:cNvGrpSpPr/>
+        <p:nvPr/>
+      </p:nvGrpSpPr>
+      <p:grpSpPr>
+        <a:xfrm>
+          <a:off x="0" y="0"/>
+          <a:ext cx="0" cy="0"/>
+          <a:chOff x="0" y="0"/>
+          <a:chExt cx="0" cy="0"/>
+        </a:xfrm>
+      </p:grpSpPr>
+      <p:sp>
+        <p:nvSpPr>
+          <p:cNvPr id="2" name="Espaço Reservado para Imagem de Slide 1">
+            <a:extLst>
+              <a:ext uri="{FF2B5EF4-FFF2-40B4-BE49-F238E27FC236}">
+                <a16:creationId xmlns:a16="http://schemas.microsoft.com/office/drawing/2014/main" id="{411938B9-B36F-5C98-0A66-1B9E29C28C79}"/>
+              </a:ext>
+            </a:extLst>
+          </p:cNvPr>
+          <p:cNvSpPr>
+            <a:spLocks noGrp="1" noRot="1" noChangeAspect="1"/>
+          </p:cNvSpPr>
+          <p:nvPr>
+            <p:ph type="sldImg"/>
+          </p:nvPr>
+        </p:nvSpPr>
+        <p:spPr>
+          <a:xfrm>
+            <a:off x="381000" y="685800"/>
+            <a:ext cx="6096000" cy="3429000"/>
+          </a:xfrm>
+        </p:spPr>
+      </p:sp>
+      <p:sp>
+        <p:nvSpPr>
+          <p:cNvPr id="3" name="Espaço Reservado para Anotações 2">
+            <a:extLst>
+              <a:ext uri="{FF2B5EF4-FFF2-40B4-BE49-F238E27FC236}">
+                <a16:creationId xmlns:a16="http://schemas.microsoft.com/office/drawing/2014/main" id="{CED99FB9-6086-E996-CD72-B5E172793420}"/>
+              </a:ext>
+            </a:extLst>
+          </p:cNvPr>
+          <p:cNvSpPr>
+            <a:spLocks noGrp="1"/>
+          </p:cNvSpPr>
+          <p:nvPr>
+            <p:ph type="body" idx="1"/>
+          </p:nvPr>
+        </p:nvSpPr>
+        <p:spPr/>
+        <p:txBody>
+          <a:bodyPr/>
+          <a:lstStyle/>
+          <a:p>
+            <a:endParaRPr lang="pt-BR" dirty="0"/>
+          </a:p>
+        </p:txBody>
+      </p:sp>
+    </p:spTree>
+    <p:extLst>
+      <p:ext uri="{BB962C8B-B14F-4D97-AF65-F5344CB8AC3E}">
+        <p14:creationId xmlns:p14="http://schemas.microsoft.com/office/powerpoint/2010/main" val="2455384691"/>
+      </p:ext>
+    </p:extLst>
+  </p:cSld>
+  <p:clrMapOvr>
+    <a:masterClrMapping/>
+  </p:clrMapOvr>
+</p:notes>
+</file>
+
+<file path=ppt/notesSlides/notesSlide13.xml><?xml version="1.0" encoding="utf-8"?>
+<p:notes xmlns:a="http://schemas.openxmlformats.org/drawingml/2006/main" xmlns:r="http://schemas.openxmlformats.org/officeDocument/2006/relationships" xmlns:p="http://schemas.openxmlformats.org/presentationml/2006/main">
+  <p:cSld>
+    <p:spTree>
+      <p:nvGrpSpPr>
+        <p:cNvPr id="1" name=""/>
+        <p:cNvGrpSpPr/>
+        <p:nvPr/>
+      </p:nvGrpSpPr>
+      <p:grpSpPr>
+        <a:xfrm>
+          <a:off x="0" y="0"/>
+          <a:ext cx="0" cy="0"/>
+          <a:chOff x="0" y="0"/>
+          <a:chExt cx="0" cy="0"/>
+        </a:xfrm>
+      </p:grpSpPr>
+      <p:sp>
+        <p:nvSpPr>
+          <p:cNvPr id="2" name="Espaço Reservado para Imagem de Slide 1"/>
+          <p:cNvSpPr>
+            <a:spLocks noGrp="1" noRot="1" noChangeAspect="1"/>
+          </p:cNvSpPr>
+          <p:nvPr>
+            <p:ph type="sldImg"/>
+          </p:nvPr>
+        </p:nvSpPr>
+        <p:spPr>
+          <a:xfrm>
+            <a:off x="381000" y="685800"/>
+            <a:ext cx="6096000" cy="3429000"/>
+          </a:xfrm>
+        </p:spPr>
+      </p:sp>
+      <p:sp>
+        <p:nvSpPr>
+          <p:cNvPr id="3" name="Espaço Reservado para Anotações 2"/>
+          <p:cNvSpPr>
+            <a:spLocks noGrp="1"/>
+          </p:cNvSpPr>
+          <p:nvPr>
+            <p:ph type="body" idx="1"/>
+          </p:nvPr>
+        </p:nvSpPr>
+        <p:spPr/>
+        <p:txBody>
+          <a:bodyPr/>
+          <a:lstStyle/>
+          <a:p>
+            <a:endParaRPr lang="pt-BR" dirty="0"/>
+          </a:p>
+        </p:txBody>
+      </p:sp>
+    </p:spTree>
+    <p:extLst>
+      <p:ext uri="{BB962C8B-B14F-4D97-AF65-F5344CB8AC3E}">
+        <p14:creationId xmlns:p14="http://schemas.microsoft.com/office/powerpoint/2010/main" val="4290351292"/>
+      </p:ext>
+    </p:extLst>
+  </p:cSld>
+  <p:clrMapOvr>
+    <a:masterClrMapping/>
+  </p:clrMapOvr>
+</p:notes>
+</file>
+
 <file path=ppt/notesSlides/notesSlide2.xml><?xml version="1.0" encoding="utf-8"?>
 <p:notes xmlns:a="http://schemas.openxmlformats.org/drawingml/2006/main" xmlns:r="http://schemas.openxmlformats.org/officeDocument/2006/relationships" xmlns:p="http://schemas.openxmlformats.org/presentationml/2006/main">
   <p:cSld>
@@ -633,7 +922,13 @@
   <p:cSld>
     <p:spTree>
       <p:nvGrpSpPr>
-        <p:cNvPr id="1" name=""/>
+        <p:cNvPr id="1" name="">
+          <a:extLst>
+            <a:ext uri="{FF2B5EF4-FFF2-40B4-BE49-F238E27FC236}">
+              <a16:creationId xmlns:a16="http://schemas.microsoft.com/office/drawing/2014/main" id="{16F30D08-368B-F2BD-D985-B10BBE1D86D0}"/>
+            </a:ext>
+          </a:extLst>
+        </p:cNvPr>
         <p:cNvGrpSpPr/>
         <p:nvPr/>
       </p:nvGrpSpPr>
@@ -647,7 +942,13 @@
       </p:grpSpPr>
       <p:sp>
         <p:nvSpPr>
-          <p:cNvPr id="2" name="Espaço Reservado para Imagem de Slide 1"/>
+          <p:cNvPr id="2" name="Espaço Reservado para Imagem de Slide 1">
+            <a:extLst>
+              <a:ext uri="{FF2B5EF4-FFF2-40B4-BE49-F238E27FC236}">
+                <a16:creationId xmlns:a16="http://schemas.microsoft.com/office/drawing/2014/main" id="{ADEF8DD2-2E3B-44E7-A03C-C7D360769E0B}"/>
+              </a:ext>
+            </a:extLst>
+          </p:cNvPr>
           <p:cNvSpPr>
             <a:spLocks noGrp="1" noRot="1" noChangeAspect="1"/>
           </p:cNvSpPr>
@@ -664,7 +965,13 @@
       </p:sp>
       <p:sp>
         <p:nvSpPr>
-          <p:cNvPr id="3" name="Espaço Reservado para Anotações 2"/>
+          <p:cNvPr id="3" name="Espaço Reservado para Anotações 2">
+            <a:extLst>
+              <a:ext uri="{FF2B5EF4-FFF2-40B4-BE49-F238E27FC236}">
+                <a16:creationId xmlns:a16="http://schemas.microsoft.com/office/drawing/2014/main" id="{2B727338-53CE-C183-1A7A-9E8F8C142C6E}"/>
+              </a:ext>
+            </a:extLst>
+          </p:cNvPr>
           <p:cNvSpPr>
             <a:spLocks noGrp="1"/>
           </p:cNvSpPr>
@@ -684,7 +991,7 @@
     </p:spTree>
     <p:extLst>
       <p:ext uri="{BB962C8B-B14F-4D97-AF65-F5344CB8AC3E}">
-        <p14:creationId xmlns:p14="http://schemas.microsoft.com/office/powerpoint/2010/main" val="585304384"/>
+        <p14:creationId xmlns:p14="http://schemas.microsoft.com/office/powerpoint/2010/main" val="2956592601"/>
       </p:ext>
     </p:extLst>
   </p:cSld>
@@ -695,6 +1002,426 @@
 </file>
 
 <file path=ppt/notesSlides/notesSlide4.xml><?xml version="1.0" encoding="utf-8"?>
+<p:notes xmlns:a="http://schemas.openxmlformats.org/drawingml/2006/main" xmlns:r="http://schemas.openxmlformats.org/officeDocument/2006/relationships" xmlns:p="http://schemas.openxmlformats.org/presentationml/2006/main">
+  <p:cSld>
+    <p:spTree>
+      <p:nvGrpSpPr>
+        <p:cNvPr id="1" name="">
+          <a:extLst>
+            <a:ext uri="{FF2B5EF4-FFF2-40B4-BE49-F238E27FC236}">
+              <a16:creationId xmlns:a16="http://schemas.microsoft.com/office/drawing/2014/main" id="{99704210-52E8-3ACD-60BF-AEDE068DB621}"/>
+            </a:ext>
+          </a:extLst>
+        </p:cNvPr>
+        <p:cNvGrpSpPr/>
+        <p:nvPr/>
+      </p:nvGrpSpPr>
+      <p:grpSpPr>
+        <a:xfrm>
+          <a:off x="0" y="0"/>
+          <a:ext cx="0" cy="0"/>
+          <a:chOff x="0" y="0"/>
+          <a:chExt cx="0" cy="0"/>
+        </a:xfrm>
+      </p:grpSpPr>
+      <p:sp>
+        <p:nvSpPr>
+          <p:cNvPr id="2" name="Espaço Reservado para Imagem de Slide 1">
+            <a:extLst>
+              <a:ext uri="{FF2B5EF4-FFF2-40B4-BE49-F238E27FC236}">
+                <a16:creationId xmlns:a16="http://schemas.microsoft.com/office/drawing/2014/main" id="{BDD45F03-2A9D-9983-AD7F-4B18FD6B5293}"/>
+              </a:ext>
+            </a:extLst>
+          </p:cNvPr>
+          <p:cNvSpPr>
+            <a:spLocks noGrp="1" noRot="1" noChangeAspect="1"/>
+          </p:cNvSpPr>
+          <p:nvPr>
+            <p:ph type="sldImg"/>
+          </p:nvPr>
+        </p:nvSpPr>
+        <p:spPr>
+          <a:xfrm>
+            <a:off x="381000" y="685800"/>
+            <a:ext cx="6096000" cy="3429000"/>
+          </a:xfrm>
+        </p:spPr>
+      </p:sp>
+      <p:sp>
+        <p:nvSpPr>
+          <p:cNvPr id="3" name="Espaço Reservado para Anotações 2">
+            <a:extLst>
+              <a:ext uri="{FF2B5EF4-FFF2-40B4-BE49-F238E27FC236}">
+                <a16:creationId xmlns:a16="http://schemas.microsoft.com/office/drawing/2014/main" id="{A98BBBB7-FA15-9F52-C55E-646D96B86ADE}"/>
+              </a:ext>
+            </a:extLst>
+          </p:cNvPr>
+          <p:cNvSpPr>
+            <a:spLocks noGrp="1"/>
+          </p:cNvSpPr>
+          <p:nvPr>
+            <p:ph type="body" idx="1"/>
+          </p:nvPr>
+        </p:nvSpPr>
+        <p:spPr/>
+        <p:txBody>
+          <a:bodyPr/>
+          <a:lstStyle/>
+          <a:p>
+            <a:endParaRPr lang="pt-BR" dirty="0"/>
+          </a:p>
+        </p:txBody>
+      </p:sp>
+    </p:spTree>
+    <p:extLst>
+      <p:ext uri="{BB962C8B-B14F-4D97-AF65-F5344CB8AC3E}">
+        <p14:creationId xmlns:p14="http://schemas.microsoft.com/office/powerpoint/2010/main" val="3037410396"/>
+      </p:ext>
+    </p:extLst>
+  </p:cSld>
+  <p:clrMapOvr>
+    <a:masterClrMapping/>
+  </p:clrMapOvr>
+</p:notes>
+</file>
+
+<file path=ppt/notesSlides/notesSlide5.xml><?xml version="1.0" encoding="utf-8"?>
+<p:notes xmlns:a="http://schemas.openxmlformats.org/drawingml/2006/main" xmlns:r="http://schemas.openxmlformats.org/officeDocument/2006/relationships" xmlns:p="http://schemas.openxmlformats.org/presentationml/2006/main">
+  <p:cSld>
+    <p:spTree>
+      <p:nvGrpSpPr>
+        <p:cNvPr id="1" name="">
+          <a:extLst>
+            <a:ext uri="{FF2B5EF4-FFF2-40B4-BE49-F238E27FC236}">
+              <a16:creationId xmlns:a16="http://schemas.microsoft.com/office/drawing/2014/main" id="{7AA483EE-0B4E-BA5B-5CBC-95161886B37B}"/>
+            </a:ext>
+          </a:extLst>
+        </p:cNvPr>
+        <p:cNvGrpSpPr/>
+        <p:nvPr/>
+      </p:nvGrpSpPr>
+      <p:grpSpPr>
+        <a:xfrm>
+          <a:off x="0" y="0"/>
+          <a:ext cx="0" cy="0"/>
+          <a:chOff x="0" y="0"/>
+          <a:chExt cx="0" cy="0"/>
+        </a:xfrm>
+      </p:grpSpPr>
+      <p:sp>
+        <p:nvSpPr>
+          <p:cNvPr id="2" name="Espaço Reservado para Imagem de Slide 1">
+            <a:extLst>
+              <a:ext uri="{FF2B5EF4-FFF2-40B4-BE49-F238E27FC236}">
+                <a16:creationId xmlns:a16="http://schemas.microsoft.com/office/drawing/2014/main" id="{3DE55E9F-5AF4-0E53-CB17-C9E176FEDC46}"/>
+              </a:ext>
+            </a:extLst>
+          </p:cNvPr>
+          <p:cNvSpPr>
+            <a:spLocks noGrp="1" noRot="1" noChangeAspect="1"/>
+          </p:cNvSpPr>
+          <p:nvPr>
+            <p:ph type="sldImg"/>
+          </p:nvPr>
+        </p:nvSpPr>
+        <p:spPr>
+          <a:xfrm>
+            <a:off x="381000" y="685800"/>
+            <a:ext cx="6096000" cy="3429000"/>
+          </a:xfrm>
+        </p:spPr>
+      </p:sp>
+      <p:sp>
+        <p:nvSpPr>
+          <p:cNvPr id="3" name="Espaço Reservado para Anotações 2">
+            <a:extLst>
+              <a:ext uri="{FF2B5EF4-FFF2-40B4-BE49-F238E27FC236}">
+                <a16:creationId xmlns:a16="http://schemas.microsoft.com/office/drawing/2014/main" id="{5EB39FE0-AA50-461C-E4B0-CEADDCB1DA21}"/>
+              </a:ext>
+            </a:extLst>
+          </p:cNvPr>
+          <p:cNvSpPr>
+            <a:spLocks noGrp="1"/>
+          </p:cNvSpPr>
+          <p:nvPr>
+            <p:ph type="body" idx="1"/>
+          </p:nvPr>
+        </p:nvSpPr>
+        <p:spPr/>
+        <p:txBody>
+          <a:bodyPr/>
+          <a:lstStyle/>
+          <a:p>
+            <a:endParaRPr lang="pt-BR" dirty="0"/>
+          </a:p>
+        </p:txBody>
+      </p:sp>
+    </p:spTree>
+    <p:extLst>
+      <p:ext uri="{BB962C8B-B14F-4D97-AF65-F5344CB8AC3E}">
+        <p14:creationId xmlns:p14="http://schemas.microsoft.com/office/powerpoint/2010/main" val="4020956213"/>
+      </p:ext>
+    </p:extLst>
+  </p:cSld>
+  <p:clrMapOvr>
+    <a:masterClrMapping/>
+  </p:clrMapOvr>
+</p:notes>
+</file>
+
+<file path=ppt/notesSlides/notesSlide6.xml><?xml version="1.0" encoding="utf-8"?>
+<p:notes xmlns:a="http://schemas.openxmlformats.org/drawingml/2006/main" xmlns:r="http://schemas.openxmlformats.org/officeDocument/2006/relationships" xmlns:p="http://schemas.openxmlformats.org/presentationml/2006/main">
+  <p:cSld>
+    <p:spTree>
+      <p:nvGrpSpPr>
+        <p:cNvPr id="1" name="">
+          <a:extLst>
+            <a:ext uri="{FF2B5EF4-FFF2-40B4-BE49-F238E27FC236}">
+              <a16:creationId xmlns:a16="http://schemas.microsoft.com/office/drawing/2014/main" id="{E012225A-4D8F-BBE5-2B39-55F980BF82D7}"/>
+            </a:ext>
+          </a:extLst>
+        </p:cNvPr>
+        <p:cNvGrpSpPr/>
+        <p:nvPr/>
+      </p:nvGrpSpPr>
+      <p:grpSpPr>
+        <a:xfrm>
+          <a:off x="0" y="0"/>
+          <a:ext cx="0" cy="0"/>
+          <a:chOff x="0" y="0"/>
+          <a:chExt cx="0" cy="0"/>
+        </a:xfrm>
+      </p:grpSpPr>
+      <p:sp>
+        <p:nvSpPr>
+          <p:cNvPr id="2" name="Espaço Reservado para Imagem de Slide 1">
+            <a:extLst>
+              <a:ext uri="{FF2B5EF4-FFF2-40B4-BE49-F238E27FC236}">
+                <a16:creationId xmlns:a16="http://schemas.microsoft.com/office/drawing/2014/main" id="{96E3A310-9CC7-15AA-3021-5DD1D6FF306F}"/>
+              </a:ext>
+            </a:extLst>
+          </p:cNvPr>
+          <p:cNvSpPr>
+            <a:spLocks noGrp="1" noRot="1" noChangeAspect="1"/>
+          </p:cNvSpPr>
+          <p:nvPr>
+            <p:ph type="sldImg"/>
+          </p:nvPr>
+        </p:nvSpPr>
+        <p:spPr>
+          <a:xfrm>
+            <a:off x="381000" y="685800"/>
+            <a:ext cx="6096000" cy="3429000"/>
+          </a:xfrm>
+        </p:spPr>
+      </p:sp>
+      <p:sp>
+        <p:nvSpPr>
+          <p:cNvPr id="3" name="Espaço Reservado para Anotações 2">
+            <a:extLst>
+              <a:ext uri="{FF2B5EF4-FFF2-40B4-BE49-F238E27FC236}">
+                <a16:creationId xmlns:a16="http://schemas.microsoft.com/office/drawing/2014/main" id="{41CE4CB3-3A86-D35E-1EC0-5AB0AE15A3B6}"/>
+              </a:ext>
+            </a:extLst>
+          </p:cNvPr>
+          <p:cNvSpPr>
+            <a:spLocks noGrp="1"/>
+          </p:cNvSpPr>
+          <p:nvPr>
+            <p:ph type="body" idx="1"/>
+          </p:nvPr>
+        </p:nvSpPr>
+        <p:spPr/>
+        <p:txBody>
+          <a:bodyPr/>
+          <a:lstStyle/>
+          <a:p>
+            <a:endParaRPr lang="pt-BR" dirty="0"/>
+          </a:p>
+        </p:txBody>
+      </p:sp>
+    </p:spTree>
+    <p:extLst>
+      <p:ext uri="{BB962C8B-B14F-4D97-AF65-F5344CB8AC3E}">
+        <p14:creationId xmlns:p14="http://schemas.microsoft.com/office/powerpoint/2010/main" val="1713465545"/>
+      </p:ext>
+    </p:extLst>
+  </p:cSld>
+  <p:clrMapOvr>
+    <a:masterClrMapping/>
+  </p:clrMapOvr>
+</p:notes>
+</file>
+
+<file path=ppt/notesSlides/notesSlide7.xml><?xml version="1.0" encoding="utf-8"?>
+<p:notes xmlns:a="http://schemas.openxmlformats.org/drawingml/2006/main" xmlns:r="http://schemas.openxmlformats.org/officeDocument/2006/relationships" xmlns:p="http://schemas.openxmlformats.org/presentationml/2006/main">
+  <p:cSld>
+    <p:spTree>
+      <p:nvGrpSpPr>
+        <p:cNvPr id="1" name="">
+          <a:extLst>
+            <a:ext uri="{FF2B5EF4-FFF2-40B4-BE49-F238E27FC236}">
+              <a16:creationId xmlns:a16="http://schemas.microsoft.com/office/drawing/2014/main" id="{4BD5A921-FC6D-C2A8-68C3-3F7C589B5437}"/>
+            </a:ext>
+          </a:extLst>
+        </p:cNvPr>
+        <p:cNvGrpSpPr/>
+        <p:nvPr/>
+      </p:nvGrpSpPr>
+      <p:grpSpPr>
+        <a:xfrm>
+          <a:off x="0" y="0"/>
+          <a:ext cx="0" cy="0"/>
+          <a:chOff x="0" y="0"/>
+          <a:chExt cx="0" cy="0"/>
+        </a:xfrm>
+      </p:grpSpPr>
+      <p:sp>
+        <p:nvSpPr>
+          <p:cNvPr id="2" name="Espaço Reservado para Imagem de Slide 1">
+            <a:extLst>
+              <a:ext uri="{FF2B5EF4-FFF2-40B4-BE49-F238E27FC236}">
+                <a16:creationId xmlns:a16="http://schemas.microsoft.com/office/drawing/2014/main" id="{C6503255-77C5-F8EC-CC1A-0C0C6260A76B}"/>
+              </a:ext>
+            </a:extLst>
+          </p:cNvPr>
+          <p:cNvSpPr>
+            <a:spLocks noGrp="1" noRot="1" noChangeAspect="1"/>
+          </p:cNvSpPr>
+          <p:nvPr>
+            <p:ph type="sldImg"/>
+          </p:nvPr>
+        </p:nvSpPr>
+        <p:spPr>
+          <a:xfrm>
+            <a:off x="381000" y="685800"/>
+            <a:ext cx="6096000" cy="3429000"/>
+          </a:xfrm>
+        </p:spPr>
+      </p:sp>
+      <p:sp>
+        <p:nvSpPr>
+          <p:cNvPr id="3" name="Espaço Reservado para Anotações 2">
+            <a:extLst>
+              <a:ext uri="{FF2B5EF4-FFF2-40B4-BE49-F238E27FC236}">
+                <a16:creationId xmlns:a16="http://schemas.microsoft.com/office/drawing/2014/main" id="{11F0C82F-45F3-A336-7FC1-5E81BFCF7419}"/>
+              </a:ext>
+            </a:extLst>
+          </p:cNvPr>
+          <p:cNvSpPr>
+            <a:spLocks noGrp="1"/>
+          </p:cNvSpPr>
+          <p:nvPr>
+            <p:ph type="body" idx="1"/>
+          </p:nvPr>
+        </p:nvSpPr>
+        <p:spPr/>
+        <p:txBody>
+          <a:bodyPr/>
+          <a:lstStyle/>
+          <a:p>
+            <a:endParaRPr lang="pt-BR" dirty="0"/>
+          </a:p>
+        </p:txBody>
+      </p:sp>
+    </p:spTree>
+    <p:extLst>
+      <p:ext uri="{BB962C8B-B14F-4D97-AF65-F5344CB8AC3E}">
+        <p14:creationId xmlns:p14="http://schemas.microsoft.com/office/powerpoint/2010/main" val="3440945590"/>
+      </p:ext>
+    </p:extLst>
+  </p:cSld>
+  <p:clrMapOvr>
+    <a:masterClrMapping/>
+  </p:clrMapOvr>
+</p:notes>
+</file>
+
+<file path=ppt/notesSlides/notesSlide8.xml><?xml version="1.0" encoding="utf-8"?>
+<p:notes xmlns:a="http://schemas.openxmlformats.org/drawingml/2006/main" xmlns:r="http://schemas.openxmlformats.org/officeDocument/2006/relationships" xmlns:p="http://schemas.openxmlformats.org/presentationml/2006/main">
+  <p:cSld>
+    <p:spTree>
+      <p:nvGrpSpPr>
+        <p:cNvPr id="1" name="">
+          <a:extLst>
+            <a:ext uri="{FF2B5EF4-FFF2-40B4-BE49-F238E27FC236}">
+              <a16:creationId xmlns:a16="http://schemas.microsoft.com/office/drawing/2014/main" id="{C797DCDB-988B-5C73-B888-CFDD9682C511}"/>
+            </a:ext>
+          </a:extLst>
+        </p:cNvPr>
+        <p:cNvGrpSpPr/>
+        <p:nvPr/>
+      </p:nvGrpSpPr>
+      <p:grpSpPr>
+        <a:xfrm>
+          <a:off x="0" y="0"/>
+          <a:ext cx="0" cy="0"/>
+          <a:chOff x="0" y="0"/>
+          <a:chExt cx="0" cy="0"/>
+        </a:xfrm>
+      </p:grpSpPr>
+      <p:sp>
+        <p:nvSpPr>
+          <p:cNvPr id="2" name="Espaço Reservado para Imagem de Slide 1">
+            <a:extLst>
+              <a:ext uri="{FF2B5EF4-FFF2-40B4-BE49-F238E27FC236}">
+                <a16:creationId xmlns:a16="http://schemas.microsoft.com/office/drawing/2014/main" id="{0AC8C338-F826-C303-9B35-6ABAAB39D5C0}"/>
+              </a:ext>
+            </a:extLst>
+          </p:cNvPr>
+          <p:cNvSpPr>
+            <a:spLocks noGrp="1" noRot="1" noChangeAspect="1"/>
+          </p:cNvSpPr>
+          <p:nvPr>
+            <p:ph type="sldImg"/>
+          </p:nvPr>
+        </p:nvSpPr>
+        <p:spPr>
+          <a:xfrm>
+            <a:off x="381000" y="685800"/>
+            <a:ext cx="6096000" cy="3429000"/>
+          </a:xfrm>
+        </p:spPr>
+      </p:sp>
+      <p:sp>
+        <p:nvSpPr>
+          <p:cNvPr id="3" name="Espaço Reservado para Anotações 2">
+            <a:extLst>
+              <a:ext uri="{FF2B5EF4-FFF2-40B4-BE49-F238E27FC236}">
+                <a16:creationId xmlns:a16="http://schemas.microsoft.com/office/drawing/2014/main" id="{2E2AA00B-8326-71A4-4536-1E5613B7FD2B}"/>
+              </a:ext>
+            </a:extLst>
+          </p:cNvPr>
+          <p:cNvSpPr>
+            <a:spLocks noGrp="1"/>
+          </p:cNvSpPr>
+          <p:nvPr>
+            <p:ph type="body" idx="1"/>
+          </p:nvPr>
+        </p:nvSpPr>
+        <p:spPr/>
+        <p:txBody>
+          <a:bodyPr/>
+          <a:lstStyle/>
+          <a:p>
+            <a:endParaRPr lang="pt-BR" dirty="0"/>
+          </a:p>
+        </p:txBody>
+      </p:sp>
+    </p:spTree>
+    <p:extLst>
+      <p:ext uri="{BB962C8B-B14F-4D97-AF65-F5344CB8AC3E}">
+        <p14:creationId xmlns:p14="http://schemas.microsoft.com/office/powerpoint/2010/main" val="1949312676"/>
+      </p:ext>
+    </p:extLst>
+  </p:cSld>
+  <p:clrMapOvr>
+    <a:masterClrMapping/>
+  </p:clrMapOvr>
+</p:notes>
+</file>
+
+<file path=ppt/notesSlides/notesSlide9.xml><?xml version="1.0" encoding="utf-8"?>
 <p:notes xmlns:a="http://schemas.openxmlformats.org/drawingml/2006/main" xmlns:r="http://schemas.openxmlformats.org/officeDocument/2006/relationships" xmlns:p="http://schemas.openxmlformats.org/presentationml/2006/main">
   <p:cSld>
     <p:spTree>
@@ -750,139 +1477,7 @@
     </p:spTree>
     <p:extLst>
       <p:ext uri="{BB962C8B-B14F-4D97-AF65-F5344CB8AC3E}">
-        <p14:creationId xmlns:p14="http://schemas.microsoft.com/office/powerpoint/2010/main" val="2709569597"/>
-      </p:ext>
-    </p:extLst>
-  </p:cSld>
-  <p:clrMapOvr>
-    <a:masterClrMapping/>
-  </p:clrMapOvr>
-</p:notes>
-</file>
-
-<file path=ppt/notesSlides/notesSlide5.xml><?xml version="1.0" encoding="utf-8"?>
-<p:notes xmlns:a="http://schemas.openxmlformats.org/drawingml/2006/main" xmlns:r="http://schemas.openxmlformats.org/officeDocument/2006/relationships" xmlns:p="http://schemas.openxmlformats.org/presentationml/2006/main">
-  <p:cSld>
-    <p:spTree>
-      <p:nvGrpSpPr>
-        <p:cNvPr id="1" name=""/>
-        <p:cNvGrpSpPr/>
-        <p:nvPr/>
-      </p:nvGrpSpPr>
-      <p:grpSpPr>
-        <a:xfrm>
-          <a:off x="0" y="0"/>
-          <a:ext cx="0" cy="0"/>
-          <a:chOff x="0" y="0"/>
-          <a:chExt cx="0" cy="0"/>
-        </a:xfrm>
-      </p:grpSpPr>
-      <p:sp>
-        <p:nvSpPr>
-          <p:cNvPr id="2" name="Espaço Reservado para Imagem de Slide 1"/>
-          <p:cNvSpPr>
-            <a:spLocks noGrp="1" noRot="1" noChangeAspect="1"/>
-          </p:cNvSpPr>
-          <p:nvPr>
-            <p:ph type="sldImg"/>
-          </p:nvPr>
-        </p:nvSpPr>
-        <p:spPr>
-          <a:xfrm>
-            <a:off x="381000" y="685800"/>
-            <a:ext cx="6096000" cy="3429000"/>
-          </a:xfrm>
-        </p:spPr>
-      </p:sp>
-      <p:sp>
-        <p:nvSpPr>
-          <p:cNvPr id="3" name="Espaço Reservado para Anotações 2"/>
-          <p:cNvSpPr>
-            <a:spLocks noGrp="1"/>
-          </p:cNvSpPr>
-          <p:nvPr>
-            <p:ph type="body" idx="1"/>
-          </p:nvPr>
-        </p:nvSpPr>
-        <p:spPr/>
-        <p:txBody>
-          <a:bodyPr/>
-          <a:lstStyle/>
-          <a:p>
-            <a:endParaRPr lang="pt-BR" dirty="0"/>
-          </a:p>
-        </p:txBody>
-      </p:sp>
-    </p:spTree>
-    <p:extLst>
-      <p:ext uri="{BB962C8B-B14F-4D97-AF65-F5344CB8AC3E}">
-        <p14:creationId xmlns:p14="http://schemas.microsoft.com/office/powerpoint/2010/main" val="2296249050"/>
-      </p:ext>
-    </p:extLst>
-  </p:cSld>
-  <p:clrMapOvr>
-    <a:masterClrMapping/>
-  </p:clrMapOvr>
-</p:notes>
-</file>
-
-<file path=ppt/notesSlides/notesSlide6.xml><?xml version="1.0" encoding="utf-8"?>
-<p:notes xmlns:a="http://schemas.openxmlformats.org/drawingml/2006/main" xmlns:r="http://schemas.openxmlformats.org/officeDocument/2006/relationships" xmlns:p="http://schemas.openxmlformats.org/presentationml/2006/main">
-  <p:cSld>
-    <p:spTree>
-      <p:nvGrpSpPr>
-        <p:cNvPr id="1" name=""/>
-        <p:cNvGrpSpPr/>
-        <p:nvPr/>
-      </p:nvGrpSpPr>
-      <p:grpSpPr>
-        <a:xfrm>
-          <a:off x="0" y="0"/>
-          <a:ext cx="0" cy="0"/>
-          <a:chOff x="0" y="0"/>
-          <a:chExt cx="0" cy="0"/>
-        </a:xfrm>
-      </p:grpSpPr>
-      <p:sp>
-        <p:nvSpPr>
-          <p:cNvPr id="2" name="Espaço Reservado para Imagem de Slide 1"/>
-          <p:cNvSpPr>
-            <a:spLocks noGrp="1" noRot="1" noChangeAspect="1"/>
-          </p:cNvSpPr>
-          <p:nvPr>
-            <p:ph type="sldImg"/>
-          </p:nvPr>
-        </p:nvSpPr>
-        <p:spPr>
-          <a:xfrm>
-            <a:off x="381000" y="685800"/>
-            <a:ext cx="6096000" cy="3429000"/>
-          </a:xfrm>
-        </p:spPr>
-      </p:sp>
-      <p:sp>
-        <p:nvSpPr>
-          <p:cNvPr id="3" name="Espaço Reservado para Anotações 2"/>
-          <p:cNvSpPr>
-            <a:spLocks noGrp="1"/>
-          </p:cNvSpPr>
-          <p:nvPr>
-            <p:ph type="body" idx="1"/>
-          </p:nvPr>
-        </p:nvSpPr>
-        <p:spPr/>
-        <p:txBody>
-          <a:bodyPr/>
-          <a:lstStyle/>
-          <a:p>
-            <a:endParaRPr lang="pt-BR" dirty="0"/>
-          </a:p>
-        </p:txBody>
-      </p:sp>
-    </p:spTree>
-    <p:extLst>
-      <p:ext uri="{BB962C8B-B14F-4D97-AF65-F5344CB8AC3E}">
-        <p14:creationId xmlns:p14="http://schemas.microsoft.com/office/powerpoint/2010/main" val="4290351292"/>
+        <p14:creationId xmlns:p14="http://schemas.microsoft.com/office/powerpoint/2010/main" val="585304384"/>
       </p:ext>
     </p:extLst>
   </p:cSld>
@@ -3829,6 +4424,2013 @@
 </p:sld>
 </file>
 
+<file path=ppt/slides/slide10.xml><?xml version="1.0" encoding="utf-8"?>
+<p:sld xmlns:a="http://schemas.openxmlformats.org/drawingml/2006/main" xmlns:r="http://schemas.openxmlformats.org/officeDocument/2006/relationships" xmlns:p="http://schemas.openxmlformats.org/presentationml/2006/main">
+  <p:cSld>
+    <p:spTree>
+      <p:nvGrpSpPr>
+        <p:cNvPr id="1" name=""/>
+        <p:cNvGrpSpPr/>
+        <p:nvPr/>
+      </p:nvGrpSpPr>
+      <p:grpSpPr>
+        <a:xfrm>
+          <a:off x="0" y="0"/>
+          <a:ext cx="0" cy="0"/>
+          <a:chOff x="0" y="0"/>
+          <a:chExt cx="0" cy="0"/>
+        </a:xfrm>
+      </p:grpSpPr>
+      <p:sp>
+        <p:nvSpPr>
+          <p:cNvPr id="6" name="Title 1"/>
+          <p:cNvSpPr>
+            <a:spLocks noGrp="1"/>
+          </p:cNvSpPr>
+          <p:nvPr>
+            <p:ph type="title"/>
+          </p:nvPr>
+        </p:nvSpPr>
+        <p:spPr>
+          <a:xfrm>
+            <a:off x="457200" y="205980"/>
+            <a:ext cx="8229600" cy="857251"/>
+          </a:xfrm>
+        </p:spPr>
+        <p:txBody>
+          <a:bodyPr>
+            <a:normAutofit/>
+          </a:bodyPr>
+          <a:lstStyle/>
+          <a:p>
+            <a:r>
+              <a:rPr lang="en-US" b="1" dirty="0" err="1">
+                <a:solidFill>
+                  <a:srgbClr val="0070C0"/>
+                </a:solidFill>
+              </a:rPr>
+              <a:t>Leitura</a:t>
+            </a:r>
+            <a:r>
+              <a:rPr lang="en-US" b="1" dirty="0">
+                <a:solidFill>
+                  <a:srgbClr val="0070C0"/>
+                </a:solidFill>
+              </a:rPr>
+              <a:t> </a:t>
+            </a:r>
+            <a:r>
+              <a:rPr lang="en-US" b="1" dirty="0" err="1">
+                <a:solidFill>
+                  <a:srgbClr val="0070C0"/>
+                </a:solidFill>
+              </a:rPr>
+              <a:t>Específica</a:t>
+            </a:r>
+            <a:endParaRPr lang="en-US" b="1" dirty="0">
+              <a:solidFill>
+                <a:srgbClr val="0070C0"/>
+              </a:solidFill>
+            </a:endParaRPr>
+          </a:p>
+        </p:txBody>
+      </p:sp>
+      <p:sp>
+        <p:nvSpPr>
+          <p:cNvPr id="8" name="Text Placeholder 2"/>
+          <p:cNvSpPr>
+            <a:spLocks noGrp="1"/>
+          </p:cNvSpPr>
+          <p:nvPr>
+            <p:ph type="body" sz="half" idx="1"/>
+          </p:nvPr>
+        </p:nvSpPr>
+        <p:spPr>
+          <a:xfrm>
+            <a:off x="142865" y="1200150"/>
+            <a:ext cx="8865056" cy="3737369"/>
+          </a:xfrm>
+        </p:spPr>
+        <p:txBody>
+          <a:bodyPr>
+            <a:noAutofit/>
+          </a:bodyPr>
+          <a:lstStyle/>
+          <a:p>
+            <a:pPr marL="0" indent="0" algn="just">
+              <a:buNone/>
+            </a:pPr>
+            <a:r>
+              <a:rPr lang="pt-BR" sz="2000" dirty="0">
+                <a:latin typeface="Times New Roman" panose="02020603050405020304" pitchFamily="18" charset="0"/>
+                <a:cs typeface="Times New Roman" panose="02020603050405020304" pitchFamily="18" charset="0"/>
+              </a:rPr>
+              <a:t>[1] </a:t>
+            </a:r>
+            <a:r>
+              <a:rPr lang="pt-BR" sz="2000" b="1" dirty="0">
+                <a:latin typeface="Times New Roman" panose="02020603050405020304" pitchFamily="18" charset="0"/>
+                <a:cs typeface="Times New Roman" panose="02020603050405020304" pitchFamily="18" charset="0"/>
+              </a:rPr>
+              <a:t>Material Didático sobre Algoritmos Gulosos – Victor de Oliveira Colombo (USP).</a:t>
+            </a:r>
+          </a:p>
+          <a:p>
+            <a:pPr marL="0" indent="0" algn="just">
+              <a:buNone/>
+            </a:pPr>
+            <a:r>
+              <a:rPr lang="pt-BR" sz="2000" b="1" dirty="0">
+                <a:solidFill>
+                  <a:srgbClr val="FF0000"/>
+                </a:solidFill>
+                <a:latin typeface="Times New Roman" panose="02020603050405020304" pitchFamily="18" charset="0"/>
+                <a:cs typeface="Times New Roman" panose="02020603050405020304" pitchFamily="18" charset="0"/>
+              </a:rPr>
+              <a:t>Disponível em:</a:t>
+            </a:r>
+          </a:p>
+          <a:p>
+            <a:pPr marL="0" indent="0" algn="just">
+              <a:buNone/>
+            </a:pPr>
+            <a:r>
+              <a:rPr lang="pt-BR" sz="2000" dirty="0">
+                <a:latin typeface="Times New Roman" panose="02020603050405020304" pitchFamily="18" charset="0"/>
+                <a:cs typeface="Times New Roman" panose="02020603050405020304" pitchFamily="18" charset="0"/>
+                <a:hlinkClick r:id="rId3"/>
+              </a:rPr>
+              <a:t>https://linux.ime.usp.br/~colombo/mac0499/monografia.pdf?utm_source=chatgpt.com</a:t>
+            </a:r>
+            <a:r>
+              <a:rPr lang="pt-BR" sz="2000" dirty="0">
+                <a:latin typeface="Times New Roman" panose="02020603050405020304" pitchFamily="18" charset="0"/>
+                <a:cs typeface="Times New Roman" panose="02020603050405020304" pitchFamily="18" charset="0"/>
+              </a:rPr>
+              <a:t> </a:t>
+            </a:r>
+            <a:endParaRPr lang="pt-BR" sz="2000" b="1" dirty="0">
+              <a:solidFill>
+                <a:srgbClr val="FF0000"/>
+              </a:solidFill>
+              <a:latin typeface="Times New Roman" panose="02020603050405020304" pitchFamily="18" charset="0"/>
+              <a:cs typeface="Times New Roman" panose="02020603050405020304" pitchFamily="18" charset="0"/>
+            </a:endParaRPr>
+          </a:p>
+          <a:p>
+            <a:pPr marL="0" indent="0" algn="just">
+              <a:buNone/>
+            </a:pPr>
+            <a:endParaRPr lang="pt-BR" sz="2000" dirty="0">
+              <a:latin typeface="Times New Roman" panose="02020603050405020304" pitchFamily="18" charset="0"/>
+              <a:cs typeface="Times New Roman" panose="02020603050405020304" pitchFamily="18" charset="0"/>
+            </a:endParaRPr>
+          </a:p>
+          <a:p>
+            <a:pPr marL="0" indent="0" algn="just">
+              <a:buNone/>
+            </a:pPr>
+            <a:r>
+              <a:rPr lang="pt-BR" sz="2000" dirty="0">
+                <a:latin typeface="Times New Roman" panose="02020603050405020304" pitchFamily="18" charset="0"/>
+                <a:cs typeface="Times New Roman" panose="02020603050405020304" pitchFamily="18" charset="0"/>
+              </a:rPr>
+              <a:t>[2] </a:t>
+            </a:r>
+            <a:r>
+              <a:rPr lang="pt-BR" sz="2000" b="1" dirty="0">
+                <a:latin typeface="Times New Roman" panose="02020603050405020304" pitchFamily="18" charset="0"/>
+                <a:cs typeface="Times New Roman" panose="02020603050405020304" pitchFamily="18" charset="0"/>
+              </a:rPr>
+              <a:t>Algoritmos Gulosos: Definições e Aplicações – A Rocha (UNICAMP). </a:t>
+            </a:r>
+          </a:p>
+          <a:p>
+            <a:pPr marL="0" indent="0" algn="just">
+              <a:buNone/>
+            </a:pPr>
+            <a:r>
+              <a:rPr lang="pt-BR" sz="2000" b="1" dirty="0">
+                <a:solidFill>
+                  <a:srgbClr val="FF0000"/>
+                </a:solidFill>
+                <a:latin typeface="Times New Roman" panose="02020603050405020304" pitchFamily="18" charset="0"/>
+                <a:cs typeface="Times New Roman" panose="02020603050405020304" pitchFamily="18" charset="0"/>
+              </a:rPr>
+              <a:t>Disponível em:</a:t>
+            </a:r>
+          </a:p>
+          <a:p>
+            <a:pPr marL="0" indent="0" algn="just">
+              <a:buNone/>
+            </a:pPr>
+            <a:r>
+              <a:rPr lang="pt-BR" sz="2000" dirty="0">
+                <a:solidFill>
+                  <a:srgbClr val="FF0000"/>
+                </a:solidFill>
+                <a:latin typeface="Times New Roman" panose="02020603050405020304" pitchFamily="18" charset="0"/>
+                <a:cs typeface="Times New Roman" panose="02020603050405020304" pitchFamily="18" charset="0"/>
+                <a:hlinkClick r:id="rId4"/>
+              </a:rPr>
+              <a:t>https://www.ic.unicamp.br/~rocha/msc/complex/algoritmosGulososFinal.pdf?utm_source=chatgpt.com</a:t>
+            </a:r>
+            <a:r>
+              <a:rPr lang="pt-BR" sz="2000" dirty="0">
+                <a:solidFill>
+                  <a:srgbClr val="FF0000"/>
+                </a:solidFill>
+                <a:latin typeface="Times New Roman" panose="02020603050405020304" pitchFamily="18" charset="0"/>
+                <a:cs typeface="Times New Roman" panose="02020603050405020304" pitchFamily="18" charset="0"/>
+              </a:rPr>
+              <a:t> </a:t>
+            </a:r>
+            <a:endParaRPr lang="pt-BR" sz="2000" dirty="0">
+              <a:latin typeface="Times New Roman" panose="02020603050405020304" pitchFamily="18" charset="0"/>
+              <a:cs typeface="Times New Roman" panose="02020603050405020304" pitchFamily="18" charset="0"/>
+            </a:endParaRPr>
+          </a:p>
+        </p:txBody>
+      </p:sp>
+    </p:spTree>
+    <p:extLst>
+      <p:ext uri="{BB962C8B-B14F-4D97-AF65-F5344CB8AC3E}">
+        <p14:creationId xmlns:p14="http://schemas.microsoft.com/office/powerpoint/2010/main" val="3680270425"/>
+      </p:ext>
+    </p:extLst>
+  </p:cSld>
+  <p:clrMapOvr>
+    <a:masterClrMapping/>
+  </p:clrMapOvr>
+  <p:transition spd="med"/>
+</p:sld>
+</file>
+
+<file path=ppt/slides/slide11.xml><?xml version="1.0" encoding="utf-8"?>
+<p:sld xmlns:a="http://schemas.openxmlformats.org/drawingml/2006/main" xmlns:r="http://schemas.openxmlformats.org/officeDocument/2006/relationships" xmlns:p="http://schemas.openxmlformats.org/presentationml/2006/main">
+  <p:cSld>
+    <p:spTree>
+      <p:nvGrpSpPr>
+        <p:cNvPr id="1" name=""/>
+        <p:cNvGrpSpPr/>
+        <p:nvPr/>
+      </p:nvGrpSpPr>
+      <p:grpSpPr>
+        <a:xfrm>
+          <a:off x="0" y="0"/>
+          <a:ext cx="0" cy="0"/>
+          <a:chOff x="0" y="0"/>
+          <a:chExt cx="0" cy="0"/>
+        </a:xfrm>
+      </p:grpSpPr>
+      <p:sp>
+        <p:nvSpPr>
+          <p:cNvPr id="6" name="Title 1"/>
+          <p:cNvSpPr>
+            <a:spLocks noGrp="1"/>
+          </p:cNvSpPr>
+          <p:nvPr>
+            <p:ph type="title"/>
+          </p:nvPr>
+        </p:nvSpPr>
+        <p:spPr>
+          <a:xfrm>
+            <a:off x="457200" y="205980"/>
+            <a:ext cx="8229600" cy="857251"/>
+          </a:xfrm>
+        </p:spPr>
+        <p:txBody>
+          <a:bodyPr>
+            <a:normAutofit/>
+          </a:bodyPr>
+          <a:lstStyle/>
+          <a:p>
+            <a:r>
+              <a:rPr lang="en-US" b="1" dirty="0" err="1">
+                <a:solidFill>
+                  <a:srgbClr val="0070C0"/>
+                </a:solidFill>
+              </a:rPr>
+              <a:t>Aprenda</a:t>
+            </a:r>
+            <a:r>
+              <a:rPr lang="en-US" b="1" dirty="0">
+                <a:solidFill>
+                  <a:srgbClr val="0070C0"/>
+                </a:solidFill>
+              </a:rPr>
+              <a:t>+</a:t>
+            </a:r>
+          </a:p>
+        </p:txBody>
+      </p:sp>
+      <p:sp>
+        <p:nvSpPr>
+          <p:cNvPr id="8" name="Text Placeholder 2"/>
+          <p:cNvSpPr>
+            <a:spLocks noGrp="1"/>
+          </p:cNvSpPr>
+          <p:nvPr>
+            <p:ph type="body" sz="half" idx="1"/>
+          </p:nvPr>
+        </p:nvSpPr>
+        <p:spPr>
+          <a:xfrm>
+            <a:off x="142865" y="1200150"/>
+            <a:ext cx="8865056" cy="3737370"/>
+          </a:xfrm>
+        </p:spPr>
+        <p:txBody>
+          <a:bodyPr>
+            <a:noAutofit/>
+          </a:bodyPr>
+          <a:lstStyle/>
+          <a:p>
+            <a:pPr marL="0" indent="0" algn="just">
+              <a:buNone/>
+            </a:pPr>
+            <a:r>
+              <a:rPr lang="pt-BR" sz="2000" dirty="0">
+                <a:latin typeface="Times New Roman" panose="02020603050405020304" pitchFamily="18" charset="0"/>
+                <a:cs typeface="Times New Roman" panose="02020603050405020304" pitchFamily="18" charset="0"/>
+              </a:rPr>
+              <a:t>[1] </a:t>
+            </a:r>
+            <a:r>
+              <a:rPr lang="pt-BR" sz="2000" b="1" dirty="0">
+                <a:latin typeface="Times New Roman" panose="02020603050405020304" pitchFamily="18" charset="0"/>
+                <a:cs typeface="Times New Roman" panose="02020603050405020304" pitchFamily="18" charset="0"/>
+              </a:rPr>
+              <a:t>Complexidade de Algoritmos, Dividir para Conquistar, Guloso, Programação Dinâmica</a:t>
+            </a:r>
+          </a:p>
+          <a:p>
+            <a:pPr marL="0" indent="0" algn="just">
+              <a:buNone/>
+            </a:pPr>
+            <a:r>
+              <a:rPr lang="pt-BR" sz="2000" b="1" dirty="0">
+                <a:solidFill>
+                  <a:srgbClr val="FF0000"/>
+                </a:solidFill>
+                <a:latin typeface="Times New Roman" panose="02020603050405020304" pitchFamily="18" charset="0"/>
+                <a:cs typeface="Times New Roman" panose="02020603050405020304" pitchFamily="18" charset="0"/>
+              </a:rPr>
+              <a:t>Disponível em: </a:t>
+            </a:r>
+            <a:r>
+              <a:rPr lang="pt-BR" sz="2000" dirty="0">
+                <a:latin typeface="Times New Roman" panose="02020603050405020304" pitchFamily="18" charset="0"/>
+                <a:cs typeface="Times New Roman" panose="02020603050405020304" pitchFamily="18" charset="0"/>
+                <a:hlinkClick r:id="rId3"/>
+              </a:rPr>
+              <a:t>https://www.youtube.com/watch?v=bl6Kp6fxQ1Q</a:t>
+            </a:r>
+            <a:r>
+              <a:rPr lang="pt-BR" sz="2000" dirty="0">
+                <a:latin typeface="Times New Roman" panose="02020603050405020304" pitchFamily="18" charset="0"/>
+                <a:cs typeface="Times New Roman" panose="02020603050405020304" pitchFamily="18" charset="0"/>
+              </a:rPr>
+              <a:t> </a:t>
+            </a:r>
+          </a:p>
+          <a:p>
+            <a:pPr marL="0" indent="0" algn="just">
+              <a:buNone/>
+            </a:pPr>
+            <a:endParaRPr lang="pt-BR" sz="2000" dirty="0">
+              <a:latin typeface="Times New Roman" panose="02020603050405020304" pitchFamily="18" charset="0"/>
+              <a:cs typeface="Times New Roman" panose="02020603050405020304" pitchFamily="18" charset="0"/>
+            </a:endParaRPr>
+          </a:p>
+          <a:p>
+            <a:pPr marL="0" indent="0" algn="just">
+              <a:buNone/>
+            </a:pPr>
+            <a:r>
+              <a:rPr lang="pt-BR" sz="2000" dirty="0">
+                <a:latin typeface="Times New Roman" panose="02020603050405020304" pitchFamily="18" charset="0"/>
+                <a:cs typeface="Times New Roman" panose="02020603050405020304" pitchFamily="18" charset="0"/>
+              </a:rPr>
+              <a:t>[2] </a:t>
+            </a:r>
+            <a:r>
+              <a:rPr lang="pt-BR" sz="2000" b="1" dirty="0">
+                <a:latin typeface="Times New Roman" panose="02020603050405020304" pitchFamily="18" charset="0"/>
+                <a:cs typeface="Times New Roman" panose="02020603050405020304" pitchFamily="18" charset="0"/>
+              </a:rPr>
+              <a:t>Aula 14: Algoritmos Gulosos</a:t>
+            </a:r>
+          </a:p>
+          <a:p>
+            <a:pPr marL="0" indent="0" algn="just">
+              <a:buNone/>
+            </a:pPr>
+            <a:r>
+              <a:rPr lang="pt-BR" sz="2000" dirty="0">
+                <a:latin typeface="Times New Roman" panose="02020603050405020304" pitchFamily="18" charset="0"/>
+                <a:cs typeface="Times New Roman" panose="02020603050405020304" pitchFamily="18" charset="0"/>
+                <a:hlinkClick r:id="rId4"/>
+              </a:rPr>
+              <a:t>https://www.youtube.com/watch?v=NuTK1LaEz_0&amp;utm_source=chatgpt.com</a:t>
+            </a:r>
+            <a:endParaRPr lang="pt-BR" sz="2000" dirty="0">
+              <a:latin typeface="Times New Roman" panose="02020603050405020304" pitchFamily="18" charset="0"/>
+              <a:cs typeface="Times New Roman" panose="02020603050405020304" pitchFamily="18" charset="0"/>
+            </a:endParaRPr>
+          </a:p>
+          <a:p>
+            <a:pPr marL="0" indent="0" algn="just">
+              <a:buNone/>
+            </a:pPr>
+            <a:endParaRPr lang="pt-BR" sz="2000" dirty="0">
+              <a:latin typeface="Times New Roman" panose="02020603050405020304" pitchFamily="18" charset="0"/>
+              <a:cs typeface="Times New Roman" panose="02020603050405020304" pitchFamily="18" charset="0"/>
+              <a:hlinkClick r:id="rId4"/>
+            </a:endParaRPr>
+          </a:p>
+          <a:p>
+            <a:pPr marL="0" indent="0" algn="just">
+              <a:buNone/>
+            </a:pPr>
+            <a:r>
+              <a:rPr lang="pt-BR" sz="2000" dirty="0">
+                <a:latin typeface="Times New Roman" panose="02020603050405020304" pitchFamily="18" charset="0"/>
+                <a:cs typeface="Times New Roman" panose="02020603050405020304" pitchFamily="18" charset="0"/>
+              </a:rPr>
+              <a:t>[3] </a:t>
+            </a:r>
+            <a:r>
+              <a:rPr lang="pt-BR" sz="2000" b="1" dirty="0">
+                <a:latin typeface="Times New Roman" panose="02020603050405020304" pitchFamily="18" charset="0"/>
+                <a:cs typeface="Times New Roman" panose="02020603050405020304" pitchFamily="18" charset="0"/>
+              </a:rPr>
+              <a:t>Bubble </a:t>
+            </a:r>
+            <a:r>
+              <a:rPr lang="pt-BR" sz="2000" b="1" dirty="0" err="1">
+                <a:latin typeface="Times New Roman" panose="02020603050405020304" pitchFamily="18" charset="0"/>
+                <a:cs typeface="Times New Roman" panose="02020603050405020304" pitchFamily="18" charset="0"/>
+              </a:rPr>
+              <a:t>Sort</a:t>
+            </a:r>
+            <a:r>
+              <a:rPr lang="pt-BR" sz="2000" b="1" dirty="0">
+                <a:latin typeface="Times New Roman" panose="02020603050405020304" pitchFamily="18" charset="0"/>
+                <a:cs typeface="Times New Roman" panose="02020603050405020304" pitchFamily="18" charset="0"/>
+              </a:rPr>
+              <a:t> </a:t>
+            </a:r>
+            <a:r>
+              <a:rPr lang="pt-BR" sz="2000" b="1" dirty="0" err="1">
+                <a:latin typeface="Times New Roman" panose="02020603050405020304" pitchFamily="18" charset="0"/>
+                <a:cs typeface="Times New Roman" panose="02020603050405020304" pitchFamily="18" charset="0"/>
+              </a:rPr>
+              <a:t>Algorithm</a:t>
+            </a:r>
+            <a:r>
+              <a:rPr lang="pt-BR" sz="2000" b="1" dirty="0">
+                <a:latin typeface="Times New Roman" panose="02020603050405020304" pitchFamily="18" charset="0"/>
+                <a:cs typeface="Times New Roman" panose="02020603050405020304" pitchFamily="18" charset="0"/>
+              </a:rPr>
+              <a:t> | </a:t>
+            </a:r>
+            <a:r>
+              <a:rPr lang="pt-BR" sz="2000" b="1" dirty="0" err="1">
+                <a:latin typeface="Times New Roman" panose="02020603050405020304" pitchFamily="18" charset="0"/>
+                <a:cs typeface="Times New Roman" panose="02020603050405020304" pitchFamily="18" charset="0"/>
+              </a:rPr>
+              <a:t>GeeksforGeeks</a:t>
+            </a:r>
+            <a:endParaRPr lang="pt-BR" sz="2000" b="1" dirty="0">
+              <a:latin typeface="Times New Roman" panose="02020603050405020304" pitchFamily="18" charset="0"/>
+              <a:cs typeface="Times New Roman" panose="02020603050405020304" pitchFamily="18" charset="0"/>
+            </a:endParaRPr>
+          </a:p>
+          <a:p>
+            <a:pPr marL="0" indent="0" algn="just">
+              <a:buNone/>
+            </a:pPr>
+            <a:r>
+              <a:rPr lang="pt-BR" sz="2000" b="1" dirty="0">
+                <a:solidFill>
+                  <a:srgbClr val="FF0000"/>
+                </a:solidFill>
+                <a:latin typeface="Times New Roman" panose="02020603050405020304" pitchFamily="18" charset="0"/>
+                <a:cs typeface="Times New Roman" panose="02020603050405020304" pitchFamily="18" charset="0"/>
+              </a:rPr>
+              <a:t>Disponível em: </a:t>
+            </a:r>
+            <a:r>
+              <a:rPr lang="pt-BR" sz="2000" dirty="0">
+                <a:latin typeface="Times New Roman" panose="02020603050405020304" pitchFamily="18" charset="0"/>
+                <a:cs typeface="Times New Roman" panose="02020603050405020304" pitchFamily="18" charset="0"/>
+                <a:hlinkClick r:id="rId5"/>
+              </a:rPr>
+              <a:t>https://www.youtube.com/watch?v=nmhjrI-aW5o</a:t>
+            </a:r>
+            <a:endParaRPr lang="pt-BR" sz="2000" dirty="0">
+              <a:latin typeface="Times New Roman" panose="02020603050405020304" pitchFamily="18" charset="0"/>
+              <a:cs typeface="Times New Roman" panose="02020603050405020304" pitchFamily="18" charset="0"/>
+            </a:endParaRPr>
+          </a:p>
+        </p:txBody>
+      </p:sp>
+    </p:spTree>
+    <p:extLst>
+      <p:ext uri="{BB962C8B-B14F-4D97-AF65-F5344CB8AC3E}">
+        <p14:creationId xmlns:p14="http://schemas.microsoft.com/office/powerpoint/2010/main" val="2747596967"/>
+      </p:ext>
+    </p:extLst>
+  </p:cSld>
+  <p:clrMapOvr>
+    <a:masterClrMapping/>
+  </p:clrMapOvr>
+  <p:transition spd="med"/>
+</p:sld>
+</file>
+
+<file path=ppt/slides/slide12.xml><?xml version="1.0" encoding="utf-8"?>
+<p:sld xmlns:a="http://schemas.openxmlformats.org/drawingml/2006/main" xmlns:r="http://schemas.openxmlformats.org/officeDocument/2006/relationships" xmlns:p="http://schemas.openxmlformats.org/presentationml/2006/main">
+  <p:cSld>
+    <p:spTree>
+      <p:nvGrpSpPr>
+        <p:cNvPr id="1" name=""/>
+        <p:cNvGrpSpPr/>
+        <p:nvPr/>
+      </p:nvGrpSpPr>
+      <p:grpSpPr>
+        <a:xfrm>
+          <a:off x="0" y="0"/>
+          <a:ext cx="0" cy="0"/>
+          <a:chOff x="0" y="0"/>
+          <a:chExt cx="0" cy="0"/>
+        </a:xfrm>
+      </p:grpSpPr>
+      <p:sp>
+        <p:nvSpPr>
+          <p:cNvPr id="6" name="Title 1"/>
+          <p:cNvSpPr>
+            <a:spLocks noGrp="1"/>
+          </p:cNvSpPr>
+          <p:nvPr>
+            <p:ph type="title"/>
+          </p:nvPr>
+        </p:nvSpPr>
+        <p:spPr>
+          <a:xfrm>
+            <a:off x="457200" y="205980"/>
+            <a:ext cx="8229600" cy="857251"/>
+          </a:xfrm>
+        </p:spPr>
+        <p:txBody>
+          <a:bodyPr>
+            <a:normAutofit/>
+          </a:bodyPr>
+          <a:lstStyle/>
+          <a:p>
+            <a:r>
+              <a:rPr lang="en-US" b="1" dirty="0" err="1">
+                <a:solidFill>
+                  <a:srgbClr val="0070C0"/>
+                </a:solidFill>
+              </a:rPr>
+              <a:t>Dinâmica</a:t>
+            </a:r>
+            <a:r>
+              <a:rPr lang="en-US" b="1" dirty="0">
+                <a:solidFill>
+                  <a:srgbClr val="0070C0"/>
+                </a:solidFill>
+              </a:rPr>
+              <a:t> </a:t>
+            </a:r>
+            <a:r>
+              <a:rPr lang="en-US" b="1" dirty="0" err="1">
+                <a:solidFill>
+                  <a:srgbClr val="0070C0"/>
+                </a:solidFill>
+              </a:rPr>
+              <a:t>Pensamento</a:t>
+            </a:r>
+            <a:r>
+              <a:rPr lang="en-US" b="1" dirty="0">
+                <a:solidFill>
+                  <a:srgbClr val="0070C0"/>
+                </a:solidFill>
+              </a:rPr>
+              <a:t> </a:t>
+            </a:r>
+            <a:r>
+              <a:rPr lang="en-US" b="1" dirty="0" err="1">
+                <a:solidFill>
+                  <a:srgbClr val="0070C0"/>
+                </a:solidFill>
+              </a:rPr>
+              <a:t>Guloso</a:t>
+            </a:r>
+            <a:endParaRPr lang="en-US" b="1" dirty="0">
+              <a:solidFill>
+                <a:srgbClr val="0070C0"/>
+              </a:solidFill>
+            </a:endParaRPr>
+          </a:p>
+        </p:txBody>
+      </p:sp>
+      <p:sp>
+        <p:nvSpPr>
+          <p:cNvPr id="8" name="Text Placeholder 2"/>
+          <p:cNvSpPr>
+            <a:spLocks noGrp="1"/>
+          </p:cNvSpPr>
+          <p:nvPr>
+            <p:ph type="body" sz="half" idx="1"/>
+          </p:nvPr>
+        </p:nvSpPr>
+        <p:spPr>
+          <a:xfrm>
+            <a:off x="139472" y="1063230"/>
+            <a:ext cx="8865056" cy="3874290"/>
+          </a:xfrm>
+        </p:spPr>
+        <p:txBody>
+          <a:bodyPr>
+            <a:noAutofit/>
+          </a:bodyPr>
+          <a:lstStyle/>
+          <a:p>
+            <a:pPr marL="0" indent="0">
+              <a:buNone/>
+            </a:pPr>
+            <a:r>
+              <a:rPr lang="pt-BR" sz="2000" b="1" dirty="0">
+                <a:latin typeface="Times New Roman" panose="02020603050405020304" pitchFamily="18" charset="0"/>
+                <a:cs typeface="Times New Roman" panose="02020603050405020304" pitchFamily="18" charset="0"/>
+              </a:rPr>
+              <a:t>Objetivo:</a:t>
+            </a:r>
+            <a:r>
+              <a:rPr lang="pt-BR" sz="2000" dirty="0">
+                <a:latin typeface="Times New Roman" panose="02020603050405020304" pitchFamily="18" charset="0"/>
+                <a:cs typeface="Times New Roman" panose="02020603050405020304" pitchFamily="18" charset="0"/>
+              </a:rPr>
+              <a:t> Aplicar resolução rápida de problemas. </a:t>
+            </a:r>
+            <a:r>
+              <a:rPr lang="pt-BR" sz="2000" b="1" dirty="0">
+                <a:latin typeface="Times New Roman" panose="02020603050405020304" pitchFamily="18" charset="0"/>
+                <a:cs typeface="Times New Roman" panose="02020603050405020304" pitchFamily="18" charset="0"/>
+              </a:rPr>
+              <a:t>Grupos</a:t>
+            </a:r>
+            <a:r>
+              <a:rPr lang="pt-BR" sz="2000" dirty="0">
+                <a:latin typeface="Times New Roman" panose="02020603050405020304" pitchFamily="18" charset="0"/>
+                <a:cs typeface="Times New Roman" panose="02020603050405020304" pitchFamily="18" charset="0"/>
+              </a:rPr>
+              <a:t>: de [3;4] alunos.</a:t>
+            </a:r>
+          </a:p>
+          <a:p>
+            <a:pPr marL="0" indent="0">
+              <a:buNone/>
+            </a:pPr>
+            <a:r>
+              <a:rPr lang="pt-BR" sz="2000" b="1" dirty="0">
+                <a:latin typeface="Times New Roman" panose="02020603050405020304" pitchFamily="18" charset="0"/>
+                <a:cs typeface="Times New Roman" panose="02020603050405020304" pitchFamily="18" charset="0"/>
+              </a:rPr>
+              <a:t>Problema único executor</a:t>
+            </a:r>
+            <a:r>
+              <a:rPr lang="pt-BR" sz="2000" dirty="0">
+                <a:latin typeface="Times New Roman" panose="02020603050405020304" pitchFamily="18" charset="0"/>
+                <a:cs typeface="Times New Roman" panose="02020603050405020304" pitchFamily="18" charset="0"/>
+              </a:rPr>
+              <a:t>: </a:t>
+            </a:r>
+            <a:r>
+              <a:rPr lang="pt-BR" sz="2000" b="1" dirty="0">
+                <a:solidFill>
+                  <a:srgbClr val="FF0000"/>
+                </a:solidFill>
+                <a:latin typeface="Times New Roman" panose="02020603050405020304" pitchFamily="18" charset="0"/>
+                <a:cs typeface="Times New Roman" panose="02020603050405020304" pitchFamily="18" charset="0"/>
+              </a:rPr>
+              <a:t>Seleção de atividades com tempos conflitantes</a:t>
+            </a:r>
+            <a:r>
+              <a:rPr lang="pt-BR" sz="2000" dirty="0">
+                <a:latin typeface="Times New Roman" panose="02020603050405020304" pitchFamily="18" charset="0"/>
+                <a:cs typeface="Times New Roman" panose="02020603050405020304" pitchFamily="18" charset="0"/>
+              </a:rPr>
+              <a:t>. </a:t>
+            </a:r>
+          </a:p>
+          <a:p>
+            <a:pPr marL="0" indent="0">
+              <a:buNone/>
+            </a:pPr>
+            <a:r>
+              <a:rPr lang="pt-BR" sz="2000" b="1" dirty="0">
+                <a:latin typeface="Times New Roman" panose="02020603050405020304" pitchFamily="18" charset="0"/>
+                <a:cs typeface="Times New Roman" panose="02020603050405020304" pitchFamily="18" charset="0"/>
+              </a:rPr>
+              <a:t>Cada grupo deve</a:t>
+            </a:r>
+            <a:r>
+              <a:rPr lang="pt-BR" sz="2000" dirty="0">
+                <a:latin typeface="Times New Roman" panose="02020603050405020304" pitchFamily="18" charset="0"/>
+                <a:cs typeface="Times New Roman" panose="02020603050405020304" pitchFamily="18" charset="0"/>
+              </a:rPr>
+              <a:t>: </a:t>
+            </a:r>
+            <a:r>
+              <a:rPr lang="pt-BR" sz="2000" b="1" dirty="0">
+                <a:solidFill>
+                  <a:srgbClr val="FF0000"/>
+                </a:solidFill>
+                <a:latin typeface="Times New Roman" panose="02020603050405020304" pitchFamily="18" charset="0"/>
+                <a:cs typeface="Times New Roman" panose="02020603050405020304" pitchFamily="18" charset="0"/>
+              </a:rPr>
+              <a:t>Atividades</a:t>
+            </a:r>
+            <a:r>
+              <a:rPr lang="pt-BR" sz="2000" dirty="0">
+                <a:latin typeface="Times New Roman" panose="02020603050405020304" pitchFamily="18" charset="0"/>
+                <a:cs typeface="Times New Roman" panose="02020603050405020304" pitchFamily="18" charset="0"/>
+              </a:rPr>
+              <a:t>: A1-A8; </a:t>
+            </a:r>
+            <a:r>
+              <a:rPr lang="pt-BR" sz="2000" b="1" dirty="0">
+                <a:solidFill>
+                  <a:srgbClr val="FF0000"/>
+                </a:solidFill>
+                <a:latin typeface="Times New Roman" panose="02020603050405020304" pitchFamily="18" charset="0"/>
+                <a:cs typeface="Times New Roman" panose="02020603050405020304" pitchFamily="18" charset="0"/>
+              </a:rPr>
+              <a:t>Tempos h</a:t>
+            </a:r>
+            <a:r>
+              <a:rPr lang="pt-BR" sz="2000" dirty="0">
+                <a:latin typeface="Times New Roman" panose="02020603050405020304" pitchFamily="18" charset="0"/>
+                <a:cs typeface="Times New Roman" panose="02020603050405020304" pitchFamily="18" charset="0"/>
+              </a:rPr>
+              <a:t>:</a:t>
+            </a:r>
+            <a:r>
+              <a:rPr lang="pt-BR" sz="1800" dirty="0">
+                <a:latin typeface="Times New Roman" panose="02020603050405020304" pitchFamily="18" charset="0"/>
+                <a:cs typeface="Times New Roman" panose="02020603050405020304" pitchFamily="18" charset="0"/>
+              </a:rPr>
+              <a:t>1-4; 3-5; 0-6; 5-7; 8-9; 5-9; 2-3; 6-10</a:t>
+            </a:r>
+          </a:p>
+          <a:p>
+            <a:pPr lvl="1">
+              <a:buFont typeface="Wingdings" panose="05000000000000000000" pitchFamily="2" charset="2"/>
+              <a:buChar char="§"/>
+            </a:pPr>
+            <a:r>
+              <a:rPr lang="pt-BR" sz="2000" b="1" dirty="0">
+                <a:latin typeface="Times New Roman" panose="02020603050405020304" pitchFamily="18" charset="0"/>
+                <a:cs typeface="Times New Roman" panose="02020603050405020304" pitchFamily="18" charset="0"/>
+              </a:rPr>
+              <a:t>Listar</a:t>
+            </a:r>
+            <a:r>
+              <a:rPr lang="pt-BR" sz="2000" dirty="0">
+                <a:latin typeface="Times New Roman" panose="02020603050405020304" pitchFamily="18" charset="0"/>
+                <a:cs typeface="Times New Roman" panose="02020603050405020304" pitchFamily="18" charset="0"/>
+              </a:rPr>
+              <a:t> todas as </a:t>
+            </a:r>
+            <a:r>
+              <a:rPr lang="pt-BR" sz="2000" b="1" dirty="0">
+                <a:solidFill>
+                  <a:srgbClr val="FF0000"/>
+                </a:solidFill>
+                <a:latin typeface="Times New Roman" panose="02020603050405020304" pitchFamily="18" charset="0"/>
+                <a:cs typeface="Times New Roman" panose="02020603050405020304" pitchFamily="18" charset="0"/>
+              </a:rPr>
+              <a:t>opções disponíveis, </a:t>
+            </a:r>
+            <a:r>
+              <a:rPr lang="pt-BR" sz="2000" b="1" dirty="0">
+                <a:solidFill>
+                  <a:schemeClr val="tx1"/>
+                </a:solidFill>
+                <a:latin typeface="Times New Roman" panose="02020603050405020304" pitchFamily="18" charset="0"/>
+                <a:cs typeface="Times New Roman" panose="02020603050405020304" pitchFamily="18" charset="0"/>
+              </a:rPr>
+              <a:t>que não se sobreponham</a:t>
+            </a:r>
+            <a:r>
+              <a:rPr lang="pt-BR" sz="2000" dirty="0">
+                <a:latin typeface="Times New Roman" panose="02020603050405020304" pitchFamily="18" charset="0"/>
+                <a:cs typeface="Times New Roman" panose="02020603050405020304" pitchFamily="18" charset="0"/>
+              </a:rPr>
+              <a:t>;</a:t>
+            </a:r>
+          </a:p>
+          <a:p>
+            <a:pPr lvl="1">
+              <a:buFont typeface="Wingdings" panose="05000000000000000000" pitchFamily="2" charset="2"/>
+              <a:buChar char="§"/>
+            </a:pPr>
+            <a:r>
+              <a:rPr lang="pt-BR" sz="2000" dirty="0">
+                <a:latin typeface="Times New Roman" panose="02020603050405020304" pitchFamily="18" charset="0"/>
+                <a:cs typeface="Times New Roman" panose="02020603050405020304" pitchFamily="18" charset="0"/>
+              </a:rPr>
+              <a:t>Aplicar a </a:t>
+            </a:r>
+            <a:r>
+              <a:rPr lang="pt-BR" sz="2000" b="1" dirty="0">
+                <a:latin typeface="Times New Roman" panose="02020603050405020304" pitchFamily="18" charset="0"/>
+                <a:cs typeface="Times New Roman" panose="02020603050405020304" pitchFamily="18" charset="0"/>
+              </a:rPr>
+              <a:t>estratégia gulosa – </a:t>
+            </a:r>
+            <a:r>
+              <a:rPr lang="pt-BR" sz="2000" b="1" dirty="0">
+                <a:solidFill>
+                  <a:srgbClr val="FF0000"/>
+                </a:solidFill>
+                <a:latin typeface="Times New Roman" panose="02020603050405020304" pitchFamily="18" charset="0"/>
+                <a:cs typeface="Times New Roman" panose="02020603050405020304" pitchFamily="18" charset="0"/>
+              </a:rPr>
+              <a:t>explicar a lógica da escolha</a:t>
+            </a:r>
+            <a:r>
+              <a:rPr lang="pt-BR" sz="2000" b="1" dirty="0">
+                <a:latin typeface="Times New Roman" panose="02020603050405020304" pitchFamily="18" charset="0"/>
+                <a:cs typeface="Times New Roman" panose="02020603050405020304" pitchFamily="18" charset="0"/>
+              </a:rPr>
+              <a:t>;</a:t>
+            </a:r>
+            <a:endParaRPr lang="pt-BR" sz="2000" dirty="0">
+              <a:latin typeface="Times New Roman" panose="02020603050405020304" pitchFamily="18" charset="0"/>
+              <a:cs typeface="Times New Roman" panose="02020603050405020304" pitchFamily="18" charset="0"/>
+            </a:endParaRPr>
+          </a:p>
+          <a:p>
+            <a:pPr lvl="1">
+              <a:buFont typeface="Wingdings" panose="05000000000000000000" pitchFamily="2" charset="2"/>
+              <a:buChar char="§"/>
+            </a:pPr>
+            <a:r>
+              <a:rPr lang="pt-BR" sz="2000" b="1" dirty="0">
+                <a:latin typeface="Times New Roman" panose="02020603050405020304" pitchFamily="18" charset="0"/>
+                <a:cs typeface="Times New Roman" panose="02020603050405020304" pitchFamily="18" charset="0"/>
+              </a:rPr>
+              <a:t>Apresentar</a:t>
+            </a:r>
+            <a:r>
+              <a:rPr lang="pt-BR" sz="2000" dirty="0">
+                <a:latin typeface="Times New Roman" panose="02020603050405020304" pitchFamily="18" charset="0"/>
+                <a:cs typeface="Times New Roman" panose="02020603050405020304" pitchFamily="18" charset="0"/>
+              </a:rPr>
+              <a:t> a </a:t>
+            </a:r>
+            <a:r>
+              <a:rPr lang="pt-BR" sz="2000" b="1" dirty="0">
+                <a:solidFill>
+                  <a:srgbClr val="FF0000"/>
+                </a:solidFill>
+                <a:latin typeface="Times New Roman" panose="02020603050405020304" pitchFamily="18" charset="0"/>
+                <a:cs typeface="Times New Roman" panose="02020603050405020304" pitchFamily="18" charset="0"/>
+              </a:rPr>
+              <a:t>solução final </a:t>
+            </a:r>
+            <a:r>
+              <a:rPr lang="pt-BR" sz="2000" dirty="0">
+                <a:latin typeface="Times New Roman" panose="02020603050405020304" pitchFamily="18" charset="0"/>
+                <a:cs typeface="Times New Roman" panose="02020603050405020304" pitchFamily="18" charset="0"/>
+              </a:rPr>
+              <a:t>em 5 a 10 minutos;</a:t>
+            </a:r>
+          </a:p>
+          <a:p>
+            <a:pPr marL="0" indent="0">
+              <a:buNone/>
+            </a:pPr>
+            <a:r>
+              <a:rPr lang="pt-BR" sz="2000" b="1" dirty="0">
+                <a:latin typeface="Times New Roman" panose="02020603050405020304" pitchFamily="18" charset="0"/>
+                <a:cs typeface="Times New Roman" panose="02020603050405020304" pitchFamily="18" charset="0"/>
+              </a:rPr>
+              <a:t>Debater:</a:t>
+            </a:r>
+            <a:endParaRPr lang="pt-BR" sz="2000" dirty="0">
+              <a:latin typeface="Times New Roman" panose="02020603050405020304" pitchFamily="18" charset="0"/>
+              <a:cs typeface="Times New Roman" panose="02020603050405020304" pitchFamily="18" charset="0"/>
+            </a:endParaRPr>
+          </a:p>
+          <a:p>
+            <a:pPr lvl="1">
+              <a:buFont typeface="Wingdings" panose="05000000000000000000" pitchFamily="2" charset="2"/>
+              <a:buChar char="§"/>
+            </a:pPr>
+            <a:r>
+              <a:rPr lang="pt-BR" sz="2000" b="1" dirty="0">
+                <a:latin typeface="Times New Roman" panose="02020603050405020304" pitchFamily="18" charset="0"/>
+                <a:cs typeface="Times New Roman" panose="02020603050405020304" pitchFamily="18" charset="0"/>
+              </a:rPr>
+              <a:t>Discutir</a:t>
+            </a:r>
+            <a:r>
+              <a:rPr lang="pt-BR" sz="2000" dirty="0">
+                <a:latin typeface="Times New Roman" panose="02020603050405020304" pitchFamily="18" charset="0"/>
+                <a:cs typeface="Times New Roman" panose="02020603050405020304" pitchFamily="18" charset="0"/>
+              </a:rPr>
+              <a:t> se a </a:t>
+            </a:r>
+            <a:r>
+              <a:rPr lang="pt-BR" sz="2000" b="1" dirty="0">
+                <a:latin typeface="Times New Roman" panose="02020603050405020304" pitchFamily="18" charset="0"/>
+                <a:cs typeface="Times New Roman" panose="02020603050405020304" pitchFamily="18" charset="0"/>
+              </a:rPr>
+              <a:t>solução</a:t>
+            </a:r>
+            <a:r>
+              <a:rPr lang="pt-BR" sz="2000" dirty="0">
+                <a:latin typeface="Times New Roman" panose="02020603050405020304" pitchFamily="18" charset="0"/>
+                <a:cs typeface="Times New Roman" panose="02020603050405020304" pitchFamily="18" charset="0"/>
+              </a:rPr>
+              <a:t> encontrada é </a:t>
+            </a:r>
+            <a:r>
+              <a:rPr lang="pt-BR" sz="2000" b="1" dirty="0">
+                <a:solidFill>
+                  <a:srgbClr val="FF0000"/>
+                </a:solidFill>
+                <a:latin typeface="Times New Roman" panose="02020603050405020304" pitchFamily="18" charset="0"/>
+                <a:cs typeface="Times New Roman" panose="02020603050405020304" pitchFamily="18" charset="0"/>
+              </a:rPr>
+              <a:t>globalmente ótima</a:t>
+            </a:r>
+            <a:r>
+              <a:rPr lang="pt-BR" sz="2000" b="1" dirty="0">
+                <a:latin typeface="Times New Roman" panose="02020603050405020304" pitchFamily="18" charset="0"/>
+                <a:cs typeface="Times New Roman" panose="02020603050405020304" pitchFamily="18" charset="0"/>
+              </a:rPr>
+              <a:t>;</a:t>
+            </a:r>
+            <a:endParaRPr lang="pt-BR" sz="2000" dirty="0">
+              <a:latin typeface="Times New Roman" panose="02020603050405020304" pitchFamily="18" charset="0"/>
+              <a:cs typeface="Times New Roman" panose="02020603050405020304" pitchFamily="18" charset="0"/>
+            </a:endParaRPr>
+          </a:p>
+          <a:p>
+            <a:pPr lvl="1">
+              <a:buFont typeface="Wingdings" panose="05000000000000000000" pitchFamily="2" charset="2"/>
+              <a:buChar char="§"/>
+            </a:pPr>
+            <a:r>
+              <a:rPr lang="pt-BR" sz="2000" b="1" dirty="0">
+                <a:latin typeface="Times New Roman" panose="02020603050405020304" pitchFamily="18" charset="0"/>
+                <a:cs typeface="Times New Roman" panose="02020603050405020304" pitchFamily="18" charset="0"/>
+              </a:rPr>
+              <a:t>Comparar</a:t>
+            </a:r>
+            <a:r>
+              <a:rPr lang="pt-BR" sz="2000" dirty="0">
+                <a:latin typeface="Times New Roman" panose="02020603050405020304" pitchFamily="18" charset="0"/>
+                <a:cs typeface="Times New Roman" panose="02020603050405020304" pitchFamily="18" charset="0"/>
+              </a:rPr>
+              <a:t> diferentes </a:t>
+            </a:r>
+            <a:r>
+              <a:rPr lang="pt-BR" sz="2000" b="1" dirty="0">
+                <a:solidFill>
+                  <a:srgbClr val="FF0000"/>
+                </a:solidFill>
+                <a:latin typeface="Times New Roman" panose="02020603050405020304" pitchFamily="18" charset="0"/>
+                <a:cs typeface="Times New Roman" panose="02020603050405020304" pitchFamily="18" charset="0"/>
+              </a:rPr>
+              <a:t>estratégias</a:t>
+            </a:r>
+            <a:r>
+              <a:rPr lang="pt-BR" sz="2000" dirty="0">
+                <a:latin typeface="Times New Roman" panose="02020603050405020304" pitchFamily="18" charset="0"/>
+                <a:cs typeface="Times New Roman" panose="02020603050405020304" pitchFamily="18" charset="0"/>
+              </a:rPr>
+              <a:t> </a:t>
+            </a:r>
+            <a:r>
+              <a:rPr lang="pt-BR" sz="2000" b="1" dirty="0">
+                <a:solidFill>
+                  <a:srgbClr val="FF0000"/>
+                </a:solidFill>
+                <a:latin typeface="Times New Roman" panose="02020603050405020304" pitchFamily="18" charset="0"/>
+                <a:cs typeface="Times New Roman" panose="02020603050405020304" pitchFamily="18" charset="0"/>
+              </a:rPr>
+              <a:t>adotadas</a:t>
+            </a:r>
+            <a:r>
+              <a:rPr lang="pt-BR" sz="2000" dirty="0">
+                <a:latin typeface="Times New Roman" panose="02020603050405020304" pitchFamily="18" charset="0"/>
+                <a:cs typeface="Times New Roman" panose="02020603050405020304" pitchFamily="18" charset="0"/>
+              </a:rPr>
+              <a:t> pelos </a:t>
+            </a:r>
+            <a:r>
+              <a:rPr lang="pt-BR" sz="2000" b="1" dirty="0">
+                <a:latin typeface="Times New Roman" panose="02020603050405020304" pitchFamily="18" charset="0"/>
+                <a:cs typeface="Times New Roman" panose="02020603050405020304" pitchFamily="18" charset="0"/>
+              </a:rPr>
+              <a:t>grupos</a:t>
+            </a:r>
+            <a:r>
+              <a:rPr lang="pt-BR" sz="2000" dirty="0">
+                <a:latin typeface="Times New Roman" panose="02020603050405020304" pitchFamily="18" charset="0"/>
+                <a:cs typeface="Times New Roman" panose="02020603050405020304" pitchFamily="18" charset="0"/>
+              </a:rPr>
+              <a:t>.</a:t>
+            </a:r>
+          </a:p>
+          <a:p>
+            <a:pPr marL="0" indent="0" algn="just">
+              <a:buNone/>
+            </a:pPr>
+            <a:endParaRPr lang="pt-BR" sz="2000" dirty="0">
+              <a:latin typeface="Times New Roman" panose="02020603050405020304" pitchFamily="18" charset="0"/>
+              <a:cs typeface="Times New Roman" panose="02020603050405020304" pitchFamily="18" charset="0"/>
+            </a:endParaRPr>
+          </a:p>
+        </p:txBody>
+      </p:sp>
+    </p:spTree>
+    <p:extLst>
+      <p:ext uri="{BB962C8B-B14F-4D97-AF65-F5344CB8AC3E}">
+        <p14:creationId xmlns:p14="http://schemas.microsoft.com/office/powerpoint/2010/main" val="2470652989"/>
+      </p:ext>
+    </p:extLst>
+  </p:cSld>
+  <p:clrMapOvr>
+    <a:masterClrMapping/>
+  </p:clrMapOvr>
+  <p:transition spd="med"/>
+</p:sld>
+</file>
+
+<file path=ppt/slides/slide13.xml><?xml version="1.0" encoding="utf-8"?>
+<p:sld xmlns:a="http://schemas.openxmlformats.org/drawingml/2006/main" xmlns:r="http://schemas.openxmlformats.org/officeDocument/2006/relationships" xmlns:p="http://schemas.openxmlformats.org/presentationml/2006/main">
+  <p:cSld>
+    <p:spTree>
+      <p:nvGrpSpPr>
+        <p:cNvPr id="1" name="">
+          <a:extLst>
+            <a:ext uri="{FF2B5EF4-FFF2-40B4-BE49-F238E27FC236}">
+              <a16:creationId xmlns:a16="http://schemas.microsoft.com/office/drawing/2014/main" id="{D2A764A5-F2C1-7AEC-7D2C-9366AF016056}"/>
+            </a:ext>
+          </a:extLst>
+        </p:cNvPr>
+        <p:cNvGrpSpPr/>
+        <p:nvPr/>
+      </p:nvGrpSpPr>
+      <p:grpSpPr>
+        <a:xfrm>
+          <a:off x="0" y="0"/>
+          <a:ext cx="0" cy="0"/>
+          <a:chOff x="0" y="0"/>
+          <a:chExt cx="0" cy="0"/>
+        </a:xfrm>
+      </p:grpSpPr>
+      <p:sp>
+        <p:nvSpPr>
+          <p:cNvPr id="6" name="Title 1">
+            <a:extLst>
+              <a:ext uri="{FF2B5EF4-FFF2-40B4-BE49-F238E27FC236}">
+                <a16:creationId xmlns:a16="http://schemas.microsoft.com/office/drawing/2014/main" id="{1D53D5B5-9140-0EC7-D3EE-DCE42C4F86A3}"/>
+              </a:ext>
+            </a:extLst>
+          </p:cNvPr>
+          <p:cNvSpPr>
+            <a:spLocks noGrp="1"/>
+          </p:cNvSpPr>
+          <p:nvPr>
+            <p:ph type="title"/>
+          </p:nvPr>
+        </p:nvSpPr>
+        <p:spPr>
+          <a:xfrm>
+            <a:off x="457200" y="205980"/>
+            <a:ext cx="8229600" cy="857251"/>
+          </a:xfrm>
+        </p:spPr>
+        <p:txBody>
+          <a:bodyPr>
+            <a:normAutofit/>
+          </a:bodyPr>
+          <a:lstStyle/>
+          <a:p>
+            <a:r>
+              <a:rPr lang="en-US" b="1" dirty="0" err="1">
+                <a:solidFill>
+                  <a:srgbClr val="0070C0"/>
+                </a:solidFill>
+              </a:rPr>
+              <a:t>Dinâmica</a:t>
+            </a:r>
+            <a:r>
+              <a:rPr lang="en-US" b="1" dirty="0">
+                <a:solidFill>
+                  <a:srgbClr val="0070C0"/>
+                </a:solidFill>
+              </a:rPr>
+              <a:t> </a:t>
+            </a:r>
+            <a:r>
+              <a:rPr lang="en-US" b="1" dirty="0" err="1">
+                <a:solidFill>
+                  <a:srgbClr val="0070C0"/>
+                </a:solidFill>
+              </a:rPr>
+              <a:t>Pensamento</a:t>
+            </a:r>
+            <a:r>
+              <a:rPr lang="en-US" b="1" dirty="0">
+                <a:solidFill>
+                  <a:srgbClr val="0070C0"/>
+                </a:solidFill>
+              </a:rPr>
+              <a:t> </a:t>
+            </a:r>
+            <a:r>
+              <a:rPr lang="en-US" b="1" dirty="0" err="1">
+                <a:solidFill>
+                  <a:srgbClr val="0070C0"/>
+                </a:solidFill>
+              </a:rPr>
+              <a:t>Guloso</a:t>
+            </a:r>
+            <a:endParaRPr lang="en-US" b="1" dirty="0">
+              <a:solidFill>
+                <a:srgbClr val="0070C0"/>
+              </a:solidFill>
+            </a:endParaRPr>
+          </a:p>
+        </p:txBody>
+      </p:sp>
+      <p:sp>
+        <p:nvSpPr>
+          <p:cNvPr id="8" name="Text Placeholder 2">
+            <a:extLst>
+              <a:ext uri="{FF2B5EF4-FFF2-40B4-BE49-F238E27FC236}">
+                <a16:creationId xmlns:a16="http://schemas.microsoft.com/office/drawing/2014/main" id="{87D7D4B5-B455-0A54-80CA-0224231B6489}"/>
+              </a:ext>
+            </a:extLst>
+          </p:cNvPr>
+          <p:cNvSpPr>
+            <a:spLocks noGrp="1"/>
+          </p:cNvSpPr>
+          <p:nvPr>
+            <p:ph type="body" sz="half" idx="1"/>
+          </p:nvPr>
+        </p:nvSpPr>
+        <p:spPr>
+          <a:xfrm>
+            <a:off x="139472" y="1063230"/>
+            <a:ext cx="8865056" cy="3874290"/>
+          </a:xfrm>
+        </p:spPr>
+        <p:txBody>
+          <a:bodyPr>
+            <a:noAutofit/>
+          </a:bodyPr>
+          <a:lstStyle/>
+          <a:p>
+            <a:pPr marL="0" indent="0">
+              <a:buNone/>
+            </a:pPr>
+            <a:r>
+              <a:rPr lang="pt-BR" sz="2200" b="1" dirty="0" err="1">
+                <a:solidFill>
+                  <a:srgbClr val="FF0000"/>
+                </a:solidFill>
+                <a:latin typeface="Times New Roman" panose="02020603050405020304" pitchFamily="18" charset="0"/>
+                <a:cs typeface="Times New Roman" panose="02020603050405020304" pitchFamily="18" charset="0"/>
+              </a:rPr>
+              <a:t>Pseudo</a:t>
+            </a:r>
+            <a:r>
+              <a:rPr lang="pt-BR" sz="2200" b="1" dirty="0">
+                <a:solidFill>
+                  <a:srgbClr val="FF0000"/>
+                </a:solidFill>
+                <a:latin typeface="Times New Roman" panose="02020603050405020304" pitchFamily="18" charset="0"/>
+                <a:cs typeface="Times New Roman" panose="02020603050405020304" pitchFamily="18" charset="0"/>
+              </a:rPr>
+              <a:t> solução</a:t>
+            </a:r>
+            <a:r>
+              <a:rPr lang="pt-BR" sz="2200" dirty="0">
+                <a:latin typeface="Times New Roman" panose="02020603050405020304" pitchFamily="18" charset="0"/>
+                <a:cs typeface="Times New Roman" panose="02020603050405020304" pitchFamily="18" charset="0"/>
+              </a:rPr>
+              <a:t>: </a:t>
+            </a:r>
+            <a:r>
+              <a:rPr lang="pt-BR" sz="2200" b="1" dirty="0">
+                <a:latin typeface="Times New Roman" panose="02020603050405020304" pitchFamily="18" charset="0"/>
+                <a:cs typeface="Times New Roman" panose="02020603050405020304" pitchFamily="18" charset="0"/>
+              </a:rPr>
+              <a:t>A7; A2; A4; A5</a:t>
+            </a:r>
+            <a:r>
+              <a:rPr lang="pt-BR" sz="2200" dirty="0">
+                <a:latin typeface="Times New Roman" panose="02020603050405020304" pitchFamily="18" charset="0"/>
+                <a:cs typeface="Times New Roman" panose="02020603050405020304" pitchFamily="18" charset="0"/>
+              </a:rPr>
+              <a:t>.</a:t>
+            </a:r>
+          </a:p>
+          <a:p>
+            <a:pPr marL="0" indent="0">
+              <a:buNone/>
+            </a:pPr>
+            <a:endParaRPr lang="pt-BR" sz="2200" dirty="0">
+              <a:latin typeface="Times New Roman" panose="02020603050405020304" pitchFamily="18" charset="0"/>
+              <a:cs typeface="Times New Roman" panose="02020603050405020304" pitchFamily="18" charset="0"/>
+            </a:endParaRPr>
+          </a:p>
+          <a:p>
+            <a:pPr>
+              <a:buFont typeface="Wingdings" panose="05000000000000000000" pitchFamily="2" charset="2"/>
+              <a:buChar char="§"/>
+            </a:pPr>
+            <a:r>
+              <a:rPr lang="pt-BR" sz="2200" dirty="0">
+                <a:latin typeface="Times New Roman" panose="02020603050405020304" pitchFamily="18" charset="0"/>
+                <a:cs typeface="Times New Roman" panose="02020603050405020304" pitchFamily="18" charset="0"/>
+              </a:rPr>
+              <a:t>A estratégia gulosa sempre gera o melhor resultado?</a:t>
+            </a:r>
+          </a:p>
+          <a:p>
+            <a:pPr>
+              <a:buFont typeface="Wingdings" panose="05000000000000000000" pitchFamily="2" charset="2"/>
+              <a:buChar char="§"/>
+            </a:pPr>
+            <a:r>
+              <a:rPr lang="pt-BR" sz="2200" dirty="0">
+                <a:latin typeface="Times New Roman" panose="02020603050405020304" pitchFamily="18" charset="0"/>
+                <a:cs typeface="Times New Roman" panose="02020603050405020304" pitchFamily="18" charset="0"/>
+              </a:rPr>
+              <a:t>Que outra estratégia vocês tentaram?</a:t>
+            </a:r>
+          </a:p>
+          <a:p>
+            <a:pPr>
+              <a:buFont typeface="Wingdings" panose="05000000000000000000" pitchFamily="2" charset="2"/>
+              <a:buChar char="§"/>
+            </a:pPr>
+            <a:r>
+              <a:rPr lang="pt-BR" sz="2200" dirty="0">
+                <a:latin typeface="Times New Roman" panose="02020603050405020304" pitchFamily="18" charset="0"/>
+                <a:cs typeface="Times New Roman" panose="02020603050405020304" pitchFamily="18" charset="0"/>
+              </a:rPr>
+              <a:t>Em quais casos o método guloso poderia falhar?</a:t>
+            </a:r>
+          </a:p>
+          <a:p>
+            <a:pPr>
+              <a:buFont typeface="Wingdings" panose="05000000000000000000" pitchFamily="2" charset="2"/>
+              <a:buChar char="§"/>
+            </a:pPr>
+            <a:r>
+              <a:rPr lang="pt-BR" sz="2200" dirty="0">
+                <a:latin typeface="Times New Roman" panose="02020603050405020304" pitchFamily="18" charset="0"/>
+                <a:cs typeface="Times New Roman" panose="02020603050405020304" pitchFamily="18" charset="0"/>
+              </a:rPr>
+              <a:t>O tempo de execução é eficiente comparado a tentar todas as combinações?</a:t>
+            </a:r>
+          </a:p>
+        </p:txBody>
+      </p:sp>
+    </p:spTree>
+    <p:extLst>
+      <p:ext uri="{BB962C8B-B14F-4D97-AF65-F5344CB8AC3E}">
+        <p14:creationId xmlns:p14="http://schemas.microsoft.com/office/powerpoint/2010/main" val="2538278662"/>
+      </p:ext>
+    </p:extLst>
+  </p:cSld>
+  <p:clrMapOvr>
+    <a:masterClrMapping/>
+  </p:clrMapOvr>
+  <p:transition spd="med"/>
+</p:sld>
+</file>
+
+<file path=ppt/slides/slide14.xml><?xml version="1.0" encoding="utf-8"?>
+<p:sld xmlns:a="http://schemas.openxmlformats.org/drawingml/2006/main" xmlns:r="http://schemas.openxmlformats.org/officeDocument/2006/relationships" xmlns:p="http://schemas.openxmlformats.org/presentationml/2006/main">
+  <p:cSld>
+    <p:spTree>
+      <p:nvGrpSpPr>
+        <p:cNvPr id="1" name=""/>
+        <p:cNvGrpSpPr/>
+        <p:nvPr/>
+      </p:nvGrpSpPr>
+      <p:grpSpPr>
+        <a:xfrm>
+          <a:off x="0" y="0"/>
+          <a:ext cx="0" cy="0"/>
+          <a:chOff x="0" y="0"/>
+          <a:chExt cx="0" cy="0"/>
+        </a:xfrm>
+      </p:grpSpPr>
+      <p:sp>
+        <p:nvSpPr>
+          <p:cNvPr id="6" name="Title 1"/>
+          <p:cNvSpPr>
+            <a:spLocks noGrp="1"/>
+          </p:cNvSpPr>
+          <p:nvPr>
+            <p:ph type="title"/>
+          </p:nvPr>
+        </p:nvSpPr>
+        <p:spPr>
+          <a:xfrm>
+            <a:off x="457200" y="205980"/>
+            <a:ext cx="8229600" cy="857251"/>
+          </a:xfrm>
+        </p:spPr>
+        <p:txBody>
+          <a:bodyPr>
+            <a:normAutofit/>
+          </a:bodyPr>
+          <a:lstStyle/>
+          <a:p>
+            <a:r>
+              <a:rPr lang="en-US" b="1" dirty="0" err="1">
+                <a:solidFill>
+                  <a:srgbClr val="0070C0"/>
+                </a:solidFill>
+              </a:rPr>
+              <a:t>Referências</a:t>
+            </a:r>
+            <a:r>
+              <a:rPr lang="en-US" b="1" dirty="0">
+                <a:solidFill>
+                  <a:srgbClr val="0070C0"/>
+                </a:solidFill>
+              </a:rPr>
+              <a:t> </a:t>
+            </a:r>
+            <a:r>
+              <a:rPr lang="en-US" b="1" dirty="0" err="1">
+                <a:solidFill>
+                  <a:srgbClr val="0070C0"/>
+                </a:solidFill>
+              </a:rPr>
+              <a:t>Bibliográficas</a:t>
+            </a:r>
+            <a:endParaRPr lang="en-US" b="1" dirty="0">
+              <a:solidFill>
+                <a:srgbClr val="0070C0"/>
+              </a:solidFill>
+            </a:endParaRPr>
+          </a:p>
+        </p:txBody>
+      </p:sp>
+      <p:sp>
+        <p:nvSpPr>
+          <p:cNvPr id="8" name="Text Placeholder 2"/>
+          <p:cNvSpPr>
+            <a:spLocks noGrp="1"/>
+          </p:cNvSpPr>
+          <p:nvPr>
+            <p:ph type="body" sz="half" idx="1"/>
+          </p:nvPr>
+        </p:nvSpPr>
+        <p:spPr>
+          <a:xfrm>
+            <a:off x="142865" y="1200151"/>
+            <a:ext cx="8865056" cy="3394472"/>
+          </a:xfrm>
+        </p:spPr>
+        <p:txBody>
+          <a:bodyPr>
+            <a:noAutofit/>
+          </a:bodyPr>
+          <a:lstStyle/>
+          <a:p>
+            <a:pPr marL="0" indent="0" algn="just">
+              <a:buNone/>
+            </a:pPr>
+            <a:r>
+              <a:rPr lang="pt-BR" sz="2200" dirty="0">
+                <a:latin typeface="Times New Roman" panose="02020603050405020304" pitchFamily="18" charset="0"/>
+                <a:cs typeface="Times New Roman" panose="02020603050405020304" pitchFamily="18" charset="0"/>
+              </a:rPr>
+              <a:t>[1] </a:t>
+            </a:r>
+            <a:r>
+              <a:rPr lang="pt-BR" sz="2200" b="1" dirty="0" err="1">
+                <a:solidFill>
+                  <a:srgbClr val="FF0000"/>
+                </a:solidFill>
+                <a:latin typeface="Times New Roman" panose="02020603050405020304" pitchFamily="18" charset="0"/>
+                <a:cs typeface="Times New Roman" panose="02020603050405020304" pitchFamily="18" charset="0"/>
+              </a:rPr>
+              <a:t>Cormen</a:t>
+            </a:r>
+            <a:r>
+              <a:rPr lang="pt-BR" sz="2200" b="1" dirty="0">
+                <a:solidFill>
+                  <a:srgbClr val="FF0000"/>
+                </a:solidFill>
+                <a:latin typeface="Times New Roman" panose="02020603050405020304" pitchFamily="18" charset="0"/>
+                <a:cs typeface="Times New Roman" panose="02020603050405020304" pitchFamily="18" charset="0"/>
+              </a:rPr>
+              <a:t>, T. H.; </a:t>
+            </a:r>
+            <a:r>
+              <a:rPr lang="pt-BR" sz="2200" b="1" dirty="0" err="1">
+                <a:solidFill>
+                  <a:srgbClr val="FF0000"/>
+                </a:solidFill>
+                <a:latin typeface="Times New Roman" panose="02020603050405020304" pitchFamily="18" charset="0"/>
+                <a:cs typeface="Times New Roman" panose="02020603050405020304" pitchFamily="18" charset="0"/>
+              </a:rPr>
+              <a:t>Leiserson</a:t>
+            </a:r>
+            <a:r>
+              <a:rPr lang="pt-BR" sz="2200" b="1" dirty="0">
+                <a:solidFill>
+                  <a:srgbClr val="FF0000"/>
+                </a:solidFill>
+                <a:latin typeface="Times New Roman" panose="02020603050405020304" pitchFamily="18" charset="0"/>
+                <a:cs typeface="Times New Roman" panose="02020603050405020304" pitchFamily="18" charset="0"/>
+              </a:rPr>
+              <a:t>, C. E.; </a:t>
+            </a:r>
+            <a:r>
+              <a:rPr lang="pt-BR" sz="2200" b="1" dirty="0" err="1">
+                <a:solidFill>
+                  <a:srgbClr val="FF0000"/>
+                </a:solidFill>
+                <a:latin typeface="Times New Roman" panose="02020603050405020304" pitchFamily="18" charset="0"/>
+                <a:cs typeface="Times New Roman" panose="02020603050405020304" pitchFamily="18" charset="0"/>
+              </a:rPr>
+              <a:t>Rivest</a:t>
+            </a:r>
+            <a:r>
+              <a:rPr lang="pt-BR" sz="2200" b="1" dirty="0">
+                <a:solidFill>
+                  <a:srgbClr val="FF0000"/>
+                </a:solidFill>
+                <a:latin typeface="Times New Roman" panose="02020603050405020304" pitchFamily="18" charset="0"/>
+                <a:cs typeface="Times New Roman" panose="02020603050405020304" pitchFamily="18" charset="0"/>
+              </a:rPr>
+              <a:t>, R. L.; Stein, </a:t>
+            </a:r>
+            <a:r>
+              <a:rPr lang="pt-BR" sz="2200" dirty="0">
+                <a:latin typeface="Times New Roman" panose="02020603050405020304" pitchFamily="18" charset="0"/>
+                <a:cs typeface="Times New Roman" panose="02020603050405020304" pitchFamily="18" charset="0"/>
+              </a:rPr>
+              <a:t>C. Algoritmos: Teoria e Prática. 3. ed. Rio de Janeiro: Elsevier, 2009. Cap. 16, pp. 431-456.</a:t>
+            </a:r>
+          </a:p>
+          <a:p>
+            <a:pPr marL="0" indent="0" algn="just">
+              <a:buNone/>
+            </a:pPr>
+            <a:endParaRPr lang="pt-BR" sz="2200" dirty="0">
+              <a:latin typeface="Times New Roman" panose="02020603050405020304" pitchFamily="18" charset="0"/>
+              <a:cs typeface="Times New Roman" panose="02020603050405020304" pitchFamily="18" charset="0"/>
+            </a:endParaRPr>
+          </a:p>
+          <a:p>
+            <a:pPr marL="0" indent="0" algn="just">
+              <a:buNone/>
+            </a:pPr>
+            <a:endParaRPr lang="pt-BR" sz="2200" dirty="0">
+              <a:latin typeface="Times New Roman" panose="02020603050405020304" pitchFamily="18" charset="0"/>
+              <a:cs typeface="Times New Roman" panose="02020603050405020304" pitchFamily="18" charset="0"/>
+            </a:endParaRPr>
+          </a:p>
+          <a:p>
+            <a:pPr marL="0" indent="0" algn="just">
+              <a:buNone/>
+            </a:pPr>
+            <a:r>
+              <a:rPr lang="pt-BR" sz="2200" dirty="0">
+                <a:latin typeface="Times New Roman" panose="02020603050405020304" pitchFamily="18" charset="0"/>
+                <a:cs typeface="Times New Roman" panose="02020603050405020304" pitchFamily="18" charset="0"/>
+              </a:rPr>
+              <a:t>[2] </a:t>
+            </a:r>
+            <a:r>
+              <a:rPr lang="pt-BR" sz="2200" b="1" dirty="0" err="1">
+                <a:solidFill>
+                  <a:srgbClr val="FF0000"/>
+                </a:solidFill>
+                <a:latin typeface="Times New Roman" panose="02020603050405020304" pitchFamily="18" charset="0"/>
+                <a:cs typeface="Times New Roman" panose="02020603050405020304" pitchFamily="18" charset="0"/>
+              </a:rPr>
+              <a:t>Kleinberg</a:t>
+            </a:r>
+            <a:r>
+              <a:rPr lang="pt-BR" sz="2200" b="1" dirty="0">
+                <a:solidFill>
+                  <a:srgbClr val="FF0000"/>
+                </a:solidFill>
+                <a:latin typeface="Times New Roman" panose="02020603050405020304" pitchFamily="18" charset="0"/>
+                <a:cs typeface="Times New Roman" panose="02020603050405020304" pitchFamily="18" charset="0"/>
+              </a:rPr>
+              <a:t>, J.; Tardos, É. </a:t>
+            </a:r>
+            <a:r>
+              <a:rPr lang="pt-BR" sz="2200" dirty="0" err="1">
+                <a:latin typeface="Times New Roman" panose="02020603050405020304" pitchFamily="18" charset="0"/>
+                <a:cs typeface="Times New Roman" panose="02020603050405020304" pitchFamily="18" charset="0"/>
+              </a:rPr>
+              <a:t>Algorithm</a:t>
+            </a:r>
+            <a:r>
+              <a:rPr lang="pt-BR" sz="2200" dirty="0">
+                <a:latin typeface="Times New Roman" panose="02020603050405020304" pitchFamily="18" charset="0"/>
+                <a:cs typeface="Times New Roman" panose="02020603050405020304" pitchFamily="18" charset="0"/>
+              </a:rPr>
+              <a:t> Design. Boston: Addison-Wesley, 2006. Cap. 4, pp. 105-130.</a:t>
+            </a:r>
+          </a:p>
+        </p:txBody>
+      </p:sp>
+    </p:spTree>
+    <p:extLst>
+      <p:ext uri="{BB962C8B-B14F-4D97-AF65-F5344CB8AC3E}">
+        <p14:creationId xmlns:p14="http://schemas.microsoft.com/office/powerpoint/2010/main" val="1115311843"/>
+      </p:ext>
+    </p:extLst>
+  </p:cSld>
+  <p:clrMapOvr>
+    <a:masterClrMapping/>
+  </p:clrMapOvr>
+  <p:transition spd="med"/>
+</p:sld>
+</file>
+
+<file path=ppt/slides/slide15.xml><?xml version="1.0" encoding="utf-8"?>
+<p:sld xmlns:a="http://schemas.openxmlformats.org/drawingml/2006/main" xmlns:r="http://schemas.openxmlformats.org/officeDocument/2006/relationships" xmlns:p="http://schemas.openxmlformats.org/presentationml/2006/main">
+  <p:cSld>
+    <p:spTree>
+      <p:nvGrpSpPr>
+        <p:cNvPr id="1" name=""/>
+        <p:cNvGrpSpPr/>
+        <p:nvPr/>
+      </p:nvGrpSpPr>
+      <p:grpSpPr>
+        <a:xfrm>
+          <a:off x="0" y="0"/>
+          <a:ext cx="0" cy="0"/>
+          <a:chOff x="0" y="0"/>
+          <a:chExt cx="0" cy="0"/>
+        </a:xfrm>
+      </p:grpSpPr>
+      <p:pic>
+        <p:nvPicPr>
+          <p:cNvPr id="112" name="Picture 6" descr="Picture 6"/>
+          <p:cNvPicPr>
+            <a:picLocks noChangeAspect="1"/>
+          </p:cNvPicPr>
+          <p:nvPr/>
+        </p:nvPicPr>
+        <p:blipFill>
+          <a:blip r:embed="rId2"/>
+          <a:stretch>
+            <a:fillRect/>
+          </a:stretch>
+        </p:blipFill>
+        <p:spPr>
+          <a:xfrm>
+            <a:off x="0" y="0"/>
+            <a:ext cx="9144000" cy="5143500"/>
+          </a:xfrm>
+          <a:prstGeom prst="rect">
+            <a:avLst/>
+          </a:prstGeom>
+          <a:ln w="12700">
+            <a:miter lim="400000"/>
+            <a:headEnd/>
+            <a:tailEnd/>
+          </a:ln>
+        </p:spPr>
+      </p:pic>
+      <p:pic>
+        <p:nvPicPr>
+          <p:cNvPr id="114" name="Picture 5" descr="Picture 5"/>
+          <p:cNvPicPr>
+            <a:picLocks noChangeAspect="1"/>
+          </p:cNvPicPr>
+          <p:nvPr/>
+        </p:nvPicPr>
+        <p:blipFill>
+          <a:blip r:embed="rId3"/>
+          <a:stretch>
+            <a:fillRect/>
+          </a:stretch>
+        </p:blipFill>
+        <p:spPr>
+          <a:xfrm>
+            <a:off x="469900" y="0"/>
+            <a:ext cx="4391984" cy="171450"/>
+          </a:xfrm>
+          <a:prstGeom prst="rect">
+            <a:avLst/>
+          </a:prstGeom>
+          <a:ln w="12700">
+            <a:miter lim="400000"/>
+            <a:headEnd/>
+            <a:tailEnd/>
+          </a:ln>
+        </p:spPr>
+      </p:pic>
+      <p:sp>
+        <p:nvSpPr>
+          <p:cNvPr id="3" name="Título 2"/>
+          <p:cNvSpPr>
+            <a:spLocks noGrp="1"/>
+          </p:cNvSpPr>
+          <p:nvPr>
+            <p:ph type="title"/>
+          </p:nvPr>
+        </p:nvSpPr>
+        <p:spPr>
+          <a:xfrm>
+            <a:off x="285751" y="2386770"/>
+            <a:ext cx="8615364" cy="1102519"/>
+          </a:xfrm>
+        </p:spPr>
+        <p:txBody>
+          <a:bodyPr>
+            <a:noAutofit/>
+          </a:bodyPr>
+          <a:lstStyle/>
+          <a:p>
+            <a:r>
+              <a:rPr lang="pt-BR" sz="4800" b="1" dirty="0">
+                <a:solidFill>
+                  <a:schemeClr val="bg1"/>
+                </a:solidFill>
+              </a:rPr>
+              <a:t>Algoritmos e Complexidade</a:t>
+            </a:r>
+          </a:p>
+        </p:txBody>
+      </p:sp>
+      <p:sp>
+        <p:nvSpPr>
+          <p:cNvPr id="6" name="Título 2"/>
+          <p:cNvSpPr txBox="1"/>
+          <p:nvPr/>
+        </p:nvSpPr>
+        <p:spPr>
+          <a:xfrm>
+            <a:off x="975683" y="3866663"/>
+            <a:ext cx="7772400" cy="1102519"/>
+          </a:xfrm>
+          <a:prstGeom prst="rect">
+            <a:avLst/>
+          </a:prstGeom>
+          <a:ln w="12700">
+            <a:miter lim="400000"/>
+          </a:ln>
+        </p:spPr>
+        <p:txBody>
+          <a:bodyPr lIns="45718" tIns="45718" rIns="45718" bIns="45718" anchor="ctr">
+            <a:noAutofit/>
+          </a:bodyPr>
+          <a:lstStyle>
+            <a:lvl1pPr marL="0" marR="0" indent="0" algn="ctr" defTabSz="457200" rtl="0" latinLnBrk="0">
+              <a:lnSpc>
+                <a:spcPct val="100000"/>
+              </a:lnSpc>
+              <a:spcBef>
+                <a:spcPts val="0"/>
+              </a:spcBef>
+              <a:spcAft>
+                <a:spcPts val="0"/>
+              </a:spcAft>
+              <a:buClrTx/>
+              <a:buSzTx/>
+              <a:buFontTx/>
+              <a:buNone/>
+              <a:defRPr sz="4400" b="0" i="0" u="none" strike="noStrike" cap="none" spc="0" baseline="0">
+                <a:ln>
+                  <a:noFill/>
+                </a:ln>
+                <a:solidFill>
+                  <a:srgbClr val="000000"/>
+                </a:solidFill>
+                <a:uFillTx/>
+                <a:latin typeface="+mj-lt"/>
+                <a:ea typeface="+mj-ea"/>
+                <a:cs typeface="+mj-cs"/>
+                <a:sym typeface="Calibri"/>
+              </a:defRPr>
+            </a:lvl1pPr>
+            <a:lvl2pPr marL="0" marR="0" indent="0" algn="ctr" defTabSz="457200" rtl="0" latinLnBrk="0">
+              <a:lnSpc>
+                <a:spcPct val="100000"/>
+              </a:lnSpc>
+              <a:spcBef>
+                <a:spcPts val="0"/>
+              </a:spcBef>
+              <a:spcAft>
+                <a:spcPts val="0"/>
+              </a:spcAft>
+              <a:buClrTx/>
+              <a:buSzTx/>
+              <a:buFontTx/>
+              <a:buNone/>
+              <a:defRPr sz="4400" b="0" i="0" u="none" strike="noStrike" cap="none" spc="0" baseline="0">
+                <a:ln>
+                  <a:noFill/>
+                </a:ln>
+                <a:solidFill>
+                  <a:srgbClr val="000000"/>
+                </a:solidFill>
+                <a:uFillTx/>
+                <a:latin typeface="+mj-lt"/>
+                <a:ea typeface="+mj-ea"/>
+                <a:cs typeface="+mj-cs"/>
+                <a:sym typeface="Calibri"/>
+              </a:defRPr>
+            </a:lvl2pPr>
+            <a:lvl3pPr marL="0" marR="0" indent="0" algn="ctr" defTabSz="457200" rtl="0" latinLnBrk="0">
+              <a:lnSpc>
+                <a:spcPct val="100000"/>
+              </a:lnSpc>
+              <a:spcBef>
+                <a:spcPts val="0"/>
+              </a:spcBef>
+              <a:spcAft>
+                <a:spcPts val="0"/>
+              </a:spcAft>
+              <a:buClrTx/>
+              <a:buSzTx/>
+              <a:buFontTx/>
+              <a:buNone/>
+              <a:defRPr sz="4400" b="0" i="0" u="none" strike="noStrike" cap="none" spc="0" baseline="0">
+                <a:ln>
+                  <a:noFill/>
+                </a:ln>
+                <a:solidFill>
+                  <a:srgbClr val="000000"/>
+                </a:solidFill>
+                <a:uFillTx/>
+                <a:latin typeface="+mj-lt"/>
+                <a:ea typeface="+mj-ea"/>
+                <a:cs typeface="+mj-cs"/>
+                <a:sym typeface="Calibri"/>
+              </a:defRPr>
+            </a:lvl3pPr>
+            <a:lvl4pPr marL="0" marR="0" indent="0" algn="ctr" defTabSz="457200" rtl="0" latinLnBrk="0">
+              <a:lnSpc>
+                <a:spcPct val="100000"/>
+              </a:lnSpc>
+              <a:spcBef>
+                <a:spcPts val="0"/>
+              </a:spcBef>
+              <a:spcAft>
+                <a:spcPts val="0"/>
+              </a:spcAft>
+              <a:buClrTx/>
+              <a:buSzTx/>
+              <a:buFontTx/>
+              <a:buNone/>
+              <a:defRPr sz="4400" b="0" i="0" u="none" strike="noStrike" cap="none" spc="0" baseline="0">
+                <a:ln>
+                  <a:noFill/>
+                </a:ln>
+                <a:solidFill>
+                  <a:srgbClr val="000000"/>
+                </a:solidFill>
+                <a:uFillTx/>
+                <a:latin typeface="+mj-lt"/>
+                <a:ea typeface="+mj-ea"/>
+                <a:cs typeface="+mj-cs"/>
+                <a:sym typeface="Calibri"/>
+              </a:defRPr>
+            </a:lvl4pPr>
+            <a:lvl5pPr marL="0" marR="0" indent="0" algn="ctr" defTabSz="457200" rtl="0" latinLnBrk="0">
+              <a:lnSpc>
+                <a:spcPct val="100000"/>
+              </a:lnSpc>
+              <a:spcBef>
+                <a:spcPts val="0"/>
+              </a:spcBef>
+              <a:spcAft>
+                <a:spcPts val="0"/>
+              </a:spcAft>
+              <a:buClrTx/>
+              <a:buSzTx/>
+              <a:buFontTx/>
+              <a:buNone/>
+              <a:defRPr sz="4400" b="0" i="0" u="none" strike="noStrike" cap="none" spc="0" baseline="0">
+                <a:ln>
+                  <a:noFill/>
+                </a:ln>
+                <a:solidFill>
+                  <a:srgbClr val="000000"/>
+                </a:solidFill>
+                <a:uFillTx/>
+                <a:latin typeface="+mj-lt"/>
+                <a:ea typeface="+mj-ea"/>
+                <a:cs typeface="+mj-cs"/>
+                <a:sym typeface="Calibri"/>
+              </a:defRPr>
+            </a:lvl5pPr>
+            <a:lvl6pPr marL="0" marR="0" indent="0" algn="ctr" defTabSz="457200" rtl="0" latinLnBrk="0">
+              <a:lnSpc>
+                <a:spcPct val="100000"/>
+              </a:lnSpc>
+              <a:spcBef>
+                <a:spcPts val="0"/>
+              </a:spcBef>
+              <a:spcAft>
+                <a:spcPts val="0"/>
+              </a:spcAft>
+              <a:buClrTx/>
+              <a:buSzTx/>
+              <a:buFontTx/>
+              <a:buNone/>
+              <a:defRPr sz="4400" b="0" i="0" u="none" strike="noStrike" cap="none" spc="0" baseline="0">
+                <a:ln>
+                  <a:noFill/>
+                </a:ln>
+                <a:solidFill>
+                  <a:srgbClr val="000000"/>
+                </a:solidFill>
+                <a:uFillTx/>
+                <a:latin typeface="+mj-lt"/>
+                <a:ea typeface="+mj-ea"/>
+                <a:cs typeface="+mj-cs"/>
+                <a:sym typeface="Calibri"/>
+              </a:defRPr>
+            </a:lvl6pPr>
+            <a:lvl7pPr marL="0" marR="0" indent="0" algn="ctr" defTabSz="457200" rtl="0" latinLnBrk="0">
+              <a:lnSpc>
+                <a:spcPct val="100000"/>
+              </a:lnSpc>
+              <a:spcBef>
+                <a:spcPts val="0"/>
+              </a:spcBef>
+              <a:spcAft>
+                <a:spcPts val="0"/>
+              </a:spcAft>
+              <a:buClrTx/>
+              <a:buSzTx/>
+              <a:buFontTx/>
+              <a:buNone/>
+              <a:defRPr sz="4400" b="0" i="0" u="none" strike="noStrike" cap="none" spc="0" baseline="0">
+                <a:ln>
+                  <a:noFill/>
+                </a:ln>
+                <a:solidFill>
+                  <a:srgbClr val="000000"/>
+                </a:solidFill>
+                <a:uFillTx/>
+                <a:latin typeface="+mj-lt"/>
+                <a:ea typeface="+mj-ea"/>
+                <a:cs typeface="+mj-cs"/>
+                <a:sym typeface="Calibri"/>
+              </a:defRPr>
+            </a:lvl7pPr>
+            <a:lvl8pPr marL="0" marR="0" indent="0" algn="ctr" defTabSz="457200" rtl="0" latinLnBrk="0">
+              <a:lnSpc>
+                <a:spcPct val="100000"/>
+              </a:lnSpc>
+              <a:spcBef>
+                <a:spcPts val="0"/>
+              </a:spcBef>
+              <a:spcAft>
+                <a:spcPts val="0"/>
+              </a:spcAft>
+              <a:buClrTx/>
+              <a:buSzTx/>
+              <a:buFontTx/>
+              <a:buNone/>
+              <a:defRPr sz="4400" b="0" i="0" u="none" strike="noStrike" cap="none" spc="0" baseline="0">
+                <a:ln>
+                  <a:noFill/>
+                </a:ln>
+                <a:solidFill>
+                  <a:srgbClr val="000000"/>
+                </a:solidFill>
+                <a:uFillTx/>
+                <a:latin typeface="+mj-lt"/>
+                <a:ea typeface="+mj-ea"/>
+                <a:cs typeface="+mj-cs"/>
+                <a:sym typeface="Calibri"/>
+              </a:defRPr>
+            </a:lvl8pPr>
+            <a:lvl9pPr marL="0" marR="0" indent="0" algn="ctr" defTabSz="457200" rtl="0" latinLnBrk="0">
+              <a:lnSpc>
+                <a:spcPct val="100000"/>
+              </a:lnSpc>
+              <a:spcBef>
+                <a:spcPts val="0"/>
+              </a:spcBef>
+              <a:spcAft>
+                <a:spcPts val="0"/>
+              </a:spcAft>
+              <a:buClrTx/>
+              <a:buSzTx/>
+              <a:buFontTx/>
+              <a:buNone/>
+              <a:defRPr sz="4400" b="0" i="0" u="none" strike="noStrike" cap="none" spc="0" baseline="0">
+                <a:ln>
+                  <a:noFill/>
+                </a:ln>
+                <a:solidFill>
+                  <a:srgbClr val="000000"/>
+                </a:solidFill>
+                <a:uFillTx/>
+                <a:latin typeface="+mj-lt"/>
+                <a:ea typeface="+mj-ea"/>
+                <a:cs typeface="+mj-cs"/>
+                <a:sym typeface="Calibri"/>
+              </a:defRPr>
+            </a:lvl9pPr>
+          </a:lstStyle>
+          <a:p>
+            <a:pPr algn="r" hangingPunct="1"/>
+            <a:r>
+              <a:rPr lang="pt-BR" sz="2000" b="1" dirty="0">
+                <a:solidFill>
+                  <a:schemeClr val="bg1"/>
+                </a:solidFill>
+              </a:rPr>
+              <a:t>Professor </a:t>
+            </a:r>
+            <a:r>
+              <a:rPr lang="pt-BR" sz="2000" b="1">
+                <a:solidFill>
+                  <a:schemeClr val="bg1"/>
+                </a:solidFill>
+              </a:rPr>
+              <a:t>M.Sc</a:t>
+            </a:r>
+            <a:r>
+              <a:rPr lang="pt-BR" sz="2000" b="1" dirty="0">
+                <a:solidFill>
+                  <a:schemeClr val="bg1"/>
+                </a:solidFill>
+              </a:rPr>
+              <a:t>. Heleno Cardoso</a:t>
+            </a:r>
+          </a:p>
+        </p:txBody>
+      </p:sp>
+      <p:pic>
+        <p:nvPicPr>
+          <p:cNvPr id="2" name="Google Shape;62;p1" descr="Imagem">
+            <a:extLst>
+              <a:ext uri="{FF2B5EF4-FFF2-40B4-BE49-F238E27FC236}">
+                <a16:creationId xmlns:a16="http://schemas.microsoft.com/office/drawing/2014/main" id="{9C895622-2963-024D-634E-EA58F5381D06}"/>
+              </a:ext>
+            </a:extLst>
+          </p:cNvPr>
+          <p:cNvPicPr preferRelativeResize="0"/>
+          <p:nvPr/>
+        </p:nvPicPr>
+        <p:blipFill rotWithShape="1">
+          <a:blip r:embed="rId4">
+            <a:alphaModFix/>
+          </a:blip>
+          <a:srcRect/>
+          <a:stretch/>
+        </p:blipFill>
+        <p:spPr>
+          <a:xfrm>
+            <a:off x="469898" y="343798"/>
+            <a:ext cx="2858518" cy="1338697"/>
+          </a:xfrm>
+          <a:prstGeom prst="rect">
+            <a:avLst/>
+          </a:prstGeom>
+          <a:noFill/>
+          <a:ln>
+            <a:noFill/>
+          </a:ln>
+        </p:spPr>
+      </p:pic>
+    </p:spTree>
+  </p:cSld>
+  <p:clrMapOvr>
+    <a:masterClrMapping/>
+  </p:clrMapOvr>
+  <p:transition spd="med"/>
+</p:sld>
+</file>
+
 <file path=ppt/slides/slide2.xml><?xml version="1.0" encoding="utf-8"?>
 <p:sld xmlns:a="http://schemas.openxmlformats.org/drawingml/2006/main" xmlns:r="http://schemas.openxmlformats.org/officeDocument/2006/relationships" xmlns:p="http://schemas.openxmlformats.org/presentationml/2006/main">
   <p:cSld>
@@ -4360,7 +6962,7 @@
                   <a:srgbClr val="0070C0"/>
                 </a:solidFill>
               </a:rPr>
-              <a:t>Algortimos</a:t>
+              <a:t>Algoritmos</a:t>
             </a:r>
             <a:r>
               <a:rPr lang="en-US" b="1" dirty="0">
@@ -4377,6 +6979,22 @@
                 </a:solidFill>
               </a:rPr>
               <a:t>Gulosos</a:t>
+            </a:r>
+            <a:r>
+              <a:rPr lang="en-US" b="1" dirty="0">
+                <a:solidFill>
+                  <a:srgbClr val="0070C0"/>
+                </a:solidFill>
+              </a:rPr>
+              <a:t> - </a:t>
+            </a:r>
+            <a:r>
+              <a:rPr lang="en-US" b="1" dirty="0" err="1">
+                <a:solidFill>
+                  <a:srgbClr val="0070C0"/>
+                </a:solidFill>
+              </a:rPr>
+              <a:t>Definição</a:t>
             </a:r>
             <a:endParaRPr lang="en-US" b="1" dirty="0">
               <a:solidFill>
@@ -4411,22 +7029,117 @@
             <a:pPr marL="0" indent="0" algn="just">
               <a:buNone/>
             </a:pPr>
-            <a:r>
-              <a:rPr lang="pt-BR" sz="2000" dirty="0">
-                <a:latin typeface="Times New Roman" panose="02020603050405020304" pitchFamily="18" charset="0"/>
-                <a:cs typeface="Times New Roman" panose="02020603050405020304" pitchFamily="18" charset="0"/>
-              </a:rPr>
-              <a:t>Algoritmos e Complexidade</a:t>
-            </a:r>
-            <a:r>
-              <a:rPr lang="pt-BR" sz="2000" dirty="0">
-                <a:solidFill>
-                  <a:schemeClr val="tx1"/>
-                </a:solidFill>
-                <a:latin typeface="Times New Roman" panose="02020603050405020304" pitchFamily="18" charset="0"/>
-                <a:cs typeface="Times New Roman" panose="02020603050405020304" pitchFamily="18" charset="0"/>
-              </a:rPr>
-              <a:t> ...</a:t>
+            <a:endParaRPr lang="pt-BR" sz="2400" dirty="0">
+              <a:latin typeface="Times New Roman" panose="02020603050405020304" pitchFamily="18" charset="0"/>
+              <a:cs typeface="Times New Roman" panose="02020603050405020304" pitchFamily="18" charset="0"/>
+            </a:endParaRPr>
+          </a:p>
+          <a:p>
+            <a:pPr marL="0" indent="0" algn="just">
+              <a:buNone/>
+            </a:pPr>
+            <a:endParaRPr lang="pt-BR" sz="2400" dirty="0">
+              <a:latin typeface="Times New Roman" panose="02020603050405020304" pitchFamily="18" charset="0"/>
+              <a:cs typeface="Times New Roman" panose="02020603050405020304" pitchFamily="18" charset="0"/>
+            </a:endParaRPr>
+          </a:p>
+          <a:p>
+            <a:pPr marL="0" indent="0" algn="just">
+              <a:buNone/>
+            </a:pPr>
+            <a:r>
+              <a:rPr lang="pt-BR" sz="2400" dirty="0">
+                <a:latin typeface="Times New Roman" panose="02020603050405020304" pitchFamily="18" charset="0"/>
+                <a:cs typeface="Times New Roman" panose="02020603050405020304" pitchFamily="18" charset="0"/>
+              </a:rPr>
+              <a:t>Um </a:t>
+            </a:r>
+            <a:r>
+              <a:rPr lang="pt-BR" sz="2400" b="1" dirty="0">
+                <a:latin typeface="Times New Roman" panose="02020603050405020304" pitchFamily="18" charset="0"/>
+                <a:cs typeface="Times New Roman" panose="02020603050405020304" pitchFamily="18" charset="0"/>
+              </a:rPr>
+              <a:t>algoritmo guloso </a:t>
+            </a:r>
+            <a:r>
+              <a:rPr lang="pt-BR" sz="2400" dirty="0">
+                <a:latin typeface="Times New Roman" panose="02020603050405020304" pitchFamily="18" charset="0"/>
+                <a:cs typeface="Times New Roman" panose="02020603050405020304" pitchFamily="18" charset="0"/>
+              </a:rPr>
+              <a:t>(</a:t>
+            </a:r>
+            <a:r>
+              <a:rPr lang="pt-BR" sz="2400" b="1" dirty="0" err="1">
+                <a:solidFill>
+                  <a:srgbClr val="FF0000"/>
+                </a:solidFill>
+                <a:latin typeface="Times New Roman" panose="02020603050405020304" pitchFamily="18" charset="0"/>
+                <a:cs typeface="Times New Roman" panose="02020603050405020304" pitchFamily="18" charset="0"/>
+              </a:rPr>
+              <a:t>greedy</a:t>
+            </a:r>
+            <a:r>
+              <a:rPr lang="pt-BR" sz="2400" dirty="0">
+                <a:latin typeface="Times New Roman" panose="02020603050405020304" pitchFamily="18" charset="0"/>
+                <a:cs typeface="Times New Roman" panose="02020603050405020304" pitchFamily="18" charset="0"/>
+              </a:rPr>
+              <a:t>) é um método de </a:t>
+            </a:r>
+            <a:r>
+              <a:rPr lang="pt-BR" sz="2400" b="1" dirty="0">
+                <a:latin typeface="Times New Roman" panose="02020603050405020304" pitchFamily="18" charset="0"/>
+                <a:cs typeface="Times New Roman" panose="02020603050405020304" pitchFamily="18" charset="0"/>
+              </a:rPr>
+              <a:t>resolução de problemas</a:t>
+            </a:r>
+            <a:r>
+              <a:rPr lang="pt-BR" sz="2400" dirty="0">
+                <a:latin typeface="Times New Roman" panose="02020603050405020304" pitchFamily="18" charset="0"/>
+                <a:cs typeface="Times New Roman" panose="02020603050405020304" pitchFamily="18" charset="0"/>
+              </a:rPr>
+              <a:t> que constrói uma solução passo a passo, </a:t>
+            </a:r>
+            <a:r>
+              <a:rPr lang="pt-BR" sz="2400" b="1" dirty="0">
+                <a:latin typeface="Times New Roman" panose="02020603050405020304" pitchFamily="18" charset="0"/>
+                <a:cs typeface="Times New Roman" panose="02020603050405020304" pitchFamily="18" charset="0"/>
+              </a:rPr>
+              <a:t>escolhendo</a:t>
+            </a:r>
+            <a:r>
+              <a:rPr lang="pt-BR" sz="2400" dirty="0">
+                <a:latin typeface="Times New Roman" panose="02020603050405020304" pitchFamily="18" charset="0"/>
+                <a:cs typeface="Times New Roman" panose="02020603050405020304" pitchFamily="18" charset="0"/>
+              </a:rPr>
+              <a:t> a cada passo a </a:t>
+            </a:r>
+            <a:r>
+              <a:rPr lang="pt-BR" sz="2400" b="1" dirty="0">
+                <a:latin typeface="Times New Roman" panose="02020603050405020304" pitchFamily="18" charset="0"/>
+                <a:cs typeface="Times New Roman" panose="02020603050405020304" pitchFamily="18" charset="0"/>
+              </a:rPr>
+              <a:t>opção</a:t>
+            </a:r>
+            <a:r>
+              <a:rPr lang="pt-BR" sz="2400" dirty="0">
+                <a:latin typeface="Times New Roman" panose="02020603050405020304" pitchFamily="18" charset="0"/>
+                <a:cs typeface="Times New Roman" panose="02020603050405020304" pitchFamily="18" charset="0"/>
+              </a:rPr>
+              <a:t> que parece </a:t>
+            </a:r>
+            <a:r>
+              <a:rPr lang="pt-BR" sz="2400" b="1" dirty="0">
+                <a:latin typeface="Times New Roman" panose="02020603050405020304" pitchFamily="18" charset="0"/>
+                <a:cs typeface="Times New Roman" panose="02020603050405020304" pitchFamily="18" charset="0"/>
+              </a:rPr>
+              <a:t>melhor no momento</a:t>
+            </a:r>
+            <a:r>
+              <a:rPr lang="pt-BR" sz="2400" dirty="0">
+                <a:latin typeface="Times New Roman" panose="02020603050405020304" pitchFamily="18" charset="0"/>
+                <a:cs typeface="Times New Roman" panose="02020603050405020304" pitchFamily="18" charset="0"/>
+              </a:rPr>
+              <a:t>, sem considerar consequências futuras.</a:t>
             </a:r>
           </a:p>
         </p:txBody>
@@ -4450,7 +7163,13 @@
   <p:cSld>
     <p:spTree>
       <p:nvGrpSpPr>
-        <p:cNvPr id="1" name=""/>
+        <p:cNvPr id="1" name="">
+          <a:extLst>
+            <a:ext uri="{FF2B5EF4-FFF2-40B4-BE49-F238E27FC236}">
+              <a16:creationId xmlns:a16="http://schemas.microsoft.com/office/drawing/2014/main" id="{C911AB3F-351B-580A-148D-B1E8B4504CC1}"/>
+            </a:ext>
+          </a:extLst>
+        </p:cNvPr>
         <p:cNvGrpSpPr/>
         <p:nvPr/>
       </p:nvGrpSpPr>
@@ -4464,7 +7183,278 @@
       </p:grpSpPr>
       <p:sp>
         <p:nvSpPr>
-          <p:cNvPr id="6" name="Title 1"/>
+          <p:cNvPr id="6" name="Title 1">
+            <a:extLst>
+              <a:ext uri="{FF2B5EF4-FFF2-40B4-BE49-F238E27FC236}">
+                <a16:creationId xmlns:a16="http://schemas.microsoft.com/office/drawing/2014/main" id="{8E2C3D11-2BAF-C33B-B607-99BE5028C05E}"/>
+              </a:ext>
+            </a:extLst>
+          </p:cNvPr>
+          <p:cNvSpPr>
+            <a:spLocks noGrp="1"/>
+          </p:cNvSpPr>
+          <p:nvPr>
+            <p:ph type="title"/>
+          </p:nvPr>
+        </p:nvSpPr>
+        <p:spPr>
+          <a:xfrm>
+            <a:off x="457200" y="205980"/>
+            <a:ext cx="8229600" cy="857251"/>
+          </a:xfrm>
+        </p:spPr>
+        <p:txBody>
+          <a:bodyPr>
+            <a:normAutofit fontScale="90000"/>
+          </a:bodyPr>
+          <a:lstStyle/>
+          <a:p>
+            <a:r>
+              <a:rPr lang="en-US" b="1" dirty="0" err="1">
+                <a:solidFill>
+                  <a:srgbClr val="0070C0"/>
+                </a:solidFill>
+              </a:rPr>
+              <a:t>Algoritmos</a:t>
+            </a:r>
+            <a:r>
+              <a:rPr lang="en-US" b="1" dirty="0">
+                <a:solidFill>
+                  <a:srgbClr val="0070C0"/>
+                </a:solidFill>
+              </a:rPr>
+              <a:t> </a:t>
+            </a:r>
+            <a:r>
+              <a:rPr lang="en-US" b="1" dirty="0" err="1">
+                <a:solidFill>
+                  <a:srgbClr val="0070C0"/>
+                </a:solidFill>
+              </a:rPr>
+              <a:t>Gulosos</a:t>
+            </a:r>
+            <a:r>
+              <a:rPr lang="en-US" b="1" dirty="0">
+                <a:solidFill>
+                  <a:srgbClr val="0070C0"/>
+                </a:solidFill>
+              </a:rPr>
+              <a:t> - </a:t>
+            </a:r>
+            <a:r>
+              <a:rPr lang="en-US" b="1" dirty="0" err="1">
+                <a:solidFill>
+                  <a:srgbClr val="0070C0"/>
+                </a:solidFill>
+              </a:rPr>
+              <a:t>Características</a:t>
+            </a:r>
+            <a:endParaRPr lang="en-US" b="1" dirty="0">
+              <a:solidFill>
+                <a:srgbClr val="0070C0"/>
+              </a:solidFill>
+            </a:endParaRPr>
+          </a:p>
+        </p:txBody>
+      </p:sp>
+      <p:sp>
+        <p:nvSpPr>
+          <p:cNvPr id="8" name="Text Placeholder 2">
+            <a:extLst>
+              <a:ext uri="{FF2B5EF4-FFF2-40B4-BE49-F238E27FC236}">
+                <a16:creationId xmlns:a16="http://schemas.microsoft.com/office/drawing/2014/main" id="{184AEA82-F55B-04F1-0407-38FDCC89E5F2}"/>
+              </a:ext>
+            </a:extLst>
+          </p:cNvPr>
+          <p:cNvSpPr>
+            <a:spLocks noGrp="1"/>
+          </p:cNvSpPr>
+          <p:nvPr>
+            <p:ph type="body" sz="half" idx="1"/>
+          </p:nvPr>
+        </p:nvSpPr>
+        <p:spPr>
+          <a:xfrm>
+            <a:off x="142865" y="1200150"/>
+            <a:ext cx="8865056" cy="3737370"/>
+          </a:xfrm>
+        </p:spPr>
+        <p:txBody>
+          <a:bodyPr>
+            <a:noAutofit/>
+          </a:bodyPr>
+          <a:lstStyle/>
+          <a:p>
+            <a:pPr algn="just"/>
+            <a:r>
+              <a:rPr lang="pt-BR" sz="2400" b="1" dirty="0">
+                <a:latin typeface="Times New Roman" panose="02020603050405020304" pitchFamily="18" charset="0"/>
+                <a:cs typeface="Times New Roman" panose="02020603050405020304" pitchFamily="18" charset="0"/>
+              </a:rPr>
+              <a:t>Escolha local ótima</a:t>
+            </a:r>
+            <a:r>
+              <a:rPr lang="pt-BR" sz="2400" dirty="0">
+                <a:latin typeface="Times New Roman" panose="02020603050405020304" pitchFamily="18" charset="0"/>
+                <a:cs typeface="Times New Roman" panose="02020603050405020304" pitchFamily="18" charset="0"/>
+              </a:rPr>
+              <a:t>, busca a </a:t>
+            </a:r>
+            <a:r>
+              <a:rPr lang="pt-BR" sz="2400" b="1" dirty="0">
+                <a:solidFill>
+                  <a:srgbClr val="FF0000"/>
+                </a:solidFill>
+                <a:latin typeface="Times New Roman" panose="02020603050405020304" pitchFamily="18" charset="0"/>
+                <a:cs typeface="Times New Roman" panose="02020603050405020304" pitchFamily="18" charset="0"/>
+              </a:rPr>
+              <a:t>melhor opção no instante</a:t>
+            </a:r>
+            <a:r>
+              <a:rPr lang="pt-BR" sz="2400" dirty="0">
+                <a:latin typeface="Times New Roman" panose="02020603050405020304" pitchFamily="18" charset="0"/>
+                <a:cs typeface="Times New Roman" panose="02020603050405020304" pitchFamily="18" charset="0"/>
+              </a:rPr>
+              <a:t>.</a:t>
+            </a:r>
+          </a:p>
+          <a:p>
+            <a:pPr algn="just"/>
+            <a:endParaRPr lang="pt-BR" sz="2400" dirty="0">
+              <a:latin typeface="Times New Roman" panose="02020603050405020304" pitchFamily="18" charset="0"/>
+              <a:cs typeface="Times New Roman" panose="02020603050405020304" pitchFamily="18" charset="0"/>
+            </a:endParaRPr>
+          </a:p>
+          <a:p>
+            <a:pPr algn="just"/>
+            <a:r>
+              <a:rPr lang="pt-BR" sz="2400" b="1" dirty="0">
+                <a:latin typeface="Times New Roman" panose="02020603050405020304" pitchFamily="18" charset="0"/>
+                <a:cs typeface="Times New Roman" panose="02020603050405020304" pitchFamily="18" charset="0"/>
+              </a:rPr>
+              <a:t>Não garante solução global ótima </a:t>
+            </a:r>
+            <a:r>
+              <a:rPr lang="pt-BR" sz="2400" dirty="0">
+                <a:latin typeface="Times New Roman" panose="02020603050405020304" pitchFamily="18" charset="0"/>
+                <a:cs typeface="Times New Roman" panose="02020603050405020304" pitchFamily="18" charset="0"/>
+              </a:rPr>
+              <a:t>em todos os casos, mas é </a:t>
+            </a:r>
+            <a:r>
+              <a:rPr lang="pt-BR" sz="2400" b="1" dirty="0">
+                <a:solidFill>
+                  <a:srgbClr val="FF0000"/>
+                </a:solidFill>
+                <a:latin typeface="Times New Roman" panose="02020603050405020304" pitchFamily="18" charset="0"/>
+                <a:cs typeface="Times New Roman" panose="02020603050405020304" pitchFamily="18" charset="0"/>
+              </a:rPr>
+              <a:t>eficiente em problemas específicos</a:t>
+            </a:r>
+            <a:r>
+              <a:rPr lang="pt-BR" sz="2400" dirty="0">
+                <a:latin typeface="Times New Roman" panose="02020603050405020304" pitchFamily="18" charset="0"/>
+                <a:cs typeface="Times New Roman" panose="02020603050405020304" pitchFamily="18" charset="0"/>
+              </a:rPr>
+              <a:t>.</a:t>
+            </a:r>
+          </a:p>
+          <a:p>
+            <a:pPr algn="just"/>
+            <a:endParaRPr lang="pt-BR" sz="2400" dirty="0">
+              <a:latin typeface="Times New Roman" panose="02020603050405020304" pitchFamily="18" charset="0"/>
+              <a:cs typeface="Times New Roman" panose="02020603050405020304" pitchFamily="18" charset="0"/>
+            </a:endParaRPr>
+          </a:p>
+          <a:p>
+            <a:pPr algn="just"/>
+            <a:r>
+              <a:rPr lang="pt-BR" sz="2400" dirty="0">
+                <a:latin typeface="Times New Roman" panose="02020603050405020304" pitchFamily="18" charset="0"/>
+                <a:cs typeface="Times New Roman" panose="02020603050405020304" pitchFamily="18" charset="0"/>
+              </a:rPr>
+              <a:t>Normalmente </a:t>
+            </a:r>
+            <a:r>
+              <a:rPr lang="pt-BR" sz="2400" b="1" dirty="0">
+                <a:solidFill>
+                  <a:srgbClr val="FF0000"/>
+                </a:solidFill>
+                <a:latin typeface="Times New Roman" panose="02020603050405020304" pitchFamily="18" charset="0"/>
+                <a:cs typeface="Times New Roman" panose="02020603050405020304" pitchFamily="18" charset="0"/>
+              </a:rPr>
+              <a:t>usado</a:t>
+            </a:r>
+            <a:r>
+              <a:rPr lang="pt-BR" sz="2400" dirty="0">
+                <a:latin typeface="Times New Roman" panose="02020603050405020304" pitchFamily="18" charset="0"/>
+                <a:cs typeface="Times New Roman" panose="02020603050405020304" pitchFamily="18" charset="0"/>
+              </a:rPr>
+              <a:t> em </a:t>
+            </a:r>
+            <a:r>
+              <a:rPr lang="pt-BR" sz="2400" b="1" dirty="0">
+                <a:latin typeface="Times New Roman" panose="02020603050405020304" pitchFamily="18" charset="0"/>
+                <a:cs typeface="Times New Roman" panose="02020603050405020304" pitchFamily="18" charset="0"/>
+              </a:rPr>
+              <a:t>problemas de otimização</a:t>
+            </a:r>
+            <a:r>
+              <a:rPr lang="pt-BR" sz="2400" dirty="0">
+                <a:latin typeface="Times New Roman" panose="02020603050405020304" pitchFamily="18" charset="0"/>
+                <a:cs typeface="Times New Roman" panose="02020603050405020304" pitchFamily="18" charset="0"/>
+              </a:rPr>
+              <a:t>.</a:t>
+            </a:r>
+          </a:p>
+        </p:txBody>
+      </p:sp>
+    </p:spTree>
+    <p:extLst>
+      <p:ext uri="{BB962C8B-B14F-4D97-AF65-F5344CB8AC3E}">
+        <p14:creationId xmlns:p14="http://schemas.microsoft.com/office/powerpoint/2010/main" val="1633946990"/>
+      </p:ext>
+    </p:extLst>
+  </p:cSld>
+  <p:clrMapOvr>
+    <a:masterClrMapping/>
+  </p:clrMapOvr>
+  <p:transition spd="med"/>
+</p:sld>
+</file>
+
+<file path=ppt/slides/slide5.xml><?xml version="1.0" encoding="utf-8"?>
+<p:sld xmlns:a="http://schemas.openxmlformats.org/drawingml/2006/main" xmlns:r="http://schemas.openxmlformats.org/officeDocument/2006/relationships" xmlns:p="http://schemas.openxmlformats.org/presentationml/2006/main">
+  <p:cSld>
+    <p:spTree>
+      <p:nvGrpSpPr>
+        <p:cNvPr id="1" name="">
+          <a:extLst>
+            <a:ext uri="{FF2B5EF4-FFF2-40B4-BE49-F238E27FC236}">
+              <a16:creationId xmlns:a16="http://schemas.microsoft.com/office/drawing/2014/main" id="{673E32B3-DA41-282C-8960-35681652D4FB}"/>
+            </a:ext>
+          </a:extLst>
+        </p:cNvPr>
+        <p:cNvGrpSpPr/>
+        <p:nvPr/>
+      </p:nvGrpSpPr>
+      <p:grpSpPr>
+        <a:xfrm>
+          <a:off x="0" y="0"/>
+          <a:ext cx="0" cy="0"/>
+          <a:chOff x="0" y="0"/>
+          <a:chExt cx="0" cy="0"/>
+        </a:xfrm>
+      </p:grpSpPr>
+      <p:sp>
+        <p:nvSpPr>
+          <p:cNvPr id="6" name="Title 1">
+            <a:extLst>
+              <a:ext uri="{FF2B5EF4-FFF2-40B4-BE49-F238E27FC236}">
+                <a16:creationId xmlns:a16="http://schemas.microsoft.com/office/drawing/2014/main" id="{495F1AA9-94C9-AA87-9F7C-28EFF7B8C1EB}"/>
+              </a:ext>
+            </a:extLst>
+          </p:cNvPr>
           <p:cNvSpPr>
             <a:spLocks noGrp="1"/>
           </p:cNvSpPr>
@@ -4490,7 +7480,7 @@
                   <a:srgbClr val="0070C0"/>
                 </a:solidFill>
               </a:rPr>
-              <a:t>Leitura</a:t>
+              <a:t>Algoritmos</a:t>
             </a:r>
             <a:r>
               <a:rPr lang="en-US" b="1" dirty="0">
@@ -4506,7 +7496,23 @@
                   <a:srgbClr val="0070C0"/>
                 </a:solidFill>
               </a:rPr>
-              <a:t>Específica</a:t>
+              <a:t>Gulosos</a:t>
+            </a:r>
+            <a:r>
+              <a:rPr lang="en-US" b="1" dirty="0">
+                <a:solidFill>
+                  <a:srgbClr val="0070C0"/>
+                </a:solidFill>
+              </a:rPr>
+              <a:t> - </a:t>
+            </a:r>
+            <a:r>
+              <a:rPr lang="en-US" b="1" dirty="0" err="1">
+                <a:solidFill>
+                  <a:srgbClr val="0070C0"/>
+                </a:solidFill>
+              </a:rPr>
+              <a:t>Exemplos</a:t>
             </a:r>
             <a:endParaRPr lang="en-US" b="1" dirty="0">
               <a:solidFill>
@@ -4518,7 +7524,13 @@
       </p:sp>
       <p:sp>
         <p:nvSpPr>
-          <p:cNvPr id="8" name="Text Placeholder 2"/>
+          <p:cNvPr id="8" name="Text Placeholder 2">
+            <a:extLst>
+              <a:ext uri="{FF2B5EF4-FFF2-40B4-BE49-F238E27FC236}">
+                <a16:creationId xmlns:a16="http://schemas.microsoft.com/office/drawing/2014/main" id="{ACD17AB9-A039-8013-71C7-89CD2797963F}"/>
+              </a:ext>
+            </a:extLst>
+          </p:cNvPr>
           <p:cNvSpPr>
             <a:spLocks noGrp="1"/>
           </p:cNvSpPr>
@@ -4529,7 +7541,7 @@
         <p:spPr>
           <a:xfrm>
             <a:off x="142865" y="1200150"/>
-            <a:ext cx="8865056" cy="3737369"/>
+            <a:ext cx="8865056" cy="3737370"/>
           </a:xfrm>
         </p:spPr>
         <p:txBody>
@@ -4541,74 +7553,95 @@
             <a:pPr marL="0" indent="0" algn="just">
               <a:buNone/>
             </a:pPr>
-            <a:r>
-              <a:rPr lang="pt-BR" sz="2000" dirty="0">
-                <a:latin typeface="Times New Roman" panose="02020603050405020304" pitchFamily="18" charset="0"/>
-                <a:cs typeface="Times New Roman" panose="02020603050405020304" pitchFamily="18" charset="0"/>
-              </a:rPr>
-              <a:t>[1] Algoritmos e Complexidade – Parte 1.</a:t>
-            </a:r>
-          </a:p>
-          <a:p>
-            <a:pPr marL="0" indent="0" algn="just">
-              <a:buNone/>
-            </a:pPr>
-            <a:r>
-              <a:rPr lang="pt-BR" sz="2000" b="1" dirty="0">
-                <a:solidFill>
-                  <a:srgbClr val="FF0000"/>
-                </a:solidFill>
-                <a:latin typeface="Times New Roman" panose="02020603050405020304" pitchFamily="18" charset="0"/>
-                <a:cs typeface="Times New Roman" panose="02020603050405020304" pitchFamily="18" charset="0"/>
-              </a:rPr>
-              <a:t>Disponível em:</a:t>
-            </a:r>
-          </a:p>
-          <a:p>
-            <a:pPr marL="0" indent="0" algn="just">
-              <a:buNone/>
-            </a:pPr>
-            <a:endParaRPr lang="pt-BR" sz="2000" dirty="0">
+            <a:endParaRPr lang="pt-BR" sz="2400" dirty="0">
               <a:latin typeface="Times New Roman" panose="02020603050405020304" pitchFamily="18" charset="0"/>
               <a:cs typeface="Times New Roman" panose="02020603050405020304" pitchFamily="18" charset="0"/>
             </a:endParaRPr>
           </a:p>
           <a:p>
-            <a:pPr marL="0" indent="0" algn="just">
-              <a:buNone/>
-            </a:pPr>
-            <a:r>
-              <a:rPr lang="pt-BR" sz="2000" dirty="0">
-                <a:latin typeface="Times New Roman" panose="02020603050405020304" pitchFamily="18" charset="0"/>
-                <a:cs typeface="Times New Roman" panose="02020603050405020304" pitchFamily="18" charset="0"/>
-              </a:rPr>
-              <a:t>[2] Algoritmos e Complexidade – Parte 2. </a:t>
-            </a:r>
-          </a:p>
-          <a:p>
-            <a:pPr marL="0" indent="0" algn="just">
-              <a:buNone/>
-            </a:pPr>
-            <a:r>
-              <a:rPr lang="pt-BR" sz="2000" b="1" dirty="0">
+            <a:pPr algn="just"/>
+            <a:r>
+              <a:rPr lang="pt-BR" sz="2400" dirty="0">
+                <a:latin typeface="Times New Roman" panose="02020603050405020304" pitchFamily="18" charset="0"/>
+                <a:cs typeface="Times New Roman" panose="02020603050405020304" pitchFamily="18" charset="0"/>
+              </a:rPr>
+              <a:t>Problema da </a:t>
+            </a:r>
+            <a:r>
+              <a:rPr lang="pt-BR" sz="2400" b="1" dirty="0">
                 <a:solidFill>
                   <a:srgbClr val="FF0000"/>
                 </a:solidFill>
                 <a:latin typeface="Times New Roman" panose="02020603050405020304" pitchFamily="18" charset="0"/>
                 <a:cs typeface="Times New Roman" panose="02020603050405020304" pitchFamily="18" charset="0"/>
               </a:rPr>
-              <a:t>Disponível em:</a:t>
-            </a:r>
-            <a:endParaRPr lang="pt-BR" sz="2000" dirty="0">
-              <a:latin typeface="Calibri" panose="020F0502020204030204" pitchFamily="34" charset="0"/>
+              <a:t>Mochila fracionária;</a:t>
+            </a:r>
+          </a:p>
+          <a:p>
+            <a:pPr algn="just"/>
+            <a:endParaRPr lang="pt-BR" sz="2400" dirty="0">
+              <a:latin typeface="Times New Roman" panose="02020603050405020304" pitchFamily="18" charset="0"/>
+              <a:cs typeface="Times New Roman" panose="02020603050405020304" pitchFamily="18" charset="0"/>
             </a:endParaRPr>
+          </a:p>
+          <a:p>
+            <a:pPr algn="just"/>
+            <a:r>
+              <a:rPr lang="pt-BR" sz="2400" dirty="0">
+                <a:latin typeface="Times New Roman" panose="02020603050405020304" pitchFamily="18" charset="0"/>
+                <a:cs typeface="Times New Roman" panose="02020603050405020304" pitchFamily="18" charset="0"/>
+              </a:rPr>
+              <a:t>Problema do </a:t>
+            </a:r>
+            <a:r>
+              <a:rPr lang="pt-BR" sz="2400" b="1" dirty="0">
+                <a:solidFill>
+                  <a:srgbClr val="FF0000"/>
+                </a:solidFill>
+                <a:latin typeface="Times New Roman" panose="02020603050405020304" pitchFamily="18" charset="0"/>
+                <a:cs typeface="Times New Roman" panose="02020603050405020304" pitchFamily="18" charset="0"/>
+              </a:rPr>
+              <a:t>Caixeiro Viajante;</a:t>
+            </a:r>
+            <a:endParaRPr lang="pt-BR" sz="2400" dirty="0">
+              <a:latin typeface="Times New Roman" panose="02020603050405020304" pitchFamily="18" charset="0"/>
+              <a:cs typeface="Times New Roman" panose="02020603050405020304" pitchFamily="18" charset="0"/>
+            </a:endParaRPr>
+          </a:p>
+          <a:p>
+            <a:pPr algn="just"/>
+            <a:endParaRPr lang="pt-BR" sz="2400" dirty="0">
+              <a:latin typeface="Times New Roman" panose="02020603050405020304" pitchFamily="18" charset="0"/>
+              <a:cs typeface="Times New Roman" panose="02020603050405020304" pitchFamily="18" charset="0"/>
+            </a:endParaRPr>
+          </a:p>
+          <a:p>
+            <a:pPr algn="just"/>
+            <a:r>
+              <a:rPr lang="pt-BR" sz="2400" dirty="0">
+                <a:latin typeface="Times New Roman" panose="02020603050405020304" pitchFamily="18" charset="0"/>
+                <a:cs typeface="Times New Roman" panose="02020603050405020304" pitchFamily="18" charset="0"/>
+              </a:rPr>
+              <a:t>Problema de </a:t>
+            </a:r>
+            <a:r>
+              <a:rPr lang="pt-BR" sz="2400" b="1" dirty="0">
+                <a:solidFill>
+                  <a:srgbClr val="FF0000"/>
+                </a:solidFill>
+                <a:latin typeface="Times New Roman" panose="02020603050405020304" pitchFamily="18" charset="0"/>
+                <a:cs typeface="Times New Roman" panose="02020603050405020304" pitchFamily="18" charset="0"/>
+              </a:rPr>
+              <a:t>Troco Mínimo.</a:t>
+            </a:r>
           </a:p>
         </p:txBody>
       </p:sp>
     </p:spTree>
     <p:extLst>
       <p:ext uri="{BB962C8B-B14F-4D97-AF65-F5344CB8AC3E}">
-        <p14:creationId xmlns:p14="http://schemas.microsoft.com/office/powerpoint/2010/main" val="3680270425"/>
+        <p14:creationId xmlns:p14="http://schemas.microsoft.com/office/powerpoint/2010/main" val="1322789546"/>
       </p:ext>
     </p:extLst>
   </p:cSld>
@@ -4619,12 +7652,18 @@
 </p:sld>
 </file>
 
-<file path=ppt/slides/slide5.xml><?xml version="1.0" encoding="utf-8"?>
+<file path=ppt/slides/slide6.xml><?xml version="1.0" encoding="utf-8"?>
 <p:sld xmlns:a="http://schemas.openxmlformats.org/drawingml/2006/main" xmlns:r="http://schemas.openxmlformats.org/officeDocument/2006/relationships" xmlns:p="http://schemas.openxmlformats.org/presentationml/2006/main">
   <p:cSld>
     <p:spTree>
       <p:nvGrpSpPr>
-        <p:cNvPr id="1" name=""/>
+        <p:cNvPr id="1" name="">
+          <a:extLst>
+            <a:ext uri="{FF2B5EF4-FFF2-40B4-BE49-F238E27FC236}">
+              <a16:creationId xmlns:a16="http://schemas.microsoft.com/office/drawing/2014/main" id="{984F48AC-E599-48DE-27D9-A23462091495}"/>
+            </a:ext>
+          </a:extLst>
+        </p:cNvPr>
         <p:cNvGrpSpPr/>
         <p:nvPr/>
       </p:nvGrpSpPr>
@@ -4638,7 +7677,13 @@
       </p:grpSpPr>
       <p:sp>
         <p:nvSpPr>
-          <p:cNvPr id="6" name="Title 1"/>
+          <p:cNvPr id="6" name="Title 1">
+            <a:extLst>
+              <a:ext uri="{FF2B5EF4-FFF2-40B4-BE49-F238E27FC236}">
+                <a16:creationId xmlns:a16="http://schemas.microsoft.com/office/drawing/2014/main" id="{D6EB3FB7-4C12-C5EF-2763-A92AEB5F40A1}"/>
+              </a:ext>
+            </a:extLst>
+          </p:cNvPr>
           <p:cNvSpPr>
             <a:spLocks noGrp="1"/>
           </p:cNvSpPr>
@@ -4664,7 +7709,7 @@
                   <a:srgbClr val="0070C0"/>
                 </a:solidFill>
               </a:rPr>
-              <a:t>Aprenda</a:t>
+              <a:t>Algoritmos</a:t>
             </a:r>
             <a:r>
               <a:rPr lang="en-US" b="1" dirty="0">
@@ -4672,14 +7717,49 @@
                   <a:srgbClr val="0070C0"/>
                 </a:solidFill>
               </a:rPr>
-              <a:t>+</a:t>
-            </a:r>
+              <a:t> </a:t>
+            </a:r>
+            <a:r>
+              <a:rPr lang="en-US" b="1" dirty="0" err="1">
+                <a:solidFill>
+                  <a:srgbClr val="0070C0"/>
+                </a:solidFill>
+              </a:rPr>
+              <a:t>Gulosos</a:t>
+            </a:r>
+            <a:r>
+              <a:rPr lang="en-US" b="1" dirty="0">
+                <a:solidFill>
+                  <a:srgbClr val="0070C0"/>
+                </a:solidFill>
+              </a:rPr>
+              <a:t> - </a:t>
+            </a:r>
+            <a:r>
+              <a:rPr lang="en-US" b="1" dirty="0" err="1">
+                <a:solidFill>
+                  <a:srgbClr val="0070C0"/>
+                </a:solidFill>
+              </a:rPr>
+              <a:t>Etapas</a:t>
+            </a:r>
+            <a:endParaRPr lang="en-US" b="1" dirty="0">
+              <a:solidFill>
+                <a:srgbClr val="0070C0"/>
+              </a:solidFill>
+            </a:endParaRPr>
           </a:p>
         </p:txBody>
       </p:sp>
       <p:sp>
         <p:nvSpPr>
-          <p:cNvPr id="8" name="Text Placeholder 2"/>
+          <p:cNvPr id="8" name="Text Placeholder 2">
+            <a:extLst>
+              <a:ext uri="{FF2B5EF4-FFF2-40B4-BE49-F238E27FC236}">
+                <a16:creationId xmlns:a16="http://schemas.microsoft.com/office/drawing/2014/main" id="{D6652077-1DFB-4FB9-4C9E-06591CB9F34C}"/>
+              </a:ext>
+            </a:extLst>
+          </p:cNvPr>
           <p:cNvSpPr>
             <a:spLocks noGrp="1"/>
           </p:cNvSpPr>
@@ -4699,43 +7779,183 @@
           </a:bodyPr>
           <a:lstStyle/>
           <a:p>
-            <a:pPr marL="0" indent="0" algn="just">
-              <a:buNone/>
+            <a:pPr marL="457200" indent="-457200" algn="just">
+              <a:buFont typeface="+mj-lt"/>
+              <a:buAutoNum type="arabicPeriod"/>
             </a:pPr>
             <a:r>
+              <a:rPr lang="pt-BR" sz="2400" b="1" dirty="0">
+                <a:latin typeface="Times New Roman" panose="02020603050405020304" pitchFamily="18" charset="0"/>
+                <a:cs typeface="Times New Roman" panose="02020603050405020304" pitchFamily="18" charset="0"/>
+              </a:rPr>
+              <a:t>Escolher a opção </a:t>
+            </a:r>
+            <a:r>
               <a:rPr lang="pt-BR" sz="2400" dirty="0">
                 <a:latin typeface="Times New Roman" panose="02020603050405020304" pitchFamily="18" charset="0"/>
                 <a:cs typeface="Times New Roman" panose="02020603050405020304" pitchFamily="18" charset="0"/>
               </a:rPr>
-              <a:t>[1] Algoritmos e Complexidade – Parte 1</a:t>
-            </a:r>
-          </a:p>
-          <a:p>
-            <a:pPr marL="0" indent="0" algn="just">
-              <a:buNone/>
+              <a:t>que </a:t>
+            </a:r>
+            <a:r>
+              <a:rPr lang="pt-BR" sz="2400" b="1" dirty="0">
+                <a:solidFill>
+                  <a:srgbClr val="FF0000"/>
+                </a:solidFill>
+                <a:latin typeface="Times New Roman" panose="02020603050405020304" pitchFamily="18" charset="0"/>
+                <a:cs typeface="Times New Roman" panose="02020603050405020304" pitchFamily="18" charset="0"/>
+              </a:rPr>
+              <a:t>parece a melhor naquele instante </a:t>
+            </a:r>
+            <a:r>
+              <a:rPr lang="pt-BR" sz="2400" dirty="0">
+                <a:latin typeface="Times New Roman" panose="02020603050405020304" pitchFamily="18" charset="0"/>
+                <a:cs typeface="Times New Roman" panose="02020603050405020304" pitchFamily="18" charset="0"/>
+              </a:rPr>
+              <a:t>(</a:t>
+            </a:r>
+            <a:r>
+              <a:rPr lang="pt-BR" sz="2400" b="1" dirty="0">
+                <a:latin typeface="Times New Roman" panose="02020603050405020304" pitchFamily="18" charset="0"/>
+                <a:cs typeface="Times New Roman" panose="02020603050405020304" pitchFamily="18" charset="0"/>
+              </a:rPr>
+              <a:t>critério guloso</a:t>
+            </a:r>
+            <a:r>
+              <a:rPr lang="pt-BR" sz="2400" dirty="0">
+                <a:latin typeface="Times New Roman" panose="02020603050405020304" pitchFamily="18" charset="0"/>
+                <a:cs typeface="Times New Roman" panose="02020603050405020304" pitchFamily="18" charset="0"/>
+              </a:rPr>
+              <a:t>).</a:t>
+            </a:r>
+          </a:p>
+          <a:p>
+            <a:pPr marL="457200" indent="-457200" algn="just">
+              <a:buFont typeface="+mj-lt"/>
+              <a:buAutoNum type="arabicPeriod"/>
             </a:pPr>
-            <a:r>
-              <a:rPr lang="pt-BR" sz="2400" b="1" dirty="0">
-                <a:solidFill>
-                  <a:srgbClr val="FF0000"/>
-                </a:solidFill>
-                <a:latin typeface="Times New Roman" panose="02020603050405020304" pitchFamily="18" charset="0"/>
-                <a:cs typeface="Times New Roman" panose="02020603050405020304" pitchFamily="18" charset="0"/>
-              </a:rPr>
-              <a:t>Disponível em: </a:t>
-            </a:r>
-            <a:r>
-              <a:rPr lang="pt-BR" sz="2400" dirty="0">
-                <a:latin typeface="Times New Roman" panose="02020603050405020304" pitchFamily="18" charset="0"/>
-                <a:cs typeface="Times New Roman" panose="02020603050405020304" pitchFamily="18" charset="0"/>
-                <a:hlinkClick r:id="rId3"/>
-              </a:rPr>
-              <a:t>https://</a:t>
-            </a:r>
             <a:endParaRPr lang="pt-BR" sz="2400" dirty="0">
               <a:latin typeface="Times New Roman" panose="02020603050405020304" pitchFamily="18" charset="0"/>
               <a:cs typeface="Times New Roman" panose="02020603050405020304" pitchFamily="18" charset="0"/>
             </a:endParaRPr>
+          </a:p>
+          <a:p>
+            <a:pPr marL="457200" indent="-457200" algn="just">
+              <a:buFont typeface="+mj-lt"/>
+              <a:buAutoNum type="arabicPeriod"/>
+            </a:pPr>
+            <a:r>
+              <a:rPr lang="pt-BR" sz="2400" b="1" dirty="0">
+                <a:latin typeface="Times New Roman" panose="02020603050405020304" pitchFamily="18" charset="0"/>
+                <a:cs typeface="Times New Roman" panose="02020603050405020304" pitchFamily="18" charset="0"/>
+              </a:rPr>
+              <a:t>Verificar</a:t>
+            </a:r>
+            <a:r>
+              <a:rPr lang="pt-BR" sz="2400" dirty="0">
+                <a:latin typeface="Times New Roman" panose="02020603050405020304" pitchFamily="18" charset="0"/>
+                <a:cs typeface="Times New Roman" panose="02020603050405020304" pitchFamily="18" charset="0"/>
+              </a:rPr>
+              <a:t> se a </a:t>
+            </a:r>
+            <a:r>
+              <a:rPr lang="pt-BR" sz="2400" b="1" dirty="0">
+                <a:solidFill>
+                  <a:srgbClr val="FF0000"/>
+                </a:solidFill>
+                <a:latin typeface="Times New Roman" panose="02020603050405020304" pitchFamily="18" charset="0"/>
+                <a:cs typeface="Times New Roman" panose="02020603050405020304" pitchFamily="18" charset="0"/>
+              </a:rPr>
+              <a:t>solução ainda é viável</a:t>
+            </a:r>
+            <a:r>
+              <a:rPr lang="pt-BR" sz="2400" dirty="0">
+                <a:latin typeface="Times New Roman" panose="02020603050405020304" pitchFamily="18" charset="0"/>
+                <a:cs typeface="Times New Roman" panose="02020603050405020304" pitchFamily="18" charset="0"/>
+              </a:rPr>
+              <a:t>.</a:t>
+            </a:r>
+          </a:p>
+          <a:p>
+            <a:pPr marL="457200" indent="-457200" algn="just">
+              <a:buFont typeface="+mj-lt"/>
+              <a:buAutoNum type="arabicPeriod"/>
+            </a:pPr>
+            <a:endParaRPr lang="pt-BR" sz="2400" dirty="0">
+              <a:latin typeface="Times New Roman" panose="02020603050405020304" pitchFamily="18" charset="0"/>
+              <a:cs typeface="Times New Roman" panose="02020603050405020304" pitchFamily="18" charset="0"/>
+            </a:endParaRPr>
+          </a:p>
+          <a:p>
+            <a:pPr marL="457200" indent="-457200" algn="just">
+              <a:buFont typeface="+mj-lt"/>
+              <a:buAutoNum type="arabicPeriod"/>
+            </a:pPr>
+            <a:r>
+              <a:rPr lang="pt-BR" sz="2400" b="1" dirty="0">
+                <a:latin typeface="Times New Roman" panose="02020603050405020304" pitchFamily="18" charset="0"/>
+                <a:cs typeface="Times New Roman" panose="02020603050405020304" pitchFamily="18" charset="0"/>
+              </a:rPr>
+              <a:t>Repetir até que </a:t>
+            </a:r>
+            <a:r>
+              <a:rPr lang="pt-BR" sz="2400" dirty="0">
+                <a:latin typeface="Times New Roman" panose="02020603050405020304" pitchFamily="18" charset="0"/>
+                <a:cs typeface="Times New Roman" panose="02020603050405020304" pitchFamily="18" charset="0"/>
+              </a:rPr>
+              <a:t>o </a:t>
+            </a:r>
+            <a:r>
+              <a:rPr lang="pt-BR" sz="2400" b="1" dirty="0">
+                <a:solidFill>
+                  <a:srgbClr val="FF0000"/>
+                </a:solidFill>
+                <a:latin typeface="Times New Roman" panose="02020603050405020304" pitchFamily="18" charset="0"/>
+                <a:cs typeface="Times New Roman" panose="02020603050405020304" pitchFamily="18" charset="0"/>
+              </a:rPr>
+              <a:t>problema</a:t>
+            </a:r>
+            <a:r>
+              <a:rPr lang="pt-BR" sz="2400" dirty="0">
+                <a:latin typeface="Times New Roman" panose="02020603050405020304" pitchFamily="18" charset="0"/>
+                <a:cs typeface="Times New Roman" panose="02020603050405020304" pitchFamily="18" charset="0"/>
+              </a:rPr>
+              <a:t> esteja </a:t>
+            </a:r>
+            <a:r>
+              <a:rPr lang="pt-BR" sz="2400" b="1" dirty="0">
+                <a:solidFill>
+                  <a:srgbClr val="FF0000"/>
+                </a:solidFill>
+                <a:latin typeface="Times New Roman" panose="02020603050405020304" pitchFamily="18" charset="0"/>
+                <a:cs typeface="Times New Roman" panose="02020603050405020304" pitchFamily="18" charset="0"/>
+              </a:rPr>
+              <a:t>resolvido</a:t>
+            </a:r>
+            <a:r>
+              <a:rPr lang="pt-BR" sz="2400" dirty="0">
+                <a:latin typeface="Times New Roman" panose="02020603050405020304" pitchFamily="18" charset="0"/>
+                <a:cs typeface="Times New Roman" panose="02020603050405020304" pitchFamily="18" charset="0"/>
+              </a:rPr>
+              <a:t> ou </a:t>
+            </a:r>
+            <a:r>
+              <a:rPr lang="pt-BR" sz="2400" b="1" dirty="0">
+                <a:solidFill>
+                  <a:srgbClr val="FF0000"/>
+                </a:solidFill>
+                <a:latin typeface="Times New Roman" panose="02020603050405020304" pitchFamily="18" charset="0"/>
+                <a:cs typeface="Times New Roman" panose="02020603050405020304" pitchFamily="18" charset="0"/>
+              </a:rPr>
+              <a:t>não haja mais escolhas possíveis</a:t>
+            </a:r>
+            <a:r>
+              <a:rPr lang="pt-BR" sz="2400" dirty="0">
+                <a:latin typeface="Times New Roman" panose="02020603050405020304" pitchFamily="18" charset="0"/>
+                <a:cs typeface="Times New Roman" panose="02020603050405020304" pitchFamily="18" charset="0"/>
+              </a:rPr>
+              <a:t>.</a:t>
+            </a:r>
           </a:p>
           <a:p>
             <a:pPr marL="0" indent="0" algn="just">
@@ -4746,60 +7966,12 @@
               <a:cs typeface="Times New Roman" panose="02020603050405020304" pitchFamily="18" charset="0"/>
             </a:endParaRPr>
           </a:p>
-          <a:p>
-            <a:pPr marL="0" indent="0" algn="just">
-              <a:buNone/>
-            </a:pPr>
-            <a:r>
-              <a:rPr lang="pt-BR" sz="2400" dirty="0">
-                <a:latin typeface="Times New Roman" panose="02020603050405020304" pitchFamily="18" charset="0"/>
-                <a:cs typeface="Times New Roman" panose="02020603050405020304" pitchFamily="18" charset="0"/>
-              </a:rPr>
-              <a:t>[2] Algoritmos e Complexidade – Parte 2</a:t>
-            </a:r>
-          </a:p>
-          <a:p>
-            <a:pPr marL="0" indent="0" algn="just">
-              <a:buNone/>
-            </a:pPr>
-            <a:r>
-              <a:rPr lang="pt-BR" sz="2400" b="1" dirty="0">
-                <a:solidFill>
-                  <a:srgbClr val="FF0000"/>
-                </a:solidFill>
-                <a:latin typeface="Times New Roman" panose="02020603050405020304" pitchFamily="18" charset="0"/>
-                <a:cs typeface="Times New Roman" panose="02020603050405020304" pitchFamily="18" charset="0"/>
-              </a:rPr>
-              <a:t>Disponível em: </a:t>
-            </a:r>
-            <a:r>
-              <a:rPr lang="pt-BR" sz="2400" dirty="0">
-                <a:latin typeface="Times New Roman" panose="02020603050405020304" pitchFamily="18" charset="0"/>
-                <a:cs typeface="Times New Roman" panose="02020603050405020304" pitchFamily="18" charset="0"/>
-                <a:hlinkClick r:id="rId4"/>
-              </a:rPr>
-              <a:t>https://</a:t>
-            </a:r>
-            <a:endParaRPr lang="pt-BR" sz="2400" dirty="0">
-              <a:latin typeface="Times New Roman" panose="02020603050405020304" pitchFamily="18" charset="0"/>
-              <a:cs typeface="Times New Roman" panose="02020603050405020304" pitchFamily="18" charset="0"/>
-            </a:endParaRPr>
-          </a:p>
-          <a:p>
-            <a:pPr marL="0" indent="0" algn="just">
-              <a:buNone/>
-            </a:pPr>
-            <a:endParaRPr lang="pt-BR" sz="2400" dirty="0">
-              <a:latin typeface="Times New Roman" panose="02020603050405020304" pitchFamily="18" charset="0"/>
-              <a:cs typeface="Times New Roman" panose="02020603050405020304" pitchFamily="18" charset="0"/>
-            </a:endParaRPr>
-          </a:p>
         </p:txBody>
       </p:sp>
     </p:spTree>
     <p:extLst>
       <p:ext uri="{BB962C8B-B14F-4D97-AF65-F5344CB8AC3E}">
-        <p14:creationId xmlns:p14="http://schemas.microsoft.com/office/powerpoint/2010/main" val="2747596967"/>
+        <p14:creationId xmlns:p14="http://schemas.microsoft.com/office/powerpoint/2010/main" val="1918014367"/>
       </p:ext>
     </p:extLst>
   </p:cSld>
@@ -4810,12 +7982,18 @@
 </p:sld>
 </file>
 
-<file path=ppt/slides/slide6.xml><?xml version="1.0" encoding="utf-8"?>
+<file path=ppt/slides/slide7.xml><?xml version="1.0" encoding="utf-8"?>
 <p:sld xmlns:a="http://schemas.openxmlformats.org/drawingml/2006/main" xmlns:r="http://schemas.openxmlformats.org/officeDocument/2006/relationships" xmlns:p="http://schemas.openxmlformats.org/presentationml/2006/main">
   <p:cSld>
     <p:spTree>
       <p:nvGrpSpPr>
-        <p:cNvPr id="1" name=""/>
+        <p:cNvPr id="1" name="">
+          <a:extLst>
+            <a:ext uri="{FF2B5EF4-FFF2-40B4-BE49-F238E27FC236}">
+              <a16:creationId xmlns:a16="http://schemas.microsoft.com/office/drawing/2014/main" id="{FCD501B4-20A9-1F99-9AAE-03B9E59285C2}"/>
+            </a:ext>
+          </a:extLst>
+        </p:cNvPr>
         <p:cNvGrpSpPr/>
         <p:nvPr/>
       </p:nvGrpSpPr>
@@ -4829,7 +8007,13 @@
       </p:grpSpPr>
       <p:sp>
         <p:nvSpPr>
-          <p:cNvPr id="6" name="Title 1"/>
+          <p:cNvPr id="6" name="Title 1">
+            <a:extLst>
+              <a:ext uri="{FF2B5EF4-FFF2-40B4-BE49-F238E27FC236}">
+                <a16:creationId xmlns:a16="http://schemas.microsoft.com/office/drawing/2014/main" id="{8629CCDC-FD59-0190-EAA0-46EDFDDB6FC4}"/>
+              </a:ext>
+            </a:extLst>
+          </p:cNvPr>
           <p:cNvSpPr>
             <a:spLocks noGrp="1"/>
           </p:cNvSpPr>
@@ -4855,7 +8039,7 @@
                   <a:srgbClr val="0070C0"/>
                 </a:solidFill>
               </a:rPr>
-              <a:t>Dinâmica</a:t>
+              <a:t>Algoritmos</a:t>
             </a:r>
             <a:r>
               <a:rPr lang="en-US" b="1" dirty="0">
@@ -4863,7 +8047,7 @@
                   <a:srgbClr val="0070C0"/>
                 </a:solidFill>
               </a:rPr>
-              <a:t>/</a:t>
+              <a:t> </a:t>
             </a:r>
             <a:r>
               <a:rPr lang="en-US" b="1" dirty="0" err="1">
@@ -4871,7 +8055,23 @@
                   <a:srgbClr val="0070C0"/>
                 </a:solidFill>
               </a:rPr>
-              <a:t>Atividades</a:t>
+              <a:t>Gulosos</a:t>
+            </a:r>
+            <a:r>
+              <a:rPr lang="en-US" b="1" dirty="0">
+                <a:solidFill>
+                  <a:srgbClr val="0070C0"/>
+                </a:solidFill>
+              </a:rPr>
+              <a:t> - </a:t>
+            </a:r>
+            <a:r>
+              <a:rPr lang="en-US" b="1" dirty="0" err="1">
+                <a:solidFill>
+                  <a:srgbClr val="0070C0"/>
+                </a:solidFill>
+              </a:rPr>
+              <a:t>Exemplo</a:t>
             </a:r>
             <a:endParaRPr lang="en-US" b="1" dirty="0">
               <a:solidFill>
@@ -4883,7 +8083,13 @@
       </p:sp>
       <p:sp>
         <p:nvSpPr>
-          <p:cNvPr id="8" name="Text Placeholder 2"/>
+          <p:cNvPr id="8" name="Text Placeholder 2">
+            <a:extLst>
+              <a:ext uri="{FF2B5EF4-FFF2-40B4-BE49-F238E27FC236}">
+                <a16:creationId xmlns:a16="http://schemas.microsoft.com/office/drawing/2014/main" id="{E2997E61-2EEB-EF39-01E0-70663CCAA848}"/>
+              </a:ext>
+            </a:extLst>
+          </p:cNvPr>
           <p:cNvSpPr>
             <a:spLocks noGrp="1"/>
           </p:cNvSpPr>
@@ -4893,8 +8099,8 @@
         </p:nvSpPr>
         <p:spPr>
           <a:xfrm>
-            <a:off x="139472" y="1063230"/>
-            <a:ext cx="8865056" cy="3606305"/>
+            <a:off x="142865" y="1200150"/>
+            <a:ext cx="8865056" cy="3737370"/>
           </a:xfrm>
         </p:spPr>
         <p:txBody>
@@ -4903,43 +8109,268 @@
           </a:bodyPr>
           <a:lstStyle/>
           <a:p>
-            <a:pPr algn="just">
-              <a:buFont typeface="Wingdings" panose="05000000000000000000" pitchFamily="2" charset="2"/>
-              <a:buChar char="§"/>
-            </a:pPr>
-            <a:r>
-              <a:rPr lang="pt-BR" dirty="0">
-                <a:latin typeface="Times New Roman" panose="02020603050405020304" pitchFamily="18" charset="0"/>
-                <a:cs typeface="Times New Roman" panose="02020603050405020304" pitchFamily="18" charset="0"/>
-              </a:rPr>
-              <a:t>	Exercícios (Atividade Verificadora de Aprendizagem)</a:t>
-            </a:r>
-          </a:p>
-          <a:p>
             <a:pPr marL="0" indent="0" algn="just">
               <a:buNone/>
             </a:pPr>
             <a:r>
-              <a:rPr lang="pt-BR" dirty="0">
-                <a:latin typeface="Times New Roman" panose="02020603050405020304" pitchFamily="18" charset="0"/>
-                <a:cs typeface="Times New Roman" panose="02020603050405020304" pitchFamily="18" charset="0"/>
-              </a:rPr>
-              <a:t> </a:t>
-            </a:r>
-            <a:r>
-              <a:rPr lang="pt-BR" sz="2400" dirty="0">
-                <a:latin typeface="Times New Roman" panose="02020603050405020304" pitchFamily="18" charset="0"/>
-                <a:cs typeface="Times New Roman" panose="02020603050405020304" pitchFamily="18" charset="0"/>
-              </a:rPr>
-              <a:t>	</a:t>
+              <a:rPr lang="pt-BR" sz="2200" b="1" dirty="0">
+                <a:latin typeface="Times New Roman" panose="02020603050405020304" pitchFamily="18" charset="0"/>
+                <a:cs typeface="Times New Roman" panose="02020603050405020304" pitchFamily="18" charset="0"/>
+              </a:rPr>
+              <a:t>Problema do troco mínimo </a:t>
+            </a:r>
+            <a:r>
+              <a:rPr lang="pt-BR" sz="2200" dirty="0">
+                <a:latin typeface="Times New Roman" panose="02020603050405020304" pitchFamily="18" charset="0"/>
+                <a:cs typeface="Times New Roman" panose="02020603050405020304" pitchFamily="18" charset="0"/>
+              </a:rPr>
+              <a:t>(</a:t>
+            </a:r>
+            <a:r>
+              <a:rPr lang="pt-BR" sz="2200" b="1" dirty="0">
+                <a:solidFill>
+                  <a:srgbClr val="FF0000"/>
+                </a:solidFill>
+                <a:latin typeface="Times New Roman" panose="02020603050405020304" pitchFamily="18" charset="0"/>
+                <a:cs typeface="Times New Roman" panose="02020603050405020304" pitchFamily="18" charset="0"/>
+              </a:rPr>
+              <a:t>moedas de 1, 5 e 10 reais</a:t>
+            </a:r>
+            <a:r>
+              <a:rPr lang="pt-BR" sz="2200" dirty="0">
+                <a:latin typeface="Times New Roman" panose="02020603050405020304" pitchFamily="18" charset="0"/>
+                <a:cs typeface="Times New Roman" panose="02020603050405020304" pitchFamily="18" charset="0"/>
+              </a:rPr>
+              <a:t>, </a:t>
+            </a:r>
+            <a:r>
+              <a:rPr lang="pt-BR" sz="2200" b="1" dirty="0">
+                <a:latin typeface="Times New Roman" panose="02020603050405020304" pitchFamily="18" charset="0"/>
+                <a:cs typeface="Times New Roman" panose="02020603050405020304" pitchFamily="18" charset="0"/>
+              </a:rPr>
+              <a:t>valor 23</a:t>
+            </a:r>
+            <a:r>
+              <a:rPr lang="pt-BR" sz="2200" dirty="0">
+                <a:latin typeface="Times New Roman" panose="02020603050405020304" pitchFamily="18" charset="0"/>
+                <a:cs typeface="Times New Roman" panose="02020603050405020304" pitchFamily="18" charset="0"/>
+              </a:rPr>
+              <a:t>):</a:t>
             </a:r>
           </a:p>
           <a:p>
             <a:pPr marL="0" indent="0" algn="just">
               <a:buNone/>
             </a:pPr>
-            <a:endParaRPr lang="pt-BR" sz="2000" dirty="0">
-              <a:latin typeface="Calibri" panose="020F0502020204030204" pitchFamily="34" charset="0"/>
+            <a:endParaRPr lang="pt-BR" sz="2200" dirty="0">
+              <a:latin typeface="Times New Roman" panose="02020603050405020304" pitchFamily="18" charset="0"/>
+              <a:cs typeface="Times New Roman" panose="02020603050405020304" pitchFamily="18" charset="0"/>
+            </a:endParaRPr>
+          </a:p>
+          <a:p>
+            <a:pPr algn="just"/>
+            <a:r>
+              <a:rPr lang="pt-BR" sz="2200" b="1" dirty="0">
+                <a:latin typeface="Times New Roman" panose="02020603050405020304" pitchFamily="18" charset="0"/>
+                <a:cs typeface="Times New Roman" panose="02020603050405020304" pitchFamily="18" charset="0"/>
+              </a:rPr>
+              <a:t>Escolha maior moeda </a:t>
+            </a:r>
+            <a:r>
+              <a:rPr lang="pt-BR" sz="2200" dirty="0">
+                <a:latin typeface="Times New Roman" panose="02020603050405020304" pitchFamily="18" charset="0"/>
+                <a:cs typeface="Times New Roman" panose="02020603050405020304" pitchFamily="18" charset="0"/>
+              </a:rPr>
+              <a:t>≤ </a:t>
+            </a:r>
+            <a:r>
+              <a:rPr lang="pt-BR" sz="2200" b="1" dirty="0">
+                <a:solidFill>
+                  <a:srgbClr val="FF0000"/>
+                </a:solidFill>
+                <a:latin typeface="Times New Roman" panose="02020603050405020304" pitchFamily="18" charset="0"/>
+                <a:cs typeface="Times New Roman" panose="02020603050405020304" pitchFamily="18" charset="0"/>
+              </a:rPr>
+              <a:t>Restante</a:t>
+            </a:r>
+            <a:r>
+              <a:rPr lang="pt-BR" sz="2200" dirty="0">
+                <a:latin typeface="Times New Roman" panose="02020603050405020304" pitchFamily="18" charset="0"/>
+                <a:cs typeface="Times New Roman" panose="02020603050405020304" pitchFamily="18" charset="0"/>
+              </a:rPr>
+              <a:t> → </a:t>
+            </a:r>
+            <a:r>
+              <a:rPr lang="pt-BR" sz="2200" b="1" dirty="0">
+                <a:latin typeface="Times New Roman" panose="02020603050405020304" pitchFamily="18" charset="0"/>
+                <a:cs typeface="Times New Roman" panose="02020603050405020304" pitchFamily="18" charset="0"/>
+              </a:rPr>
+              <a:t>10</a:t>
+            </a:r>
+          </a:p>
+          <a:p>
+            <a:pPr algn="just"/>
+            <a:r>
+              <a:rPr lang="pt-BR" sz="2200" b="1" dirty="0">
+                <a:solidFill>
+                  <a:srgbClr val="FF0000"/>
+                </a:solidFill>
+                <a:latin typeface="Times New Roman" panose="02020603050405020304" pitchFamily="18" charset="0"/>
+                <a:cs typeface="Times New Roman" panose="02020603050405020304" pitchFamily="18" charset="0"/>
+              </a:rPr>
+              <a:t>Restante</a:t>
+            </a:r>
+            <a:r>
+              <a:rPr lang="pt-BR" sz="2200" dirty="0">
+                <a:latin typeface="Times New Roman" panose="02020603050405020304" pitchFamily="18" charset="0"/>
+                <a:cs typeface="Times New Roman" panose="02020603050405020304" pitchFamily="18" charset="0"/>
+              </a:rPr>
+              <a:t> = 23 - 10 = </a:t>
+            </a:r>
+            <a:r>
+              <a:rPr lang="pt-BR" sz="2200" b="1" dirty="0">
+                <a:latin typeface="Times New Roman" panose="02020603050405020304" pitchFamily="18" charset="0"/>
+                <a:cs typeface="Times New Roman" panose="02020603050405020304" pitchFamily="18" charset="0"/>
+              </a:rPr>
+              <a:t>13</a:t>
+            </a:r>
+            <a:r>
+              <a:rPr lang="pt-BR" sz="2200" dirty="0">
+                <a:latin typeface="Times New Roman" panose="02020603050405020304" pitchFamily="18" charset="0"/>
+                <a:cs typeface="Times New Roman" panose="02020603050405020304" pitchFamily="18" charset="0"/>
+              </a:rPr>
+              <a:t> → escolha 10 novamente</a:t>
+            </a:r>
+          </a:p>
+          <a:p>
+            <a:pPr algn="just"/>
+            <a:r>
+              <a:rPr lang="pt-BR" sz="2200" b="1" dirty="0">
+                <a:solidFill>
+                  <a:srgbClr val="FF0000"/>
+                </a:solidFill>
+                <a:latin typeface="Times New Roman" panose="02020603050405020304" pitchFamily="18" charset="0"/>
+                <a:cs typeface="Times New Roman" panose="02020603050405020304" pitchFamily="18" charset="0"/>
+              </a:rPr>
+              <a:t>Restante</a:t>
+            </a:r>
+            <a:r>
+              <a:rPr lang="pt-BR" sz="2200" dirty="0">
+                <a:latin typeface="Times New Roman" panose="02020603050405020304" pitchFamily="18" charset="0"/>
+                <a:cs typeface="Times New Roman" panose="02020603050405020304" pitchFamily="18" charset="0"/>
+              </a:rPr>
+              <a:t> = 3 → escolha 1 três vezes</a:t>
+            </a:r>
+          </a:p>
+          <a:p>
+            <a:pPr algn="just"/>
+            <a:r>
+              <a:rPr lang="pt-BR" sz="2200" b="1" dirty="0">
+                <a:solidFill>
+                  <a:schemeClr val="tx1"/>
+                </a:solidFill>
+                <a:latin typeface="Times New Roman" panose="02020603050405020304" pitchFamily="18" charset="0"/>
+                <a:cs typeface="Times New Roman" panose="02020603050405020304" pitchFamily="18" charset="0"/>
+              </a:rPr>
+              <a:t>Solução final</a:t>
+            </a:r>
+            <a:r>
+              <a:rPr lang="pt-BR" sz="2200" dirty="0">
+                <a:latin typeface="Times New Roman" panose="02020603050405020304" pitchFamily="18" charset="0"/>
+                <a:cs typeface="Times New Roman" panose="02020603050405020304" pitchFamily="18" charset="0"/>
+              </a:rPr>
+              <a:t>: 10 + 10 + 1 + 1 + 1 = 23</a:t>
+            </a:r>
+          </a:p>
+          <a:p>
+            <a:pPr marL="0" indent="0" algn="just">
+              <a:buNone/>
+            </a:pPr>
+            <a:endParaRPr lang="pt-BR" sz="2200" dirty="0">
+              <a:solidFill>
+                <a:schemeClr val="tx1"/>
+              </a:solidFill>
+              <a:latin typeface="Times New Roman" panose="02020603050405020304" pitchFamily="18" charset="0"/>
+              <a:cs typeface="Times New Roman" panose="02020603050405020304" pitchFamily="18" charset="0"/>
+            </a:endParaRPr>
+          </a:p>
+          <a:p>
+            <a:pPr marL="0" indent="0" algn="just">
+              <a:buNone/>
+            </a:pPr>
+            <a:r>
+              <a:rPr lang="pt-BR" sz="2200" b="1" dirty="0">
+                <a:latin typeface="Times New Roman" panose="02020603050405020304" pitchFamily="18" charset="0"/>
+                <a:cs typeface="Times New Roman" panose="02020603050405020304" pitchFamily="18" charset="0"/>
+              </a:rPr>
+              <a:t>Troco mínimo </a:t>
+            </a:r>
+            <a:r>
+              <a:rPr lang="pt-BR" sz="2200" dirty="0">
+                <a:latin typeface="Times New Roman" panose="02020603050405020304" pitchFamily="18" charset="0"/>
+                <a:cs typeface="Times New Roman" panose="02020603050405020304" pitchFamily="18" charset="0"/>
+              </a:rPr>
+              <a:t>(</a:t>
+            </a:r>
+            <a:r>
+              <a:rPr lang="pt-BR" sz="2200" b="1" dirty="0">
+                <a:solidFill>
+                  <a:srgbClr val="FF0000"/>
+                </a:solidFill>
+                <a:latin typeface="Times New Roman" panose="02020603050405020304" pitchFamily="18" charset="0"/>
+                <a:cs typeface="Times New Roman" panose="02020603050405020304" pitchFamily="18" charset="0"/>
+              </a:rPr>
+              <a:t>moedas [9, 6, 5 e 1] reais</a:t>
+            </a:r>
+            <a:r>
+              <a:rPr lang="pt-BR" sz="2200" dirty="0">
+                <a:latin typeface="Times New Roman" panose="02020603050405020304" pitchFamily="18" charset="0"/>
+                <a:cs typeface="Times New Roman" panose="02020603050405020304" pitchFamily="18" charset="0"/>
+              </a:rPr>
+              <a:t>, </a:t>
+            </a:r>
+            <a:r>
+              <a:rPr lang="pt-BR" sz="2200" b="1" dirty="0">
+                <a:latin typeface="Times New Roman" panose="02020603050405020304" pitchFamily="18" charset="0"/>
+                <a:cs typeface="Times New Roman" panose="02020603050405020304" pitchFamily="18" charset="0"/>
+              </a:rPr>
+              <a:t>valor 11</a:t>
+            </a:r>
+            <a:r>
+              <a:rPr lang="pt-BR" sz="2200" dirty="0">
+                <a:latin typeface="Times New Roman" panose="02020603050405020304" pitchFamily="18" charset="0"/>
+                <a:cs typeface="Times New Roman" panose="02020603050405020304" pitchFamily="18" charset="0"/>
+              </a:rPr>
+              <a:t>):</a:t>
+            </a:r>
+          </a:p>
+          <a:p>
+            <a:pPr marL="0" indent="0" algn="just">
+              <a:buNone/>
+            </a:pPr>
+            <a:r>
+              <a:rPr lang="pt-BR" sz="2200" b="1" dirty="0">
+                <a:solidFill>
+                  <a:schemeClr val="tx1"/>
+                </a:solidFill>
+                <a:latin typeface="Times New Roman" panose="02020603050405020304" pitchFamily="18" charset="0"/>
+                <a:cs typeface="Times New Roman" panose="02020603050405020304" pitchFamily="18" charset="0"/>
+              </a:rPr>
+              <a:t>Solução final</a:t>
+            </a:r>
+            <a:r>
+              <a:rPr lang="pt-BR" sz="2200" dirty="0">
+                <a:latin typeface="Times New Roman" panose="02020603050405020304" pitchFamily="18" charset="0"/>
+                <a:cs typeface="Times New Roman" panose="02020603050405020304" pitchFamily="18" charset="0"/>
+              </a:rPr>
+              <a:t>: 9 + 1 + 1</a:t>
+            </a:r>
+            <a:endParaRPr lang="pt-BR" sz="2200" dirty="0">
+              <a:solidFill>
+                <a:schemeClr val="tx1"/>
+              </a:solidFill>
+              <a:latin typeface="Times New Roman" panose="02020603050405020304" pitchFamily="18" charset="0"/>
+              <a:cs typeface="Times New Roman" panose="02020603050405020304" pitchFamily="18" charset="0"/>
             </a:endParaRPr>
           </a:p>
         </p:txBody>
@@ -4947,7 +8378,7 @@
     </p:spTree>
     <p:extLst>
       <p:ext uri="{BB962C8B-B14F-4D97-AF65-F5344CB8AC3E}">
-        <p14:creationId xmlns:p14="http://schemas.microsoft.com/office/powerpoint/2010/main" val="2470652989"/>
+        <p14:creationId xmlns:p14="http://schemas.microsoft.com/office/powerpoint/2010/main" val="1646444723"/>
       </p:ext>
     </p:extLst>
   </p:cSld>
@@ -4958,12 +8389,18 @@
 </p:sld>
 </file>
 
-<file path=ppt/slides/slide7.xml><?xml version="1.0" encoding="utf-8"?>
+<file path=ppt/slides/slide8.xml><?xml version="1.0" encoding="utf-8"?>
 <p:sld xmlns:a="http://schemas.openxmlformats.org/drawingml/2006/main" xmlns:r="http://schemas.openxmlformats.org/officeDocument/2006/relationships" xmlns:p="http://schemas.openxmlformats.org/presentationml/2006/main">
   <p:cSld>
     <p:spTree>
       <p:nvGrpSpPr>
-        <p:cNvPr id="1" name=""/>
+        <p:cNvPr id="1" name="">
+          <a:extLst>
+            <a:ext uri="{FF2B5EF4-FFF2-40B4-BE49-F238E27FC236}">
+              <a16:creationId xmlns:a16="http://schemas.microsoft.com/office/drawing/2014/main" id="{DD88F139-0755-E4DF-2523-4358D031984B}"/>
+            </a:ext>
+          </a:extLst>
+        </p:cNvPr>
         <p:cNvGrpSpPr/>
         <p:nvPr/>
       </p:nvGrpSpPr>
@@ -4977,7 +8414,13 @@
       </p:grpSpPr>
       <p:sp>
         <p:nvSpPr>
-          <p:cNvPr id="6" name="Title 1"/>
+          <p:cNvPr id="6" name="Title 1">
+            <a:extLst>
+              <a:ext uri="{FF2B5EF4-FFF2-40B4-BE49-F238E27FC236}">
+                <a16:creationId xmlns:a16="http://schemas.microsoft.com/office/drawing/2014/main" id="{89DAA8E1-FBA2-00C9-91A4-2575A97C5FA6}"/>
+              </a:ext>
+            </a:extLst>
+          </p:cNvPr>
           <p:cNvSpPr>
             <a:spLocks noGrp="1"/>
           </p:cNvSpPr>
@@ -4993,7 +8436,7 @@
         </p:spPr>
         <p:txBody>
           <a:bodyPr>
-            <a:normAutofit/>
+            <a:normAutofit fontScale="90000"/>
           </a:bodyPr>
           <a:lstStyle/>
           <a:p>
@@ -5003,7 +8446,7 @@
                   <a:srgbClr val="0070C0"/>
                 </a:solidFill>
               </a:rPr>
-              <a:t>Referências</a:t>
+              <a:t>Algoritmos</a:t>
             </a:r>
             <a:r>
               <a:rPr lang="en-US" b="1" dirty="0">
@@ -5019,7 +8462,23 @@
                   <a:srgbClr val="0070C0"/>
                 </a:solidFill>
               </a:rPr>
-              <a:t>Bibliográficas</a:t>
+              <a:t>Gulosos</a:t>
+            </a:r>
+            <a:r>
+              <a:rPr lang="en-US" b="1" dirty="0">
+                <a:solidFill>
+                  <a:srgbClr val="0070C0"/>
+                </a:solidFill>
+              </a:rPr>
+              <a:t> - </a:t>
+            </a:r>
+            <a:r>
+              <a:rPr lang="en-US" b="1" dirty="0" err="1">
+                <a:solidFill>
+                  <a:srgbClr val="0070C0"/>
+                </a:solidFill>
+              </a:rPr>
+              <a:t>Complexidade</a:t>
             </a:r>
             <a:endParaRPr lang="en-US" b="1" dirty="0">
               <a:solidFill>
@@ -5031,7 +8490,13 @@
       </p:sp>
       <p:sp>
         <p:nvSpPr>
-          <p:cNvPr id="8" name="Text Placeholder 2"/>
+          <p:cNvPr id="8" name="Text Placeholder 2">
+            <a:extLst>
+              <a:ext uri="{FF2B5EF4-FFF2-40B4-BE49-F238E27FC236}">
+                <a16:creationId xmlns:a16="http://schemas.microsoft.com/office/drawing/2014/main" id="{8BFFADBC-FD4E-872B-063D-7D3D63D4ADBC}"/>
+              </a:ext>
+            </a:extLst>
+          </p:cNvPr>
           <p:cNvSpPr>
             <a:spLocks noGrp="1"/>
           </p:cNvSpPr>
@@ -5041,8 +8506,8 @@
         </p:nvSpPr>
         <p:spPr>
           <a:xfrm>
-            <a:off x="142865" y="1200151"/>
-            <a:ext cx="8865056" cy="3394472"/>
+            <a:off x="142865" y="1200150"/>
+            <a:ext cx="8865056" cy="3737370"/>
           </a:xfrm>
         </p:spPr>
         <p:txBody>
@@ -5051,41 +8516,233 @@
           </a:bodyPr>
           <a:lstStyle/>
           <a:p>
-            <a:pPr marL="0" indent="0" algn="just">
-              <a:buNone/>
-            </a:pPr>
-            <a:r>
-              <a:rPr lang="pt-BR" sz="1800" dirty="0">
-                <a:latin typeface="Calibri" panose="020F0502020204030204" pitchFamily="34" charset="0"/>
-              </a:rPr>
-              <a:t>[1] ...</a:t>
-            </a:r>
-          </a:p>
-          <a:p>
-            <a:pPr marL="0" indent="0" algn="just">
-              <a:buNone/>
-            </a:pPr>
-            <a:endParaRPr lang="pt-BR" sz="1800" dirty="0">
-              <a:latin typeface="Calibri" panose="020F0502020204030204" pitchFamily="34" charset="0"/>
+            <a:pPr algn="just"/>
+            <a:r>
+              <a:rPr lang="pt-BR" sz="2200" dirty="0">
+                <a:latin typeface="Times New Roman" panose="02020603050405020304" pitchFamily="18" charset="0"/>
+                <a:cs typeface="Times New Roman" panose="02020603050405020304" pitchFamily="18" charset="0"/>
+              </a:rPr>
+              <a:t>Geralmente, a </a:t>
+            </a:r>
+            <a:r>
+              <a:rPr lang="pt-BR" sz="2200" b="1" dirty="0">
+                <a:latin typeface="Times New Roman" panose="02020603050405020304" pitchFamily="18" charset="0"/>
+                <a:cs typeface="Times New Roman" panose="02020603050405020304" pitchFamily="18" charset="0"/>
+              </a:rPr>
+              <a:t>complexidade</a:t>
+            </a:r>
+            <a:r>
+              <a:rPr lang="pt-BR" sz="2200" dirty="0">
+                <a:latin typeface="Times New Roman" panose="02020603050405020304" pitchFamily="18" charset="0"/>
+                <a:cs typeface="Times New Roman" panose="02020603050405020304" pitchFamily="18" charset="0"/>
+              </a:rPr>
+              <a:t> do </a:t>
+            </a:r>
+            <a:r>
+              <a:rPr lang="pt-BR" sz="2200" b="1" dirty="0">
+                <a:solidFill>
+                  <a:srgbClr val="FF0000"/>
+                </a:solidFill>
+                <a:latin typeface="Times New Roman" panose="02020603050405020304" pitchFamily="18" charset="0"/>
+                <a:cs typeface="Times New Roman" panose="02020603050405020304" pitchFamily="18" charset="0"/>
+              </a:rPr>
+              <a:t>algoritmo guloso </a:t>
+            </a:r>
+            <a:r>
+              <a:rPr lang="pt-BR" sz="2200" dirty="0">
+                <a:latin typeface="Times New Roman" panose="02020603050405020304" pitchFamily="18" charset="0"/>
+                <a:cs typeface="Times New Roman" panose="02020603050405020304" pitchFamily="18" charset="0"/>
+              </a:rPr>
+              <a:t>depende de quantas opções precisam ser analisadas a cada passo.</a:t>
+            </a:r>
+          </a:p>
+          <a:p>
+            <a:pPr algn="just"/>
+            <a:endParaRPr lang="pt-BR" sz="2200" dirty="0">
+              <a:latin typeface="Times New Roman" panose="02020603050405020304" pitchFamily="18" charset="0"/>
+              <a:cs typeface="Times New Roman" panose="02020603050405020304" pitchFamily="18" charset="0"/>
             </a:endParaRPr>
           </a:p>
           <a:p>
-            <a:pPr marL="0" indent="0" algn="just">
-              <a:buNone/>
-            </a:pPr>
-            <a:r>
-              <a:rPr lang="pt-BR" sz="1800" dirty="0">
-                <a:latin typeface="Calibri" panose="020F0502020204030204" pitchFamily="34" charset="0"/>
-              </a:rPr>
-              <a:t>[2] ...</a:t>
-            </a:r>
-          </a:p>
-          <a:p>
-            <a:pPr marL="0" indent="0" algn="just">
-              <a:buNone/>
-            </a:pPr>
-            <a:endParaRPr lang="pt-BR" sz="1800" dirty="0">
-              <a:latin typeface="Calibri" panose="020F0502020204030204" pitchFamily="34" charset="0"/>
+            <a:pPr algn="just"/>
+            <a:r>
+              <a:rPr lang="pt-BR" sz="2200" dirty="0">
+                <a:latin typeface="Times New Roman" panose="02020603050405020304" pitchFamily="18" charset="0"/>
+                <a:cs typeface="Times New Roman" panose="02020603050405020304" pitchFamily="18" charset="0"/>
+              </a:rPr>
+              <a:t>Para o </a:t>
+            </a:r>
+            <a:r>
+              <a:rPr lang="pt-BR" sz="2200" b="1" dirty="0">
+                <a:latin typeface="Times New Roman" panose="02020603050405020304" pitchFamily="18" charset="0"/>
+                <a:cs typeface="Times New Roman" panose="02020603050405020304" pitchFamily="18" charset="0"/>
+              </a:rPr>
+              <a:t>problema do troco com moedas</a:t>
+            </a:r>
+            <a:r>
+              <a:rPr lang="pt-BR" sz="2200" dirty="0">
+                <a:latin typeface="Times New Roman" panose="02020603050405020304" pitchFamily="18" charset="0"/>
+                <a:cs typeface="Times New Roman" panose="02020603050405020304" pitchFamily="18" charset="0"/>
+              </a:rPr>
+              <a:t>, se houver </a:t>
+            </a:r>
+            <a:r>
+              <a:rPr lang="pt-BR" sz="2200" b="1" dirty="0">
+                <a:solidFill>
+                  <a:srgbClr val="FF0000"/>
+                </a:solidFill>
+                <a:latin typeface="Times New Roman" panose="02020603050405020304" pitchFamily="18" charset="0"/>
+                <a:cs typeface="Times New Roman" panose="02020603050405020304" pitchFamily="18" charset="0"/>
+              </a:rPr>
+              <a:t>n moedas e k denominações</a:t>
+            </a:r>
+            <a:r>
+              <a:rPr lang="pt-BR" sz="2200" dirty="0">
+                <a:latin typeface="Times New Roman" panose="02020603050405020304" pitchFamily="18" charset="0"/>
+                <a:cs typeface="Times New Roman" panose="02020603050405020304" pitchFamily="18" charset="0"/>
+              </a:rPr>
+              <a:t>, a </a:t>
+            </a:r>
+            <a:r>
+              <a:rPr lang="pt-BR" sz="2200" b="1" dirty="0">
+                <a:latin typeface="Times New Roman" panose="02020603050405020304" pitchFamily="18" charset="0"/>
+                <a:cs typeface="Times New Roman" panose="02020603050405020304" pitchFamily="18" charset="0"/>
+              </a:rPr>
+              <a:t>complexidade</a:t>
+            </a:r>
+            <a:r>
+              <a:rPr lang="pt-BR" sz="2200" dirty="0">
+                <a:latin typeface="Times New Roman" panose="02020603050405020304" pitchFamily="18" charset="0"/>
+                <a:cs typeface="Times New Roman" panose="02020603050405020304" pitchFamily="18" charset="0"/>
+              </a:rPr>
+              <a:t> é </a:t>
+            </a:r>
+            <a:r>
+              <a:rPr lang="pt-BR" sz="2200" b="1" dirty="0">
+                <a:solidFill>
+                  <a:srgbClr val="FF0000"/>
+                </a:solidFill>
+                <a:latin typeface="Times New Roman" panose="02020603050405020304" pitchFamily="18" charset="0"/>
+                <a:cs typeface="Times New Roman" panose="02020603050405020304" pitchFamily="18" charset="0"/>
+              </a:rPr>
+              <a:t>O(n) </a:t>
+            </a:r>
+            <a:r>
+              <a:rPr lang="pt-BR" sz="2200" dirty="0">
+                <a:latin typeface="Times New Roman" panose="02020603050405020304" pitchFamily="18" charset="0"/>
+                <a:cs typeface="Times New Roman" panose="02020603050405020304" pitchFamily="18" charset="0"/>
+              </a:rPr>
+              <a:t>para </a:t>
+            </a:r>
+            <a:r>
+              <a:rPr lang="pt-BR" sz="2200" b="1" dirty="0">
+                <a:latin typeface="Times New Roman" panose="02020603050405020304" pitchFamily="18" charset="0"/>
+                <a:cs typeface="Times New Roman" panose="02020603050405020304" pitchFamily="18" charset="0"/>
+              </a:rPr>
+              <a:t>construir a solução</a:t>
+            </a:r>
+            <a:r>
+              <a:rPr lang="pt-BR" sz="2200" dirty="0">
+                <a:latin typeface="Times New Roman" panose="02020603050405020304" pitchFamily="18" charset="0"/>
+                <a:cs typeface="Times New Roman" panose="02020603050405020304" pitchFamily="18" charset="0"/>
+              </a:rPr>
+              <a:t>.</a:t>
+            </a:r>
+          </a:p>
+          <a:p>
+            <a:pPr algn="just"/>
+            <a:endParaRPr lang="pt-BR" sz="2200" dirty="0">
+              <a:latin typeface="Times New Roman" panose="02020603050405020304" pitchFamily="18" charset="0"/>
+              <a:cs typeface="Times New Roman" panose="02020603050405020304" pitchFamily="18" charset="0"/>
+            </a:endParaRPr>
+          </a:p>
+          <a:p>
+            <a:pPr algn="just"/>
+            <a:r>
+              <a:rPr lang="pt-BR" sz="2200" b="1" dirty="0">
+                <a:latin typeface="Times New Roman" panose="02020603050405020304" pitchFamily="18" charset="0"/>
+                <a:cs typeface="Times New Roman" panose="02020603050405020304" pitchFamily="18" charset="0"/>
+              </a:rPr>
+              <a:t>Diferença</a:t>
+            </a:r>
+            <a:r>
+              <a:rPr lang="pt-BR" sz="2200" dirty="0">
+                <a:latin typeface="Times New Roman" panose="02020603050405020304" pitchFamily="18" charset="0"/>
+                <a:cs typeface="Times New Roman" panose="02020603050405020304" pitchFamily="18" charset="0"/>
+              </a:rPr>
+              <a:t> em relação à </a:t>
+            </a:r>
+            <a:r>
+              <a:rPr lang="pt-BR" sz="2200" b="1" dirty="0">
+                <a:solidFill>
+                  <a:srgbClr val="FF0000"/>
+                </a:solidFill>
+                <a:latin typeface="Times New Roman" panose="02020603050405020304" pitchFamily="18" charset="0"/>
+                <a:cs typeface="Times New Roman" panose="02020603050405020304" pitchFamily="18" charset="0"/>
+              </a:rPr>
+              <a:t>programação dinâmica</a:t>
+            </a:r>
+            <a:r>
+              <a:rPr lang="pt-BR" sz="2200" dirty="0">
+                <a:latin typeface="Times New Roman" panose="02020603050405020304" pitchFamily="18" charset="0"/>
+                <a:cs typeface="Times New Roman" panose="02020603050405020304" pitchFamily="18" charset="0"/>
+              </a:rPr>
+              <a:t>: o </a:t>
+            </a:r>
+            <a:r>
+              <a:rPr lang="pt-BR" sz="2200" b="1" dirty="0">
+                <a:latin typeface="Times New Roman" panose="02020603050405020304" pitchFamily="18" charset="0"/>
+                <a:cs typeface="Times New Roman" panose="02020603050405020304" pitchFamily="18" charset="0"/>
+              </a:rPr>
+              <a:t>algoritmo guloso não explora todas as soluções possíveis</a:t>
+            </a:r>
+            <a:r>
+              <a:rPr lang="pt-BR" sz="2200" dirty="0">
+                <a:latin typeface="Times New Roman" panose="02020603050405020304" pitchFamily="18" charset="0"/>
+                <a:cs typeface="Times New Roman" panose="02020603050405020304" pitchFamily="18" charset="0"/>
+              </a:rPr>
+              <a:t>, </a:t>
+            </a:r>
+            <a:r>
+              <a:rPr lang="pt-BR" sz="2200" b="1" dirty="0">
+                <a:solidFill>
+                  <a:srgbClr val="FF0000"/>
+                </a:solidFill>
+                <a:latin typeface="Times New Roman" panose="02020603050405020304" pitchFamily="18" charset="0"/>
+                <a:cs typeface="Times New Roman" panose="02020603050405020304" pitchFamily="18" charset="0"/>
+              </a:rPr>
+              <a:t>menos custo computacional</a:t>
+            </a:r>
+            <a:r>
+              <a:rPr lang="pt-BR" sz="2200" dirty="0">
+                <a:latin typeface="Times New Roman" panose="02020603050405020304" pitchFamily="18" charset="0"/>
+                <a:cs typeface="Times New Roman" panose="02020603050405020304" pitchFamily="18" charset="0"/>
+              </a:rPr>
+              <a:t>, mas </a:t>
+            </a:r>
+            <a:r>
+              <a:rPr lang="pt-BR" sz="2200" b="1" dirty="0">
+                <a:solidFill>
+                  <a:srgbClr val="FF0000"/>
+                </a:solidFill>
+                <a:latin typeface="Times New Roman" panose="02020603050405020304" pitchFamily="18" charset="0"/>
+                <a:cs typeface="Times New Roman" panose="02020603050405020304" pitchFamily="18" charset="0"/>
+              </a:rPr>
+              <a:t>menor garantia de solução ótima</a:t>
+            </a:r>
+            <a:r>
+              <a:rPr lang="pt-BR" sz="2200" dirty="0">
+                <a:latin typeface="Times New Roman" panose="02020603050405020304" pitchFamily="18" charset="0"/>
+                <a:cs typeface="Times New Roman" panose="02020603050405020304" pitchFamily="18" charset="0"/>
+              </a:rPr>
+              <a:t>.</a:t>
+            </a:r>
+            <a:endParaRPr lang="pt-BR" sz="2200" dirty="0">
+              <a:solidFill>
+                <a:schemeClr val="tx1"/>
+              </a:solidFill>
+              <a:latin typeface="Times New Roman" panose="02020603050405020304" pitchFamily="18" charset="0"/>
+              <a:cs typeface="Times New Roman" panose="02020603050405020304" pitchFamily="18" charset="0"/>
             </a:endParaRPr>
           </a:p>
         </p:txBody>
@@ -5093,7 +8750,7 @@
     </p:spTree>
     <p:extLst>
       <p:ext uri="{BB962C8B-B14F-4D97-AF65-F5344CB8AC3E}">
-        <p14:creationId xmlns:p14="http://schemas.microsoft.com/office/powerpoint/2010/main" val="1115311843"/>
+        <p14:creationId xmlns:p14="http://schemas.microsoft.com/office/powerpoint/2010/main" val="3159724550"/>
       </p:ext>
     </p:extLst>
   </p:cSld>
@@ -5104,12 +8761,18 @@
 </p:sld>
 </file>
 
-<file path=ppt/slides/slide8.xml><?xml version="1.0" encoding="utf-8"?>
+<file path=ppt/slides/slide9.xml><?xml version="1.0" encoding="utf-8"?>
 <p:sld xmlns:a="http://schemas.openxmlformats.org/drawingml/2006/main" xmlns:r="http://schemas.openxmlformats.org/officeDocument/2006/relationships" xmlns:p="http://schemas.openxmlformats.org/presentationml/2006/main">
   <p:cSld>
     <p:spTree>
       <p:nvGrpSpPr>
-        <p:cNvPr id="1" name=""/>
+        <p:cNvPr id="1" name="">
+          <a:extLst>
+            <a:ext uri="{FF2B5EF4-FFF2-40B4-BE49-F238E27FC236}">
+              <a16:creationId xmlns:a16="http://schemas.microsoft.com/office/drawing/2014/main" id="{8D01FE9D-19D7-47BB-0D31-6760832CDAAA}"/>
+            </a:ext>
+          </a:extLst>
+        </p:cNvPr>
         <p:cNvGrpSpPr/>
         <p:nvPr/>
       </p:nvGrpSpPr>
@@ -5121,67 +8784,15 @@
           <a:chExt cx="0" cy="0"/>
         </a:xfrm>
       </p:grpSpPr>
-      <p:pic>
-        <p:nvPicPr>
-          <p:cNvPr id="112" name="Picture 6" descr="Picture 6"/>
-          <p:cNvPicPr>
-            <a:picLocks noChangeAspect="1"/>
-          </p:cNvPicPr>
-          <p:nvPr/>
-        </p:nvPicPr>
-        <p:blipFill>
-          <a:blip r:embed="rId2"/>
-          <a:stretch>
-            <a:fillRect/>
-          </a:stretch>
-        </p:blipFill>
-        <p:spPr>
-          <a:xfrm>
-            <a:off x="0" y="0"/>
-            <a:ext cx="9144000" cy="5143500"/>
-          </a:xfrm>
-          <a:prstGeom prst="rect">
-            <a:avLst/>
-          </a:prstGeom>
-          <a:ln w="12700">
-            <a:miter lim="400000"/>
-            <a:headEnd/>
-            <a:tailEnd/>
-          </a:ln>
-        </p:spPr>
-      </p:pic>
-      <p:pic>
-        <p:nvPicPr>
-          <p:cNvPr id="114" name="Picture 5" descr="Picture 5"/>
-          <p:cNvPicPr>
-            <a:picLocks noChangeAspect="1"/>
-          </p:cNvPicPr>
-          <p:nvPr/>
-        </p:nvPicPr>
-        <p:blipFill>
-          <a:blip r:embed="rId3"/>
-          <a:stretch>
-            <a:fillRect/>
-          </a:stretch>
-        </p:blipFill>
-        <p:spPr>
-          <a:xfrm>
-            <a:off x="469900" y="0"/>
-            <a:ext cx="4391984" cy="171450"/>
-          </a:xfrm>
-          <a:prstGeom prst="rect">
-            <a:avLst/>
-          </a:prstGeom>
-          <a:ln w="12700">
-            <a:miter lim="400000"/>
-            <a:headEnd/>
-            <a:tailEnd/>
-          </a:ln>
-        </p:spPr>
-      </p:pic>
       <p:sp>
         <p:nvSpPr>
-          <p:cNvPr id="3" name="Título 2"/>
+          <p:cNvPr id="6" name="Title 1">
+            <a:extLst>
+              <a:ext uri="{FF2B5EF4-FFF2-40B4-BE49-F238E27FC236}">
+                <a16:creationId xmlns:a16="http://schemas.microsoft.com/office/drawing/2014/main" id="{55149551-1E9B-B558-1AB3-3C7C5EE8AED0}"/>
+              </a:ext>
+            </a:extLst>
+          </p:cNvPr>
           <p:cNvSpPr>
             <a:spLocks noGrp="1"/>
           </p:cNvSpPr>
@@ -5191,8 +8802,79 @@
         </p:nvSpPr>
         <p:spPr>
           <a:xfrm>
-            <a:off x="285751" y="2386770"/>
-            <a:ext cx="8615364" cy="1102519"/>
+            <a:off x="457200" y="205980"/>
+            <a:ext cx="8229600" cy="857251"/>
+          </a:xfrm>
+        </p:spPr>
+        <p:txBody>
+          <a:bodyPr>
+            <a:normAutofit fontScale="90000"/>
+          </a:bodyPr>
+          <a:lstStyle/>
+          <a:p>
+            <a:r>
+              <a:rPr lang="en-US" b="1" dirty="0">
+                <a:solidFill>
+                  <a:srgbClr val="0070C0"/>
+                </a:solidFill>
+              </a:rPr>
+              <a:t>Quadro </a:t>
+            </a:r>
+            <a:r>
+              <a:rPr lang="en-US" b="1" dirty="0" err="1">
+                <a:solidFill>
+                  <a:srgbClr val="0070C0"/>
+                </a:solidFill>
+              </a:rPr>
+              <a:t>Comparativo</a:t>
+            </a:r>
+            <a:r>
+              <a:rPr lang="en-US" b="1" dirty="0">
+                <a:solidFill>
+                  <a:srgbClr val="0070C0"/>
+                </a:solidFill>
+              </a:rPr>
+              <a:t> </a:t>
+            </a:r>
+            <a:r>
+              <a:rPr lang="en-US" b="1" dirty="0" err="1">
+                <a:solidFill>
+                  <a:srgbClr val="0070C0"/>
+                </a:solidFill>
+              </a:rPr>
+              <a:t>Técnicas</a:t>
+            </a:r>
+            <a:r>
+              <a:rPr lang="en-US" b="1" dirty="0">
+                <a:solidFill>
+                  <a:srgbClr val="0070C0"/>
+                </a:solidFill>
+              </a:rPr>
+              <a:t> Prog.</a:t>
+            </a:r>
+          </a:p>
+        </p:txBody>
+      </p:sp>
+      <p:sp>
+        <p:nvSpPr>
+          <p:cNvPr id="8" name="Text Placeholder 2">
+            <a:extLst>
+              <a:ext uri="{FF2B5EF4-FFF2-40B4-BE49-F238E27FC236}">
+                <a16:creationId xmlns:a16="http://schemas.microsoft.com/office/drawing/2014/main" id="{36D6A4AB-38C0-4944-BB71-5B6BFECDB200}"/>
+              </a:ext>
+            </a:extLst>
+          </p:cNvPr>
+          <p:cNvSpPr>
+            <a:spLocks noGrp="1"/>
+          </p:cNvSpPr>
+          <p:nvPr>
+            <p:ph type="body" sz="half" idx="1"/>
+          </p:nvPr>
+        </p:nvSpPr>
+        <p:spPr>
+          <a:xfrm>
+            <a:off x="142865" y="1200150"/>
+            <a:ext cx="8865056" cy="3737370"/>
           </a:xfrm>
         </p:spPr>
         <p:txBody>
@@ -5201,356 +8883,173 @@
           </a:bodyPr>
           <a:lstStyle/>
           <a:p>
-            <a:r>
-              <a:rPr lang="pt-BR" sz="4800" b="1" dirty="0">
-                <a:solidFill>
-                  <a:schemeClr val="bg1"/>
-                </a:solidFill>
-              </a:rPr>
-              <a:t>Algoritmos e Complexidade</a:t>
-            </a:r>
+            <a:pPr algn="just"/>
+            <a:r>
+              <a:rPr lang="pt-BR" sz="2200" b="1" dirty="0">
+                <a:latin typeface="Times New Roman" panose="02020603050405020304" pitchFamily="18" charset="0"/>
+                <a:cs typeface="Times New Roman" panose="02020603050405020304" pitchFamily="18" charset="0"/>
+              </a:rPr>
+              <a:t>Recursividade</a:t>
+            </a:r>
+            <a:r>
+              <a:rPr lang="pt-BR" sz="2200" dirty="0">
+                <a:latin typeface="Times New Roman" panose="02020603050405020304" pitchFamily="18" charset="0"/>
+                <a:cs typeface="Times New Roman" panose="02020603050405020304" pitchFamily="18" charset="0"/>
+              </a:rPr>
+              <a:t> → </a:t>
+            </a:r>
+            <a:r>
+              <a:rPr lang="pt-BR" sz="2200" b="1" dirty="0">
+                <a:solidFill>
+                  <a:srgbClr val="FF0000"/>
+                </a:solidFill>
+                <a:latin typeface="Times New Roman" panose="02020603050405020304" pitchFamily="18" charset="0"/>
+                <a:cs typeface="Times New Roman" panose="02020603050405020304" pitchFamily="18" charset="0"/>
+              </a:rPr>
+              <a:t>base para </a:t>
+            </a:r>
+            <a:r>
+              <a:rPr lang="pt-BR" sz="2200" dirty="0">
+                <a:latin typeface="Times New Roman" panose="02020603050405020304" pitchFamily="18" charset="0"/>
+                <a:cs typeface="Times New Roman" panose="02020603050405020304" pitchFamily="18" charset="0"/>
+              </a:rPr>
+              <a:t>→ Divisão e Conquista, Programação Dinâmica</a:t>
+            </a:r>
+          </a:p>
+          <a:p>
+            <a:pPr algn="just"/>
+            <a:r>
+              <a:rPr lang="pt-BR" sz="2200" b="1" dirty="0">
+                <a:latin typeface="Times New Roman" panose="02020603050405020304" pitchFamily="18" charset="0"/>
+                <a:cs typeface="Times New Roman" panose="02020603050405020304" pitchFamily="18" charset="0"/>
+              </a:rPr>
+              <a:t>Divisão e Conquista </a:t>
+            </a:r>
+            <a:r>
+              <a:rPr lang="pt-BR" sz="2200" dirty="0">
+                <a:latin typeface="Times New Roman" panose="02020603050405020304" pitchFamily="18" charset="0"/>
+                <a:cs typeface="Times New Roman" panose="02020603050405020304" pitchFamily="18" charset="0"/>
+              </a:rPr>
+              <a:t>→ divide e combina subproblemas</a:t>
+            </a:r>
+          </a:p>
+          <a:p>
+            <a:pPr algn="just"/>
+            <a:r>
+              <a:rPr lang="pt-BR" sz="2200" b="1" dirty="0">
+                <a:latin typeface="Times New Roman" panose="02020603050405020304" pitchFamily="18" charset="0"/>
+                <a:cs typeface="Times New Roman" panose="02020603050405020304" pitchFamily="18" charset="0"/>
+              </a:rPr>
+              <a:t>Guloso</a:t>
+            </a:r>
+            <a:r>
+              <a:rPr lang="pt-BR" sz="2200" dirty="0">
+                <a:latin typeface="Times New Roman" panose="02020603050405020304" pitchFamily="18" charset="0"/>
+                <a:cs typeface="Times New Roman" panose="02020603050405020304" pitchFamily="18" charset="0"/>
+              </a:rPr>
+              <a:t> → escolhe o melhor local imediato</a:t>
+            </a:r>
+          </a:p>
+          <a:p>
+            <a:pPr algn="just"/>
+            <a:r>
+              <a:rPr lang="pt-BR" sz="2200" b="1" dirty="0">
+                <a:latin typeface="Times New Roman" panose="02020603050405020304" pitchFamily="18" charset="0"/>
+                <a:cs typeface="Times New Roman" panose="02020603050405020304" pitchFamily="18" charset="0"/>
+              </a:rPr>
+              <a:t>PD</a:t>
+            </a:r>
+            <a:r>
+              <a:rPr lang="pt-BR" sz="2200" dirty="0">
+                <a:latin typeface="Times New Roman" panose="02020603050405020304" pitchFamily="18" charset="0"/>
+                <a:cs typeface="Times New Roman" panose="02020603050405020304" pitchFamily="18" charset="0"/>
+              </a:rPr>
+              <a:t> → armazena subproblemas para otimizar</a:t>
+            </a:r>
+          </a:p>
+          <a:p>
+            <a:pPr algn="just"/>
+            <a:r>
+              <a:rPr lang="pt-BR" sz="2200" b="1" dirty="0">
+                <a:latin typeface="Times New Roman" panose="02020603050405020304" pitchFamily="18" charset="0"/>
+                <a:cs typeface="Times New Roman" panose="02020603050405020304" pitchFamily="18" charset="0"/>
+              </a:rPr>
+              <a:t>Incremental</a:t>
+            </a:r>
+            <a:r>
+              <a:rPr lang="pt-BR" sz="2200" dirty="0">
+                <a:latin typeface="Times New Roman" panose="02020603050405020304" pitchFamily="18" charset="0"/>
+                <a:cs typeface="Times New Roman" panose="02020603050405020304" pitchFamily="18" charset="0"/>
+              </a:rPr>
+              <a:t> → constrói gradualmente</a:t>
+            </a:r>
+          </a:p>
+          <a:p>
+            <a:pPr algn="just"/>
+            <a:r>
+              <a:rPr lang="pt-BR" sz="2200" b="1" dirty="0">
+                <a:latin typeface="Times New Roman" panose="02020603050405020304" pitchFamily="18" charset="0"/>
+                <a:cs typeface="Times New Roman" panose="02020603050405020304" pitchFamily="18" charset="0"/>
+              </a:rPr>
+              <a:t>Interativo</a:t>
+            </a:r>
+            <a:r>
+              <a:rPr lang="pt-BR" sz="2200" dirty="0">
+                <a:latin typeface="Times New Roman" panose="02020603050405020304" pitchFamily="18" charset="0"/>
+                <a:cs typeface="Times New Roman" panose="02020603050405020304" pitchFamily="18" charset="0"/>
+              </a:rPr>
+              <a:t> → repete até condição</a:t>
+            </a:r>
+          </a:p>
+          <a:p>
+            <a:pPr algn="just"/>
+            <a:r>
+              <a:rPr lang="pt-BR" sz="2200" b="1" dirty="0">
+                <a:latin typeface="Times New Roman" panose="02020603050405020304" pitchFamily="18" charset="0"/>
+                <a:cs typeface="Times New Roman" panose="02020603050405020304" pitchFamily="18" charset="0"/>
+              </a:rPr>
+              <a:t>Árvore e Grafo </a:t>
+            </a:r>
+            <a:r>
+              <a:rPr lang="pt-BR" sz="2200" dirty="0">
+                <a:latin typeface="Times New Roman" panose="02020603050405020304" pitchFamily="18" charset="0"/>
+                <a:cs typeface="Times New Roman" panose="02020603050405020304" pitchFamily="18" charset="0"/>
+              </a:rPr>
+              <a:t>→ estruturas para modelar problemas complexos</a:t>
+            </a:r>
+          </a:p>
+          <a:p>
+            <a:pPr algn="just"/>
+            <a:r>
+              <a:rPr lang="pt-BR" sz="2200" b="1" dirty="0">
+                <a:latin typeface="Times New Roman" panose="02020603050405020304" pitchFamily="18" charset="0"/>
+                <a:cs typeface="Times New Roman" panose="02020603050405020304" pitchFamily="18" charset="0"/>
+              </a:rPr>
+              <a:t>Problemas NP </a:t>
+            </a:r>
+            <a:r>
+              <a:rPr lang="pt-BR" sz="2200" dirty="0">
+                <a:latin typeface="Times New Roman" panose="02020603050405020304" pitchFamily="18" charset="0"/>
+                <a:cs typeface="Times New Roman" panose="02020603050405020304" pitchFamily="18" charset="0"/>
+              </a:rPr>
+              <a:t>→ desafiam todas as abordagens acima</a:t>
+            </a:r>
+            <a:endParaRPr lang="pt-BR" sz="2200" dirty="0">
+              <a:solidFill>
+                <a:schemeClr val="tx1"/>
+              </a:solidFill>
+              <a:latin typeface="Times New Roman" panose="02020603050405020304" pitchFamily="18" charset="0"/>
+              <a:cs typeface="Times New Roman" panose="02020603050405020304" pitchFamily="18" charset="0"/>
+            </a:endParaRPr>
           </a:p>
         </p:txBody>
       </p:sp>
-      <p:sp>
-        <p:nvSpPr>
-          <p:cNvPr id="6" name="Título 2"/>
-          <p:cNvSpPr txBox="1"/>
-          <p:nvPr/>
-        </p:nvSpPr>
-        <p:spPr>
-          <a:xfrm>
-            <a:off x="975683" y="3866663"/>
-            <a:ext cx="7772400" cy="1102519"/>
-          </a:xfrm>
-          <a:prstGeom prst="rect">
-            <a:avLst/>
-          </a:prstGeom>
-          <a:ln w="12700">
-            <a:miter lim="400000"/>
-          </a:ln>
-        </p:spPr>
-        <p:txBody>
-          <a:bodyPr lIns="45718" tIns="45718" rIns="45718" bIns="45718" anchor="ctr">
-            <a:noAutofit/>
-          </a:bodyPr>
-          <a:lstStyle>
-            <a:lvl1pPr marL="0" marR="0" indent="0" algn="ctr" defTabSz="457200" rtl="0" latinLnBrk="0">
-              <a:lnSpc>
-                <a:spcPct val="100000"/>
-              </a:lnSpc>
-              <a:spcBef>
-                <a:spcPts val="0"/>
-              </a:spcBef>
-              <a:spcAft>
-                <a:spcPts val="0"/>
-              </a:spcAft>
-              <a:buClrTx/>
-              <a:buSzTx/>
-              <a:buFontTx/>
-              <a:buNone/>
-              <a:defRPr sz="4400" b="0" i="0" u="none" strike="noStrike" cap="none" spc="0" baseline="0">
-                <a:ln>
-                  <a:noFill/>
-                </a:ln>
-                <a:solidFill>
-                  <a:srgbClr val="000000"/>
-                </a:solidFill>
-                <a:uFillTx/>
-                <a:latin typeface="+mj-lt"/>
-                <a:ea typeface="+mj-ea"/>
-                <a:cs typeface="+mj-cs"/>
-                <a:sym typeface="Calibri"/>
-              </a:defRPr>
-            </a:lvl1pPr>
-            <a:lvl2pPr marL="0" marR="0" indent="0" algn="ctr" defTabSz="457200" rtl="0" latinLnBrk="0">
-              <a:lnSpc>
-                <a:spcPct val="100000"/>
-              </a:lnSpc>
-              <a:spcBef>
-                <a:spcPts val="0"/>
-              </a:spcBef>
-              <a:spcAft>
-                <a:spcPts val="0"/>
-              </a:spcAft>
-              <a:buClrTx/>
-              <a:buSzTx/>
-              <a:buFontTx/>
-              <a:buNone/>
-              <a:defRPr sz="4400" b="0" i="0" u="none" strike="noStrike" cap="none" spc="0" baseline="0">
-                <a:ln>
-                  <a:noFill/>
-                </a:ln>
-                <a:solidFill>
-                  <a:srgbClr val="000000"/>
-                </a:solidFill>
-                <a:uFillTx/>
-                <a:latin typeface="+mj-lt"/>
-                <a:ea typeface="+mj-ea"/>
-                <a:cs typeface="+mj-cs"/>
-                <a:sym typeface="Calibri"/>
-              </a:defRPr>
-            </a:lvl2pPr>
-            <a:lvl3pPr marL="0" marR="0" indent="0" algn="ctr" defTabSz="457200" rtl="0" latinLnBrk="0">
-              <a:lnSpc>
-                <a:spcPct val="100000"/>
-              </a:lnSpc>
-              <a:spcBef>
-                <a:spcPts val="0"/>
-              </a:spcBef>
-              <a:spcAft>
-                <a:spcPts val="0"/>
-              </a:spcAft>
-              <a:buClrTx/>
-              <a:buSzTx/>
-              <a:buFontTx/>
-              <a:buNone/>
-              <a:defRPr sz="4400" b="0" i="0" u="none" strike="noStrike" cap="none" spc="0" baseline="0">
-                <a:ln>
-                  <a:noFill/>
-                </a:ln>
-                <a:solidFill>
-                  <a:srgbClr val="000000"/>
-                </a:solidFill>
-                <a:uFillTx/>
-                <a:latin typeface="+mj-lt"/>
-                <a:ea typeface="+mj-ea"/>
-                <a:cs typeface="+mj-cs"/>
-                <a:sym typeface="Calibri"/>
-              </a:defRPr>
-            </a:lvl3pPr>
-            <a:lvl4pPr marL="0" marR="0" indent="0" algn="ctr" defTabSz="457200" rtl="0" latinLnBrk="0">
-              <a:lnSpc>
-                <a:spcPct val="100000"/>
-              </a:lnSpc>
-              <a:spcBef>
-                <a:spcPts val="0"/>
-              </a:spcBef>
-              <a:spcAft>
-                <a:spcPts val="0"/>
-              </a:spcAft>
-              <a:buClrTx/>
-              <a:buSzTx/>
-              <a:buFontTx/>
-              <a:buNone/>
-              <a:defRPr sz="4400" b="0" i="0" u="none" strike="noStrike" cap="none" spc="0" baseline="0">
-                <a:ln>
-                  <a:noFill/>
-                </a:ln>
-                <a:solidFill>
-                  <a:srgbClr val="000000"/>
-                </a:solidFill>
-                <a:uFillTx/>
-                <a:latin typeface="+mj-lt"/>
-                <a:ea typeface="+mj-ea"/>
-                <a:cs typeface="+mj-cs"/>
-                <a:sym typeface="Calibri"/>
-              </a:defRPr>
-            </a:lvl4pPr>
-            <a:lvl5pPr marL="0" marR="0" indent="0" algn="ctr" defTabSz="457200" rtl="0" latinLnBrk="0">
-              <a:lnSpc>
-                <a:spcPct val="100000"/>
-              </a:lnSpc>
-              <a:spcBef>
-                <a:spcPts val="0"/>
-              </a:spcBef>
-              <a:spcAft>
-                <a:spcPts val="0"/>
-              </a:spcAft>
-              <a:buClrTx/>
-              <a:buSzTx/>
-              <a:buFontTx/>
-              <a:buNone/>
-              <a:defRPr sz="4400" b="0" i="0" u="none" strike="noStrike" cap="none" spc="0" baseline="0">
-                <a:ln>
-                  <a:noFill/>
-                </a:ln>
-                <a:solidFill>
-                  <a:srgbClr val="000000"/>
-                </a:solidFill>
-                <a:uFillTx/>
-                <a:latin typeface="+mj-lt"/>
-                <a:ea typeface="+mj-ea"/>
-                <a:cs typeface="+mj-cs"/>
-                <a:sym typeface="Calibri"/>
-              </a:defRPr>
-            </a:lvl5pPr>
-            <a:lvl6pPr marL="0" marR="0" indent="0" algn="ctr" defTabSz="457200" rtl="0" latinLnBrk="0">
-              <a:lnSpc>
-                <a:spcPct val="100000"/>
-              </a:lnSpc>
-              <a:spcBef>
-                <a:spcPts val="0"/>
-              </a:spcBef>
-              <a:spcAft>
-                <a:spcPts val="0"/>
-              </a:spcAft>
-              <a:buClrTx/>
-              <a:buSzTx/>
-              <a:buFontTx/>
-              <a:buNone/>
-              <a:defRPr sz="4400" b="0" i="0" u="none" strike="noStrike" cap="none" spc="0" baseline="0">
-                <a:ln>
-                  <a:noFill/>
-                </a:ln>
-                <a:solidFill>
-                  <a:srgbClr val="000000"/>
-                </a:solidFill>
-                <a:uFillTx/>
-                <a:latin typeface="+mj-lt"/>
-                <a:ea typeface="+mj-ea"/>
-                <a:cs typeface="+mj-cs"/>
-                <a:sym typeface="Calibri"/>
-              </a:defRPr>
-            </a:lvl6pPr>
-            <a:lvl7pPr marL="0" marR="0" indent="0" algn="ctr" defTabSz="457200" rtl="0" latinLnBrk="0">
-              <a:lnSpc>
-                <a:spcPct val="100000"/>
-              </a:lnSpc>
-              <a:spcBef>
-                <a:spcPts val="0"/>
-              </a:spcBef>
-              <a:spcAft>
-                <a:spcPts val="0"/>
-              </a:spcAft>
-              <a:buClrTx/>
-              <a:buSzTx/>
-              <a:buFontTx/>
-              <a:buNone/>
-              <a:defRPr sz="4400" b="0" i="0" u="none" strike="noStrike" cap="none" spc="0" baseline="0">
-                <a:ln>
-                  <a:noFill/>
-                </a:ln>
-                <a:solidFill>
-                  <a:srgbClr val="000000"/>
-                </a:solidFill>
-                <a:uFillTx/>
-                <a:latin typeface="+mj-lt"/>
-                <a:ea typeface="+mj-ea"/>
-                <a:cs typeface="+mj-cs"/>
-                <a:sym typeface="Calibri"/>
-              </a:defRPr>
-            </a:lvl7pPr>
-            <a:lvl8pPr marL="0" marR="0" indent="0" algn="ctr" defTabSz="457200" rtl="0" latinLnBrk="0">
-              <a:lnSpc>
-                <a:spcPct val="100000"/>
-              </a:lnSpc>
-              <a:spcBef>
-                <a:spcPts val="0"/>
-              </a:spcBef>
-              <a:spcAft>
-                <a:spcPts val="0"/>
-              </a:spcAft>
-              <a:buClrTx/>
-              <a:buSzTx/>
-              <a:buFontTx/>
-              <a:buNone/>
-              <a:defRPr sz="4400" b="0" i="0" u="none" strike="noStrike" cap="none" spc="0" baseline="0">
-                <a:ln>
-                  <a:noFill/>
-                </a:ln>
-                <a:solidFill>
-                  <a:srgbClr val="000000"/>
-                </a:solidFill>
-                <a:uFillTx/>
-                <a:latin typeface="+mj-lt"/>
-                <a:ea typeface="+mj-ea"/>
-                <a:cs typeface="+mj-cs"/>
-                <a:sym typeface="Calibri"/>
-              </a:defRPr>
-            </a:lvl8pPr>
-            <a:lvl9pPr marL="0" marR="0" indent="0" algn="ctr" defTabSz="457200" rtl="0" latinLnBrk="0">
-              <a:lnSpc>
-                <a:spcPct val="100000"/>
-              </a:lnSpc>
-              <a:spcBef>
-                <a:spcPts val="0"/>
-              </a:spcBef>
-              <a:spcAft>
-                <a:spcPts val="0"/>
-              </a:spcAft>
-              <a:buClrTx/>
-              <a:buSzTx/>
-              <a:buFontTx/>
-              <a:buNone/>
-              <a:defRPr sz="4400" b="0" i="0" u="none" strike="noStrike" cap="none" spc="0" baseline="0">
-                <a:ln>
-                  <a:noFill/>
-                </a:ln>
-                <a:solidFill>
-                  <a:srgbClr val="000000"/>
-                </a:solidFill>
-                <a:uFillTx/>
-                <a:latin typeface="+mj-lt"/>
-                <a:ea typeface="+mj-ea"/>
-                <a:cs typeface="+mj-cs"/>
-                <a:sym typeface="Calibri"/>
-              </a:defRPr>
-            </a:lvl9pPr>
-          </a:lstStyle>
-          <a:p>
-            <a:pPr algn="r" hangingPunct="1"/>
-            <a:r>
-              <a:rPr lang="pt-BR" sz="2000" b="1" dirty="0">
-                <a:solidFill>
-                  <a:schemeClr val="bg1"/>
-                </a:solidFill>
-              </a:rPr>
-              <a:t>Professor </a:t>
-            </a:r>
-            <a:r>
-              <a:rPr lang="pt-BR" sz="2000" b="1">
-                <a:solidFill>
-                  <a:schemeClr val="bg1"/>
-                </a:solidFill>
-              </a:rPr>
-              <a:t>M.Sc</a:t>
-            </a:r>
-            <a:r>
-              <a:rPr lang="pt-BR" sz="2000" b="1" dirty="0">
-                <a:solidFill>
-                  <a:schemeClr val="bg1"/>
-                </a:solidFill>
-              </a:rPr>
-              <a:t>. Heleno Cardoso</a:t>
-            </a:r>
-          </a:p>
-        </p:txBody>
-      </p:sp>
-      <p:pic>
-        <p:nvPicPr>
-          <p:cNvPr id="2" name="Google Shape;62;p1" descr="Imagem">
-            <a:extLst>
-              <a:ext uri="{FF2B5EF4-FFF2-40B4-BE49-F238E27FC236}">
-                <a16:creationId xmlns:a16="http://schemas.microsoft.com/office/drawing/2014/main" id="{9C895622-2963-024D-634E-EA58F5381D06}"/>
-              </a:ext>
-            </a:extLst>
-          </p:cNvPr>
-          <p:cNvPicPr preferRelativeResize="0"/>
-          <p:nvPr/>
-        </p:nvPicPr>
-        <p:blipFill rotWithShape="1">
-          <a:blip r:embed="rId4">
-            <a:alphaModFix/>
-          </a:blip>
-          <a:srcRect/>
-          <a:stretch/>
-        </p:blipFill>
-        <p:spPr>
-          <a:xfrm>
-            <a:off x="469898" y="343798"/>
-            <a:ext cx="2858518" cy="1338697"/>
-          </a:xfrm>
-          <a:prstGeom prst="rect">
-            <a:avLst/>
-          </a:prstGeom>
-          <a:noFill/>
-          <a:ln>
-            <a:noFill/>
-          </a:ln>
-        </p:spPr>
-      </p:pic>
     </p:spTree>
+    <p:extLst>
+      <p:ext uri="{BB962C8B-B14F-4D97-AF65-F5344CB8AC3E}">
+        <p14:creationId xmlns:p14="http://schemas.microsoft.com/office/powerpoint/2010/main" val="2384954978"/>
+      </p:ext>
+    </p:extLst>
   </p:cSld>
   <p:clrMapOvr>
     <a:masterClrMapping/>

--- a/01 Classes/Aula 10 - Algoritmos e Complexidade - Algoritmos Gulosos.pptx
+++ b/01 Classes/Aula 10 - Algoritmos e Complexidade - Algoritmos Gulosos.pptx
@@ -5603,49 +5603,16 @@
           </a:bodyPr>
           <a:lstStyle/>
           <a:p>
-            <a:pPr marL="0" indent="0">
-              <a:buNone/>
+            <a:pPr>
+              <a:buFont typeface="Wingdings" panose="05000000000000000000" pitchFamily="2" charset="2"/>
+              <a:buChar char="§"/>
             </a:pPr>
             <a:r>
-              <a:rPr lang="pt-BR" sz="2200" b="1" dirty="0" err="1">
-                <a:solidFill>
-                  <a:srgbClr val="FF0000"/>
-                </a:solidFill>
-                <a:latin typeface="Times New Roman" panose="02020603050405020304" pitchFamily="18" charset="0"/>
-                <a:cs typeface="Times New Roman" panose="02020603050405020304" pitchFamily="18" charset="0"/>
-              </a:rPr>
-              <a:t>Pseudo</a:t>
-            </a:r>
-            <a:r>
-              <a:rPr lang="pt-BR" sz="2200" b="1" dirty="0">
-                <a:solidFill>
-                  <a:srgbClr val="FF0000"/>
-                </a:solidFill>
-                <a:latin typeface="Times New Roman" panose="02020603050405020304" pitchFamily="18" charset="0"/>
-                <a:cs typeface="Times New Roman" panose="02020603050405020304" pitchFamily="18" charset="0"/>
-              </a:rPr>
-              <a:t> solução</a:t>
-            </a:r>
-            <a:r>
               <a:rPr lang="pt-BR" sz="2200" dirty="0">
                 <a:latin typeface="Times New Roman" panose="02020603050405020304" pitchFamily="18" charset="0"/>
                 <a:cs typeface="Times New Roman" panose="02020603050405020304" pitchFamily="18" charset="0"/>
               </a:rPr>
-              <a:t>: </a:t>
-            </a:r>
-            <a:r>
-              <a:rPr lang="pt-BR" sz="2200" b="1" dirty="0">
-                <a:latin typeface="Times New Roman" panose="02020603050405020304" pitchFamily="18" charset="0"/>
-                <a:cs typeface="Times New Roman" panose="02020603050405020304" pitchFamily="18" charset="0"/>
-              </a:rPr>
-              <a:t>A7; A2; A4; A5</a:t>
-            </a:r>
-            <a:r>
-              <a:rPr lang="pt-BR" sz="2200" dirty="0">
-                <a:latin typeface="Times New Roman" panose="02020603050405020304" pitchFamily="18" charset="0"/>
-                <a:cs typeface="Times New Roman" panose="02020603050405020304" pitchFamily="18" charset="0"/>
-              </a:rPr>
-              <a:t>.</a:t>
+              <a:t>A estratégia gulosa sempre gera o melhor resultado?</a:t>
             </a:r>
           </a:p>
           <a:p>
@@ -5667,8 +5634,17 @@
                 <a:latin typeface="Times New Roman" panose="02020603050405020304" pitchFamily="18" charset="0"/>
                 <a:cs typeface="Times New Roman" panose="02020603050405020304" pitchFamily="18" charset="0"/>
               </a:rPr>
-              <a:t>A estratégia gulosa sempre gera o melhor resultado?</a:t>
-            </a:r>
+              <a:t>Que outra estratégia vocês tentaram?</a:t>
+            </a:r>
+          </a:p>
+          <a:p>
+            <a:pPr marL="0" indent="0">
+              <a:buNone/>
+            </a:pPr>
+            <a:endParaRPr lang="pt-BR" sz="2200" dirty="0">
+              <a:latin typeface="Times New Roman" panose="02020603050405020304" pitchFamily="18" charset="0"/>
+              <a:cs typeface="Times New Roman" panose="02020603050405020304" pitchFamily="18" charset="0"/>
+            </a:endParaRPr>
           </a:p>
           <a:p>
             <a:pPr>
@@ -5680,21 +5656,47 @@
                 <a:latin typeface="Times New Roman" panose="02020603050405020304" pitchFamily="18" charset="0"/>
                 <a:cs typeface="Times New Roman" panose="02020603050405020304" pitchFamily="18" charset="0"/>
               </a:rPr>
-              <a:t>Que outra estratégia vocês tentaram?</a:t>
-            </a:r>
-          </a:p>
-          <a:p>
-            <a:pPr>
+              <a:t>Em quais casos o método guloso poderia falhar?</a:t>
+            </a:r>
+          </a:p>
+          <a:p>
+            <a:pPr lvl="1">
               <a:buFont typeface="Wingdings" panose="05000000000000000000" pitchFamily="2" charset="2"/>
               <a:buChar char="§"/>
             </a:pPr>
             <a:r>
-              <a:rPr lang="pt-BR" sz="2200" dirty="0">
-                <a:latin typeface="Times New Roman" panose="02020603050405020304" pitchFamily="18" charset="0"/>
-                <a:cs typeface="Times New Roman" panose="02020603050405020304" pitchFamily="18" charset="0"/>
-              </a:rPr>
-              <a:t>Em quais casos o método guloso poderia falhar?</a:t>
-            </a:r>
+              <a:rPr lang="pt-BR" sz="2200" b="1" dirty="0">
+                <a:latin typeface="Times New Roman" panose="02020603050405020304" pitchFamily="18" charset="0"/>
+                <a:cs typeface="Times New Roman" panose="02020603050405020304" pitchFamily="18" charset="0"/>
+              </a:rPr>
+              <a:t>Ex.: </a:t>
+            </a:r>
+            <a:r>
+              <a:rPr lang="pt-BR" sz="2200" b="1" dirty="0">
+                <a:solidFill>
+                  <a:srgbClr val="FF0000"/>
+                </a:solidFill>
+                <a:latin typeface="Times New Roman" panose="02020603050405020304" pitchFamily="18" charset="0"/>
+                <a:cs typeface="Times New Roman" panose="02020603050405020304" pitchFamily="18" charset="0"/>
+              </a:rPr>
+              <a:t>A1; A2; A3; A4</a:t>
+            </a:r>
+            <a:endParaRPr lang="pt-BR" sz="2200" dirty="0">
+              <a:solidFill>
+                <a:srgbClr val="FF0000"/>
+              </a:solidFill>
+              <a:latin typeface="Times New Roman" panose="02020603050405020304" pitchFamily="18" charset="0"/>
+              <a:cs typeface="Times New Roman" panose="02020603050405020304" pitchFamily="18" charset="0"/>
+            </a:endParaRPr>
+          </a:p>
+          <a:p>
+            <a:pPr marL="0" indent="0">
+              <a:buNone/>
+            </a:pPr>
+            <a:endParaRPr lang="pt-BR" sz="2200">
+              <a:latin typeface="Times New Roman" panose="02020603050405020304" pitchFamily="18" charset="0"/>
+              <a:cs typeface="Times New Roman" panose="02020603050405020304" pitchFamily="18" charset="0"/>
+            </a:endParaRPr>
           </a:p>
           <a:p>
             <a:pPr>

--- a/01 Classes/Aula 10 - Algoritmos e Complexidade - Algoritmos Gulosos.pptx
+++ b/01 Classes/Aula 10 - Algoritmos e Complexidade - Algoritmos Gulosos.pptx
@@ -7141,8 +7141,19 @@
                 <a:latin typeface="Times New Roman" panose="02020603050405020304" pitchFamily="18" charset="0"/>
                 <a:cs typeface="Times New Roman" panose="02020603050405020304" pitchFamily="18" charset="0"/>
               </a:rPr>
-              <a:t>, sem considerar consequências futuras.</a:t>
-            </a:r>
+              <a:t>, sem considerar consequências </a:t>
+            </a:r>
+            <a:r>
+              <a:rPr lang="pt-BR" sz="2400">
+                <a:latin typeface="Times New Roman" panose="02020603050405020304" pitchFamily="18" charset="0"/>
+                <a:cs typeface="Times New Roman" panose="02020603050405020304" pitchFamily="18" charset="0"/>
+              </a:rPr>
+              <a:t>futuras. </a:t>
+            </a:r>
+            <a:endParaRPr lang="pt-BR" sz="2400" dirty="0">
+              <a:latin typeface="Times New Roman" panose="02020603050405020304" pitchFamily="18" charset="0"/>
+              <a:cs typeface="Times New Roman" panose="02020603050405020304" pitchFamily="18" charset="0"/>
+            </a:endParaRPr>
           </a:p>
         </p:txBody>
       </p:sp>
